--- a/lections/lesson05/Lection5.pptx
+++ b/lections/lesson05/Lection5.pptx
@@ -6,24 +6,46 @@
   </p:sldMasterIdLst>
   <p:sldIdLst>
     <p:sldId id="256" r:id="rId2"/>
-    <p:sldId id="271" r:id="rId3"/>
-    <p:sldId id="272" r:id="rId4"/>
+    <p:sldId id="276" r:id="rId3"/>
+    <p:sldId id="271" r:id="rId4"/>
     <p:sldId id="274" r:id="rId5"/>
-    <p:sldId id="257" r:id="rId6"/>
-    <p:sldId id="258" r:id="rId7"/>
-    <p:sldId id="259" r:id="rId8"/>
-    <p:sldId id="260" r:id="rId9"/>
-    <p:sldId id="261" r:id="rId10"/>
-    <p:sldId id="262" r:id="rId11"/>
-    <p:sldId id="263" r:id="rId12"/>
-    <p:sldId id="273" r:id="rId13"/>
-    <p:sldId id="264" r:id="rId14"/>
-    <p:sldId id="265" r:id="rId15"/>
-    <p:sldId id="270" r:id="rId16"/>
-    <p:sldId id="269" r:id="rId17"/>
-    <p:sldId id="266" r:id="rId18"/>
-    <p:sldId id="267" r:id="rId19"/>
-    <p:sldId id="268" r:id="rId20"/>
+    <p:sldId id="272" r:id="rId6"/>
+    <p:sldId id="279" r:id="rId7"/>
+    <p:sldId id="278" r:id="rId8"/>
+    <p:sldId id="257" r:id="rId9"/>
+    <p:sldId id="258" r:id="rId10"/>
+    <p:sldId id="259" r:id="rId11"/>
+    <p:sldId id="260" r:id="rId12"/>
+    <p:sldId id="261" r:id="rId13"/>
+    <p:sldId id="262" r:id="rId14"/>
+    <p:sldId id="263" r:id="rId15"/>
+    <p:sldId id="293" r:id="rId16"/>
+    <p:sldId id="289" r:id="rId17"/>
+    <p:sldId id="288" r:id="rId18"/>
+    <p:sldId id="283" r:id="rId19"/>
+    <p:sldId id="290" r:id="rId20"/>
+    <p:sldId id="273" r:id="rId21"/>
+    <p:sldId id="264" r:id="rId22"/>
+    <p:sldId id="265" r:id="rId23"/>
+    <p:sldId id="294" r:id="rId24"/>
+    <p:sldId id="270" r:id="rId25"/>
+    <p:sldId id="295" r:id="rId26"/>
+    <p:sldId id="280" r:id="rId27"/>
+    <p:sldId id="281" r:id="rId28"/>
+    <p:sldId id="285" r:id="rId29"/>
+    <p:sldId id="269" r:id="rId30"/>
+    <p:sldId id="284" r:id="rId31"/>
+    <p:sldId id="266" r:id="rId32"/>
+    <p:sldId id="291" r:id="rId33"/>
+    <p:sldId id="292" r:id="rId34"/>
+    <p:sldId id="275" r:id="rId35"/>
+    <p:sldId id="267" r:id="rId36"/>
+    <p:sldId id="296" r:id="rId37"/>
+    <p:sldId id="299" r:id="rId38"/>
+    <p:sldId id="297" r:id="rId39"/>
+    <p:sldId id="268" r:id="rId40"/>
+    <p:sldId id="300" r:id="rId41"/>
+    <p:sldId id="287" r:id="rId42"/>
   </p:sldIdLst>
   <p:sldSz cx="9144000" cy="6858000" type="screen4x3"/>
   <p:notesSz cx="6858000" cy="9144000"/>
@@ -306,7 +328,7 @@
           <a:p>
             <a:fld id="{9BB3A09F-CA78-4D20-927C-3A82D7AE04D3}" type="datetimeFigureOut">
               <a:rPr lang="ru-RU" smtClean="0"/>
-              <a:t>11.03.2014</a:t>
+              <a:t>19.03.2014</a:t>
             </a:fld>
             <a:endParaRPr lang="ru-RU"/>
           </a:p>
@@ -476,7 +498,7 @@
           <a:p>
             <a:fld id="{9BB3A09F-CA78-4D20-927C-3A82D7AE04D3}" type="datetimeFigureOut">
               <a:rPr lang="ru-RU" smtClean="0"/>
-              <a:t>11.03.2014</a:t>
+              <a:t>19.03.2014</a:t>
             </a:fld>
             <a:endParaRPr lang="ru-RU"/>
           </a:p>
@@ -656,7 +678,7 @@
           <a:p>
             <a:fld id="{9BB3A09F-CA78-4D20-927C-3A82D7AE04D3}" type="datetimeFigureOut">
               <a:rPr lang="ru-RU" smtClean="0"/>
-              <a:t>11.03.2014</a:t>
+              <a:t>19.03.2014</a:t>
             </a:fld>
             <a:endParaRPr lang="ru-RU"/>
           </a:p>
@@ -826,7 +848,7 @@
           <a:p>
             <a:fld id="{9BB3A09F-CA78-4D20-927C-3A82D7AE04D3}" type="datetimeFigureOut">
               <a:rPr lang="ru-RU" smtClean="0"/>
-              <a:t>11.03.2014</a:t>
+              <a:t>19.03.2014</a:t>
             </a:fld>
             <a:endParaRPr lang="ru-RU"/>
           </a:p>
@@ -1072,7 +1094,7 @@
           <a:p>
             <a:fld id="{9BB3A09F-CA78-4D20-927C-3A82D7AE04D3}" type="datetimeFigureOut">
               <a:rPr lang="ru-RU" smtClean="0"/>
-              <a:t>11.03.2014</a:t>
+              <a:t>19.03.2014</a:t>
             </a:fld>
             <a:endParaRPr lang="ru-RU"/>
           </a:p>
@@ -1360,7 +1382,7 @@
           <a:p>
             <a:fld id="{9BB3A09F-CA78-4D20-927C-3A82D7AE04D3}" type="datetimeFigureOut">
               <a:rPr lang="ru-RU" smtClean="0"/>
-              <a:t>11.03.2014</a:t>
+              <a:t>19.03.2014</a:t>
             </a:fld>
             <a:endParaRPr lang="ru-RU"/>
           </a:p>
@@ -1782,7 +1804,7 @@
           <a:p>
             <a:fld id="{9BB3A09F-CA78-4D20-927C-3A82D7AE04D3}" type="datetimeFigureOut">
               <a:rPr lang="ru-RU" smtClean="0"/>
-              <a:t>11.03.2014</a:t>
+              <a:t>19.03.2014</a:t>
             </a:fld>
             <a:endParaRPr lang="ru-RU"/>
           </a:p>
@@ -1900,7 +1922,7 @@
           <a:p>
             <a:fld id="{9BB3A09F-CA78-4D20-927C-3A82D7AE04D3}" type="datetimeFigureOut">
               <a:rPr lang="ru-RU" smtClean="0"/>
-              <a:t>11.03.2014</a:t>
+              <a:t>19.03.2014</a:t>
             </a:fld>
             <a:endParaRPr lang="ru-RU"/>
           </a:p>
@@ -1995,7 +2017,7 @@
           <a:p>
             <a:fld id="{9BB3A09F-CA78-4D20-927C-3A82D7AE04D3}" type="datetimeFigureOut">
               <a:rPr lang="ru-RU" smtClean="0"/>
-              <a:t>11.03.2014</a:t>
+              <a:t>19.03.2014</a:t>
             </a:fld>
             <a:endParaRPr lang="ru-RU"/>
           </a:p>
@@ -2272,7 +2294,7 @@
           <a:p>
             <a:fld id="{9BB3A09F-CA78-4D20-927C-3A82D7AE04D3}" type="datetimeFigureOut">
               <a:rPr lang="ru-RU" smtClean="0"/>
-              <a:t>11.03.2014</a:t>
+              <a:t>19.03.2014</a:t>
             </a:fld>
             <a:endParaRPr lang="ru-RU"/>
           </a:p>
@@ -2525,7 +2547,7 @@
           <a:p>
             <a:fld id="{9BB3A09F-CA78-4D20-927C-3A82D7AE04D3}" type="datetimeFigureOut">
               <a:rPr lang="ru-RU" smtClean="0"/>
-              <a:t>11.03.2014</a:t>
+              <a:t>19.03.2014</a:t>
             </a:fld>
             <a:endParaRPr lang="ru-RU"/>
           </a:p>
@@ -2738,7 +2760,7 @@
           <a:p>
             <a:fld id="{9BB3A09F-CA78-4D20-927C-3A82D7AE04D3}" type="datetimeFigureOut">
               <a:rPr lang="ru-RU" smtClean="0"/>
-              <a:t>11.03.2014</a:t>
+              <a:t>19.03.2014</a:t>
             </a:fld>
             <a:endParaRPr lang="ru-RU"/>
           </a:p>
@@ -3151,7 +3173,7 @@
           <a:bodyPr/>
           <a:lstStyle/>
           <a:p>
-            <a:endParaRPr lang="ru-RU"/>
+            <a:endParaRPr lang="ru-RU" dirty="0"/>
           </a:p>
         </p:txBody>
       </p:sp>
@@ -3169,1486 +3191,6 @@
 </file>
 
 <file path=ppt/slides/slide10.xml><?xml version="1.0" encoding="utf-8"?>
-<p:sld xmlns:a="http://schemas.openxmlformats.org/drawingml/2006/main" xmlns:r="http://schemas.openxmlformats.org/officeDocument/2006/relationships" xmlns:p="http://schemas.openxmlformats.org/presentationml/2006/main">
-  <p:cSld>
-    <p:spTree>
-      <p:nvGrpSpPr>
-        <p:cNvPr id="1" name=""/>
-        <p:cNvGrpSpPr/>
-        <p:nvPr/>
-      </p:nvGrpSpPr>
-      <p:grpSpPr>
-        <a:xfrm>
-          <a:off x="0" y="0"/>
-          <a:ext cx="0" cy="0"/>
-          <a:chOff x="0" y="0"/>
-          <a:chExt cx="0" cy="0"/>
-        </a:xfrm>
-      </p:grpSpPr>
-      <p:sp>
-        <p:nvSpPr>
-          <p:cNvPr id="2" name="Заголовок 1"/>
-          <p:cNvSpPr>
-            <a:spLocks noGrp="1"/>
-          </p:cNvSpPr>
-          <p:nvPr>
-            <p:ph type="title"/>
-          </p:nvPr>
-        </p:nvSpPr>
-        <p:spPr/>
-        <p:txBody>
-          <a:bodyPr/>
-          <a:lstStyle/>
-          <a:p>
-            <a:r>
-              <a:rPr lang="ru-RU" dirty="0" smtClean="0"/>
-              <a:t>Кольцевой список</a:t>
-            </a:r>
-            <a:endParaRPr lang="ru-RU" dirty="0"/>
-          </a:p>
-        </p:txBody>
-      </p:sp>
-      <p:pic>
-        <p:nvPicPr>
-          <p:cNvPr id="4098" name="Picture 2" descr="Односвязный кольцевой список"/>
-          <p:cNvPicPr>
-            <a:picLocks noGrp="1" noChangeAspect="1" noChangeArrowheads="1"/>
-          </p:cNvPicPr>
-          <p:nvPr>
-            <p:ph idx="1"/>
-          </p:nvPr>
-        </p:nvPicPr>
-        <p:blipFill>
-          <a:blip r:embed="rId2">
-            <a:extLst>
-              <a:ext uri="{28A0092B-C50C-407E-A947-70E740481C1C}">
-                <a14:useLocalDpi xmlns:a14="http://schemas.microsoft.com/office/drawing/2010/main" val="0"/>
-              </a:ext>
-            </a:extLst>
-          </a:blip>
-          <a:srcRect/>
-          <a:stretch>
-            <a:fillRect/>
-          </a:stretch>
-        </p:blipFill>
-        <p:spPr bwMode="auto">
-          <a:xfrm>
-            <a:off x="1691680" y="1268760"/>
-            <a:ext cx="5472608" cy="1519612"/>
-          </a:xfrm>
-          <a:prstGeom prst="rect">
-            <a:avLst/>
-          </a:prstGeom>
-          <a:noFill/>
-          <a:extLst>
-            <a:ext uri="{909E8E84-426E-40DD-AFC4-6F175D3DCCD1}">
-              <a14:hiddenFill xmlns:a14="http://schemas.microsoft.com/office/drawing/2010/main">
-                <a:solidFill>
-                  <a:srgbClr val="FFFFFF"/>
-                </a:solidFill>
-              </a14:hiddenFill>
-            </a:ext>
-          </a:extLst>
-        </p:spPr>
-      </p:pic>
-    </p:spTree>
-    <p:extLst>
-      <p:ext uri="{BB962C8B-B14F-4D97-AF65-F5344CB8AC3E}">
-        <p14:creationId xmlns:p14="http://schemas.microsoft.com/office/powerpoint/2010/main" val="134077402"/>
-      </p:ext>
-    </p:extLst>
-  </p:cSld>
-  <p:clrMapOvr>
-    <a:masterClrMapping/>
-  </p:clrMapOvr>
-</p:sld>
-</file>
-
-<file path=ppt/slides/slide11.xml><?xml version="1.0" encoding="utf-8"?>
-<p:sld xmlns:a="http://schemas.openxmlformats.org/drawingml/2006/main" xmlns:r="http://schemas.openxmlformats.org/officeDocument/2006/relationships" xmlns:p="http://schemas.openxmlformats.org/presentationml/2006/main">
-  <p:cSld>
-    <p:spTree>
-      <p:nvGrpSpPr>
-        <p:cNvPr id="1" name=""/>
-        <p:cNvGrpSpPr/>
-        <p:nvPr/>
-      </p:nvGrpSpPr>
-      <p:grpSpPr>
-        <a:xfrm>
-          <a:off x="0" y="0"/>
-          <a:ext cx="0" cy="0"/>
-          <a:chOff x="0" y="0"/>
-          <a:chExt cx="0" cy="0"/>
-        </a:xfrm>
-      </p:grpSpPr>
-      <p:sp>
-        <p:nvSpPr>
-          <p:cNvPr id="2" name="Заголовок 1"/>
-          <p:cNvSpPr>
-            <a:spLocks noGrp="1"/>
-          </p:cNvSpPr>
-          <p:nvPr>
-            <p:ph type="title"/>
-          </p:nvPr>
-        </p:nvSpPr>
-        <p:spPr/>
-        <p:txBody>
-          <a:bodyPr/>
-          <a:lstStyle/>
-          <a:p>
-            <a:r>
-              <a:rPr lang="ru-RU" dirty="0" smtClean="0"/>
-              <a:t>Пример реализации</a:t>
-            </a:r>
-            <a:endParaRPr lang="ru-RU" dirty="0"/>
-          </a:p>
-        </p:txBody>
-      </p:sp>
-      <p:sp>
-        <p:nvSpPr>
-          <p:cNvPr id="3" name="Объект 2"/>
-          <p:cNvSpPr>
-            <a:spLocks noGrp="1"/>
-          </p:cNvSpPr>
-          <p:nvPr>
-            <p:ph idx="1"/>
-          </p:nvPr>
-        </p:nvSpPr>
-        <p:spPr/>
-        <p:txBody>
-          <a:bodyPr/>
-          <a:lstStyle/>
-          <a:p>
-            <a:endParaRPr lang="ru-RU"/>
-          </a:p>
-        </p:txBody>
-      </p:sp>
-    </p:spTree>
-    <p:extLst>
-      <p:ext uri="{BB962C8B-B14F-4D97-AF65-F5344CB8AC3E}">
-        <p14:creationId xmlns:p14="http://schemas.microsoft.com/office/powerpoint/2010/main" val="643532856"/>
-      </p:ext>
-    </p:extLst>
-  </p:cSld>
-  <p:clrMapOvr>
-    <a:masterClrMapping/>
-  </p:clrMapOvr>
-</p:sld>
-</file>
-
-<file path=ppt/slides/slide12.xml><?xml version="1.0" encoding="utf-8"?>
-<p:sld xmlns:a="http://schemas.openxmlformats.org/drawingml/2006/main" xmlns:r="http://schemas.openxmlformats.org/officeDocument/2006/relationships" xmlns:p="http://schemas.openxmlformats.org/presentationml/2006/main">
-  <p:cSld>
-    <p:spTree>
-      <p:nvGrpSpPr>
-        <p:cNvPr id="1" name=""/>
-        <p:cNvGrpSpPr/>
-        <p:nvPr/>
-      </p:nvGrpSpPr>
-      <p:grpSpPr>
-        <a:xfrm>
-          <a:off x="0" y="0"/>
-          <a:ext cx="0" cy="0"/>
-          <a:chOff x="0" y="0"/>
-          <a:chExt cx="0" cy="0"/>
-        </a:xfrm>
-      </p:grpSpPr>
-      <p:sp>
-        <p:nvSpPr>
-          <p:cNvPr id="2" name="Заголовок 1"/>
-          <p:cNvSpPr>
-            <a:spLocks noGrp="1"/>
-          </p:cNvSpPr>
-          <p:nvPr>
-            <p:ph type="title"/>
-          </p:nvPr>
-        </p:nvSpPr>
-        <p:spPr/>
-        <p:txBody>
-          <a:bodyPr/>
-          <a:lstStyle/>
-          <a:p>
-            <a:r>
-              <a:rPr lang="ru-RU" dirty="0" smtClean="0"/>
-              <a:t>Характеристики</a:t>
-            </a:r>
-            <a:endParaRPr lang="ru-RU" dirty="0"/>
-          </a:p>
-        </p:txBody>
-      </p:sp>
-      <p:sp>
-        <p:nvSpPr>
-          <p:cNvPr id="3" name="Объект 2"/>
-          <p:cNvSpPr>
-            <a:spLocks noGrp="1"/>
-          </p:cNvSpPr>
-          <p:nvPr>
-            <p:ph idx="1"/>
-          </p:nvPr>
-        </p:nvSpPr>
-        <p:spPr/>
-        <p:txBody>
-          <a:bodyPr/>
-          <a:lstStyle/>
-          <a:p>
-            <a:endParaRPr lang="ru-RU"/>
-          </a:p>
-        </p:txBody>
-      </p:sp>
-    </p:spTree>
-    <p:extLst>
-      <p:ext uri="{BB962C8B-B14F-4D97-AF65-F5344CB8AC3E}">
-        <p14:creationId xmlns:p14="http://schemas.microsoft.com/office/powerpoint/2010/main" val="2832416198"/>
-      </p:ext>
-    </p:extLst>
-  </p:cSld>
-  <p:clrMapOvr>
-    <a:masterClrMapping/>
-  </p:clrMapOvr>
-</p:sld>
-</file>
-
-<file path=ppt/slides/slide13.xml><?xml version="1.0" encoding="utf-8"?>
-<p:sld xmlns:a="http://schemas.openxmlformats.org/drawingml/2006/main" xmlns:r="http://schemas.openxmlformats.org/officeDocument/2006/relationships" xmlns:p="http://schemas.openxmlformats.org/presentationml/2006/main">
-  <p:cSld>
-    <p:spTree>
-      <p:nvGrpSpPr>
-        <p:cNvPr id="1" name=""/>
-        <p:cNvGrpSpPr/>
-        <p:nvPr/>
-      </p:nvGrpSpPr>
-      <p:grpSpPr>
-        <a:xfrm>
-          <a:off x="0" y="0"/>
-          <a:ext cx="0" cy="0"/>
-          <a:chOff x="0" y="0"/>
-          <a:chExt cx="0" cy="0"/>
-        </a:xfrm>
-      </p:grpSpPr>
-      <p:sp>
-        <p:nvSpPr>
-          <p:cNvPr id="2" name="Заголовок 1"/>
-          <p:cNvSpPr>
-            <a:spLocks noGrp="1"/>
-          </p:cNvSpPr>
-          <p:nvPr>
-            <p:ph type="title"/>
-          </p:nvPr>
-        </p:nvSpPr>
-        <p:spPr/>
-        <p:txBody>
-          <a:bodyPr/>
-          <a:lstStyle/>
-          <a:p>
-            <a:r>
-              <a:rPr lang="ru-RU" dirty="0" smtClean="0"/>
-              <a:t>Хеш-таблица </a:t>
-            </a:r>
-            <a:r>
-              <a:rPr lang="en-US" dirty="0" smtClean="0"/>
-              <a:t>(</a:t>
-            </a:r>
-            <a:r>
-              <a:rPr lang="en-US" dirty="0" err="1" smtClean="0"/>
-              <a:t>HashMap</a:t>
-            </a:r>
-            <a:r>
-              <a:rPr lang="en-US" dirty="0" smtClean="0"/>
-              <a:t>)</a:t>
-            </a:r>
-            <a:endParaRPr lang="ru-RU" dirty="0"/>
-          </a:p>
-        </p:txBody>
-      </p:sp>
-      <p:sp>
-        <p:nvSpPr>
-          <p:cNvPr id="3" name="Объект 2"/>
-          <p:cNvSpPr>
-            <a:spLocks noGrp="1"/>
-          </p:cNvSpPr>
-          <p:nvPr>
-            <p:ph idx="1"/>
-          </p:nvPr>
-        </p:nvSpPr>
-        <p:spPr/>
-        <p:txBody>
-          <a:bodyPr/>
-          <a:lstStyle/>
-          <a:p>
-            <a:r>
-              <a:rPr lang="ru-RU" dirty="0"/>
-              <a:t> </a:t>
-            </a:r>
-            <a:r>
-              <a:rPr lang="ru-RU" sz="2800" dirty="0" smtClean="0"/>
-              <a:t>Структура, реализующая </a:t>
-            </a:r>
-            <a:r>
-              <a:rPr lang="ru-RU" sz="2800" dirty="0"/>
-              <a:t>интерфейс ассоциативного </a:t>
-            </a:r>
-            <a:r>
-              <a:rPr lang="ru-RU" sz="2800" dirty="0" smtClean="0"/>
-              <a:t>массива</a:t>
-            </a:r>
-          </a:p>
-          <a:p>
-            <a:r>
-              <a:rPr lang="ru-RU" sz="2800" dirty="0" smtClean="0"/>
-              <a:t>Позволяет </a:t>
-            </a:r>
-            <a:r>
-              <a:rPr lang="ru-RU" sz="2800" dirty="0"/>
-              <a:t>хранить пары (ключ, значение</a:t>
-            </a:r>
-            <a:r>
-              <a:rPr lang="ru-RU" sz="2800" dirty="0" smtClean="0"/>
-              <a:t>)</a:t>
-            </a:r>
-          </a:p>
-          <a:p>
-            <a:r>
-              <a:rPr lang="ru-RU" sz="2800" dirty="0" smtClean="0"/>
-              <a:t>Основные операции добавление </a:t>
-            </a:r>
-            <a:r>
-              <a:rPr lang="ru-RU" sz="2800" dirty="0"/>
-              <a:t>новой пары, операцию поиска и операцию удаления пары по ключу</a:t>
-            </a:r>
-          </a:p>
-        </p:txBody>
-      </p:sp>
-      <p:pic>
-        <p:nvPicPr>
-          <p:cNvPr id="5123" name="Picture 3"/>
-          <p:cNvPicPr>
-            <a:picLocks noChangeAspect="1" noChangeArrowheads="1"/>
-          </p:cNvPicPr>
-          <p:nvPr/>
-        </p:nvPicPr>
-        <p:blipFill>
-          <a:blip r:embed="rId2">
-            <a:extLst>
-              <a:ext uri="{28A0092B-C50C-407E-A947-70E740481C1C}">
-                <a14:useLocalDpi xmlns:a14="http://schemas.microsoft.com/office/drawing/2010/main" val="0"/>
-              </a:ext>
-            </a:extLst>
-          </a:blip>
-          <a:srcRect/>
-          <a:stretch>
-            <a:fillRect/>
-          </a:stretch>
-        </p:blipFill>
-        <p:spPr bwMode="auto">
-          <a:xfrm>
-            <a:off x="4251435" y="4077072"/>
-            <a:ext cx="4185466" cy="2160241"/>
-          </a:xfrm>
-          <a:prstGeom prst="rect">
-            <a:avLst/>
-          </a:prstGeom>
-          <a:noFill/>
-          <a:ln>
-            <a:noFill/>
-          </a:ln>
-          <a:extLst>
-            <a:ext uri="{909E8E84-426E-40DD-AFC4-6F175D3DCCD1}">
-              <a14:hiddenFill xmlns:a14="http://schemas.microsoft.com/office/drawing/2010/main">
-                <a:solidFill>
-                  <a:schemeClr val="accent1"/>
-                </a:solidFill>
-              </a14:hiddenFill>
-            </a:ext>
-            <a:ext uri="{91240B29-F687-4F45-9708-019B960494DF}">
-              <a14:hiddenLine xmlns:a14="http://schemas.microsoft.com/office/drawing/2010/main" w="9525">
-                <a:solidFill>
-                  <a:schemeClr val="tx1"/>
-                </a:solidFill>
-                <a:miter lim="800000"/>
-                <a:headEnd/>
-                <a:tailEnd/>
-              </a14:hiddenLine>
-            </a:ext>
-          </a:extLst>
-        </p:spPr>
-      </p:pic>
-    </p:spTree>
-    <p:extLst>
-      <p:ext uri="{BB962C8B-B14F-4D97-AF65-F5344CB8AC3E}">
-        <p14:creationId xmlns:p14="http://schemas.microsoft.com/office/powerpoint/2010/main" val="2759845153"/>
-      </p:ext>
-    </p:extLst>
-  </p:cSld>
-  <p:clrMapOvr>
-    <a:masterClrMapping/>
-  </p:clrMapOvr>
-</p:sld>
-</file>
-
-<file path=ppt/slides/slide14.xml><?xml version="1.0" encoding="utf-8"?>
-<p:sld xmlns:a="http://schemas.openxmlformats.org/drawingml/2006/main" xmlns:r="http://schemas.openxmlformats.org/officeDocument/2006/relationships" xmlns:p="http://schemas.openxmlformats.org/presentationml/2006/main">
-  <p:cSld>
-    <p:spTree>
-      <p:nvGrpSpPr>
-        <p:cNvPr id="1" name=""/>
-        <p:cNvGrpSpPr/>
-        <p:nvPr/>
-      </p:nvGrpSpPr>
-      <p:grpSpPr>
-        <a:xfrm>
-          <a:off x="0" y="0"/>
-          <a:ext cx="0" cy="0"/>
-          <a:chOff x="0" y="0"/>
-          <a:chExt cx="0" cy="0"/>
-        </a:xfrm>
-      </p:grpSpPr>
-      <p:sp>
-        <p:nvSpPr>
-          <p:cNvPr id="2" name="Заголовок 1"/>
-          <p:cNvSpPr>
-            <a:spLocks noGrp="1"/>
-          </p:cNvSpPr>
-          <p:nvPr>
-            <p:ph type="title"/>
-          </p:nvPr>
-        </p:nvSpPr>
-        <p:spPr/>
-        <p:txBody>
-          <a:bodyPr/>
-          <a:lstStyle/>
-          <a:p>
-            <a:r>
-              <a:rPr lang="ru-RU" dirty="0" smtClean="0"/>
-              <a:t>Пример использования</a:t>
-            </a:r>
-            <a:endParaRPr lang="ru-RU" dirty="0"/>
-          </a:p>
-        </p:txBody>
-      </p:sp>
-      <p:sp>
-        <p:nvSpPr>
-          <p:cNvPr id="3" name="Объект 2"/>
-          <p:cNvSpPr>
-            <a:spLocks noGrp="1"/>
-          </p:cNvSpPr>
-          <p:nvPr>
-            <p:ph idx="1"/>
-          </p:nvPr>
-        </p:nvSpPr>
-        <p:spPr/>
-        <p:txBody>
-          <a:bodyPr/>
-          <a:lstStyle/>
-          <a:p>
-            <a:endParaRPr lang="ru-RU" dirty="0"/>
-          </a:p>
-        </p:txBody>
-      </p:sp>
-      <p:pic>
-        <p:nvPicPr>
-          <p:cNvPr id="8194" name="Picture 2"/>
-          <p:cNvPicPr>
-            <a:picLocks noChangeAspect="1" noChangeArrowheads="1"/>
-          </p:cNvPicPr>
-          <p:nvPr/>
-        </p:nvPicPr>
-        <p:blipFill>
-          <a:blip r:embed="rId2">
-            <a:extLst>
-              <a:ext uri="{28A0092B-C50C-407E-A947-70E740481C1C}">
-                <a14:useLocalDpi xmlns:a14="http://schemas.microsoft.com/office/drawing/2010/main" val="0"/>
-              </a:ext>
-            </a:extLst>
-          </a:blip>
-          <a:srcRect/>
-          <a:stretch>
-            <a:fillRect/>
-          </a:stretch>
-        </p:blipFill>
-        <p:spPr bwMode="auto">
-          <a:xfrm>
-            <a:off x="678373" y="1700808"/>
-            <a:ext cx="7854068" cy="1977955"/>
-          </a:xfrm>
-          <a:prstGeom prst="rect">
-            <a:avLst/>
-          </a:prstGeom>
-          <a:noFill/>
-          <a:ln>
-            <a:noFill/>
-          </a:ln>
-          <a:extLst>
-            <a:ext uri="{909E8E84-426E-40DD-AFC4-6F175D3DCCD1}">
-              <a14:hiddenFill xmlns:a14="http://schemas.microsoft.com/office/drawing/2010/main">
-                <a:solidFill>
-                  <a:schemeClr val="accent1"/>
-                </a:solidFill>
-              </a14:hiddenFill>
-            </a:ext>
-            <a:ext uri="{91240B29-F687-4F45-9708-019B960494DF}">
-              <a14:hiddenLine xmlns:a14="http://schemas.microsoft.com/office/drawing/2010/main" w="9525">
-                <a:solidFill>
-                  <a:schemeClr val="tx1"/>
-                </a:solidFill>
-                <a:miter lim="800000"/>
-                <a:headEnd/>
-                <a:tailEnd/>
-              </a14:hiddenLine>
-            </a:ext>
-          </a:extLst>
-        </p:spPr>
-      </p:pic>
-    </p:spTree>
-    <p:extLst>
-      <p:ext uri="{BB962C8B-B14F-4D97-AF65-F5344CB8AC3E}">
-        <p14:creationId xmlns:p14="http://schemas.microsoft.com/office/powerpoint/2010/main" val="2685620734"/>
-      </p:ext>
-    </p:extLst>
-  </p:cSld>
-  <p:clrMapOvr>
-    <a:masterClrMapping/>
-  </p:clrMapOvr>
-</p:sld>
-</file>
-
-<file path=ppt/slides/slide15.xml><?xml version="1.0" encoding="utf-8"?>
-<p:sld xmlns:a="http://schemas.openxmlformats.org/drawingml/2006/main" xmlns:r="http://schemas.openxmlformats.org/officeDocument/2006/relationships" xmlns:p="http://schemas.openxmlformats.org/presentationml/2006/main">
-  <p:cSld>
-    <p:spTree>
-      <p:nvGrpSpPr>
-        <p:cNvPr id="1" name=""/>
-        <p:cNvGrpSpPr/>
-        <p:nvPr/>
-      </p:nvGrpSpPr>
-      <p:grpSpPr>
-        <a:xfrm>
-          <a:off x="0" y="0"/>
-          <a:ext cx="0" cy="0"/>
-          <a:chOff x="0" y="0"/>
-          <a:chExt cx="0" cy="0"/>
-        </a:xfrm>
-      </p:grpSpPr>
-      <p:sp>
-        <p:nvSpPr>
-          <p:cNvPr id="2" name="Заголовок 1"/>
-          <p:cNvSpPr>
-            <a:spLocks noGrp="1"/>
-          </p:cNvSpPr>
-          <p:nvPr>
-            <p:ph type="title"/>
-          </p:nvPr>
-        </p:nvSpPr>
-        <p:spPr/>
-        <p:txBody>
-          <a:bodyPr/>
-          <a:lstStyle/>
-          <a:p>
-            <a:r>
-              <a:rPr lang="ru-RU" dirty="0" smtClean="0"/>
-              <a:t>Понятие </a:t>
-            </a:r>
-            <a:r>
-              <a:rPr lang="ru-RU" dirty="0" err="1" smtClean="0"/>
-              <a:t>хэш</a:t>
-            </a:r>
-            <a:r>
-              <a:rPr lang="ru-RU" dirty="0" smtClean="0"/>
-              <a:t> функции</a:t>
-            </a:r>
-            <a:endParaRPr lang="ru-RU" dirty="0"/>
-          </a:p>
-        </p:txBody>
-      </p:sp>
-      <p:sp>
-        <p:nvSpPr>
-          <p:cNvPr id="3" name="Объект 2"/>
-          <p:cNvSpPr>
-            <a:spLocks noGrp="1"/>
-          </p:cNvSpPr>
-          <p:nvPr>
-            <p:ph idx="1"/>
-          </p:nvPr>
-        </p:nvSpPr>
-        <p:spPr/>
-        <p:txBody>
-          <a:bodyPr/>
-          <a:lstStyle/>
-          <a:p>
-            <a:endParaRPr lang="ru-RU"/>
-          </a:p>
-        </p:txBody>
-      </p:sp>
-    </p:spTree>
-    <p:extLst>
-      <p:ext uri="{BB962C8B-B14F-4D97-AF65-F5344CB8AC3E}">
-        <p14:creationId xmlns:p14="http://schemas.microsoft.com/office/powerpoint/2010/main" val="1920032742"/>
-      </p:ext>
-    </p:extLst>
-  </p:cSld>
-  <p:clrMapOvr>
-    <a:masterClrMapping/>
-  </p:clrMapOvr>
-</p:sld>
-</file>
-
-<file path=ppt/slides/slide16.xml><?xml version="1.0" encoding="utf-8"?>
-<p:sld xmlns:a="http://schemas.openxmlformats.org/drawingml/2006/main" xmlns:r="http://schemas.openxmlformats.org/officeDocument/2006/relationships" xmlns:p="http://schemas.openxmlformats.org/presentationml/2006/main">
-  <p:cSld>
-    <p:spTree>
-      <p:nvGrpSpPr>
-        <p:cNvPr id="1" name=""/>
-        <p:cNvGrpSpPr/>
-        <p:nvPr/>
-      </p:nvGrpSpPr>
-      <p:grpSpPr>
-        <a:xfrm>
-          <a:off x="0" y="0"/>
-          <a:ext cx="0" cy="0"/>
-          <a:chOff x="0" y="0"/>
-          <a:chExt cx="0" cy="0"/>
-        </a:xfrm>
-      </p:grpSpPr>
-      <p:sp>
-        <p:nvSpPr>
-          <p:cNvPr id="2" name="Заголовок 1"/>
-          <p:cNvSpPr>
-            <a:spLocks noGrp="1"/>
-          </p:cNvSpPr>
-          <p:nvPr>
-            <p:ph type="title"/>
-          </p:nvPr>
-        </p:nvSpPr>
-        <p:spPr/>
-        <p:txBody>
-          <a:bodyPr>
-            <a:normAutofit fontScale="90000"/>
-          </a:bodyPr>
-          <a:lstStyle/>
-          <a:p>
-            <a:r>
-              <a:rPr lang="ru-RU" dirty="0" smtClean="0"/>
-              <a:t>Разрешение коллизий (метод цепочек)</a:t>
-            </a:r>
-            <a:endParaRPr lang="ru-RU" dirty="0"/>
-          </a:p>
-        </p:txBody>
-      </p:sp>
-      <p:pic>
-        <p:nvPicPr>
-          <p:cNvPr id="6146" name="Picture 2" descr="http://upload.wikimedia.org/wikipedia/commons/thumb/d/d0/Hash_table_5_0_1_1_1_1_1_LL.svg/380px-Hash_table_5_0_1_1_1_1_1_LL.svg.png"/>
-          <p:cNvPicPr>
-            <a:picLocks noGrp="1" noChangeAspect="1" noChangeArrowheads="1"/>
-          </p:cNvPicPr>
-          <p:nvPr>
-            <p:ph idx="1"/>
-          </p:nvPr>
-        </p:nvPicPr>
-        <p:blipFill>
-          <a:blip r:embed="rId2">
-            <a:extLst>
-              <a:ext uri="{28A0092B-C50C-407E-A947-70E740481C1C}">
-                <a14:useLocalDpi xmlns:a14="http://schemas.microsoft.com/office/drawing/2010/main" val="0"/>
-              </a:ext>
-            </a:extLst>
-          </a:blip>
-          <a:srcRect/>
-          <a:stretch>
-            <a:fillRect/>
-          </a:stretch>
-        </p:blipFill>
-        <p:spPr bwMode="auto">
-          <a:xfrm>
-            <a:off x="1907703" y="1700808"/>
-            <a:ext cx="5744151" cy="3960440"/>
-          </a:xfrm>
-          <a:prstGeom prst="rect">
-            <a:avLst/>
-          </a:prstGeom>
-          <a:noFill/>
-          <a:extLst>
-            <a:ext uri="{909E8E84-426E-40DD-AFC4-6F175D3DCCD1}">
-              <a14:hiddenFill xmlns:a14="http://schemas.microsoft.com/office/drawing/2010/main">
-                <a:solidFill>
-                  <a:srgbClr val="FFFFFF"/>
-                </a:solidFill>
-              </a14:hiddenFill>
-            </a:ext>
-          </a:extLst>
-        </p:spPr>
-      </p:pic>
-    </p:spTree>
-    <p:extLst>
-      <p:ext uri="{BB962C8B-B14F-4D97-AF65-F5344CB8AC3E}">
-        <p14:creationId xmlns:p14="http://schemas.microsoft.com/office/powerpoint/2010/main" val="1906737771"/>
-      </p:ext>
-    </p:extLst>
-  </p:cSld>
-  <p:clrMapOvr>
-    <a:masterClrMapping/>
-  </p:clrMapOvr>
-</p:sld>
-</file>
-
-<file path=ppt/slides/slide17.xml><?xml version="1.0" encoding="utf-8"?>
-<p:sld xmlns:a="http://schemas.openxmlformats.org/drawingml/2006/main" xmlns:r="http://schemas.openxmlformats.org/officeDocument/2006/relationships" xmlns:p="http://schemas.openxmlformats.org/presentationml/2006/main">
-  <p:cSld>
-    <p:spTree>
-      <p:nvGrpSpPr>
-        <p:cNvPr id="1" name=""/>
-        <p:cNvGrpSpPr/>
-        <p:nvPr/>
-      </p:nvGrpSpPr>
-      <p:grpSpPr>
-        <a:xfrm>
-          <a:off x="0" y="0"/>
-          <a:ext cx="0" cy="0"/>
-          <a:chOff x="0" y="0"/>
-          <a:chExt cx="0" cy="0"/>
-        </a:xfrm>
-      </p:grpSpPr>
-      <p:sp>
-        <p:nvSpPr>
-          <p:cNvPr id="2" name="Заголовок 1"/>
-          <p:cNvSpPr>
-            <a:spLocks noGrp="1"/>
-          </p:cNvSpPr>
-          <p:nvPr>
-            <p:ph type="title"/>
-          </p:nvPr>
-        </p:nvSpPr>
-        <p:spPr/>
-        <p:txBody>
-          <a:bodyPr/>
-          <a:lstStyle/>
-          <a:p>
-            <a:r>
-              <a:rPr lang="ru-RU" dirty="0" smtClean="0"/>
-              <a:t>Пример реализации</a:t>
-            </a:r>
-            <a:endParaRPr lang="ru-RU" dirty="0"/>
-          </a:p>
-        </p:txBody>
-      </p:sp>
-      <p:sp>
-        <p:nvSpPr>
-          <p:cNvPr id="3" name="Объект 2"/>
-          <p:cNvSpPr>
-            <a:spLocks noGrp="1"/>
-          </p:cNvSpPr>
-          <p:nvPr>
-            <p:ph idx="1"/>
-          </p:nvPr>
-        </p:nvSpPr>
-        <p:spPr/>
-        <p:txBody>
-          <a:bodyPr/>
-          <a:lstStyle/>
-          <a:p>
-            <a:endParaRPr lang="ru-RU"/>
-          </a:p>
-        </p:txBody>
-      </p:sp>
-    </p:spTree>
-    <p:extLst>
-      <p:ext uri="{BB962C8B-B14F-4D97-AF65-F5344CB8AC3E}">
-        <p14:creationId xmlns:p14="http://schemas.microsoft.com/office/powerpoint/2010/main" val="2370080872"/>
-      </p:ext>
-    </p:extLst>
-  </p:cSld>
-  <p:clrMapOvr>
-    <a:masterClrMapping/>
-  </p:clrMapOvr>
-</p:sld>
-</file>
-
-<file path=ppt/slides/slide18.xml><?xml version="1.0" encoding="utf-8"?>
-<p:sld xmlns:a="http://schemas.openxmlformats.org/drawingml/2006/main" xmlns:r="http://schemas.openxmlformats.org/officeDocument/2006/relationships" xmlns:p="http://schemas.openxmlformats.org/presentationml/2006/main">
-  <p:cSld>
-    <p:spTree>
-      <p:nvGrpSpPr>
-        <p:cNvPr id="1" name=""/>
-        <p:cNvGrpSpPr/>
-        <p:nvPr/>
-      </p:nvGrpSpPr>
-      <p:grpSpPr>
-        <a:xfrm>
-          <a:off x="0" y="0"/>
-          <a:ext cx="0" cy="0"/>
-          <a:chOff x="0" y="0"/>
-          <a:chExt cx="0" cy="0"/>
-        </a:xfrm>
-      </p:grpSpPr>
-      <p:sp>
-        <p:nvSpPr>
-          <p:cNvPr id="2" name="Заголовок 1"/>
-          <p:cNvSpPr>
-            <a:spLocks noGrp="1"/>
-          </p:cNvSpPr>
-          <p:nvPr>
-            <p:ph type="title"/>
-          </p:nvPr>
-        </p:nvSpPr>
-        <p:spPr/>
-        <p:txBody>
-          <a:bodyPr/>
-          <a:lstStyle/>
-          <a:p>
-            <a:r>
-              <a:rPr lang="ru-RU" dirty="0" err="1" smtClean="0"/>
-              <a:t>Стэк</a:t>
-            </a:r>
-            <a:endParaRPr lang="ru-RU" dirty="0"/>
-          </a:p>
-        </p:txBody>
-      </p:sp>
-      <p:sp>
-        <p:nvSpPr>
-          <p:cNvPr id="3" name="Объект 2"/>
-          <p:cNvSpPr>
-            <a:spLocks noGrp="1"/>
-          </p:cNvSpPr>
-          <p:nvPr>
-            <p:ph idx="1"/>
-          </p:nvPr>
-        </p:nvSpPr>
-        <p:spPr/>
-        <p:txBody>
-          <a:bodyPr/>
-          <a:lstStyle/>
-          <a:p>
-            <a:endParaRPr lang="ru-RU"/>
-          </a:p>
-        </p:txBody>
-      </p:sp>
-    </p:spTree>
-    <p:extLst>
-      <p:ext uri="{BB962C8B-B14F-4D97-AF65-F5344CB8AC3E}">
-        <p14:creationId xmlns:p14="http://schemas.microsoft.com/office/powerpoint/2010/main" val="3914298301"/>
-      </p:ext>
-    </p:extLst>
-  </p:cSld>
-  <p:clrMapOvr>
-    <a:masterClrMapping/>
-  </p:clrMapOvr>
-</p:sld>
-</file>
-
-<file path=ppt/slides/slide19.xml><?xml version="1.0" encoding="utf-8"?>
-<p:sld xmlns:a="http://schemas.openxmlformats.org/drawingml/2006/main" xmlns:r="http://schemas.openxmlformats.org/officeDocument/2006/relationships" xmlns:p="http://schemas.openxmlformats.org/presentationml/2006/main">
-  <p:cSld>
-    <p:spTree>
-      <p:nvGrpSpPr>
-        <p:cNvPr id="1" name=""/>
-        <p:cNvGrpSpPr/>
-        <p:nvPr/>
-      </p:nvGrpSpPr>
-      <p:grpSpPr>
-        <a:xfrm>
-          <a:off x="0" y="0"/>
-          <a:ext cx="0" cy="0"/>
-          <a:chOff x="0" y="0"/>
-          <a:chExt cx="0" cy="0"/>
-        </a:xfrm>
-      </p:grpSpPr>
-      <p:sp>
-        <p:nvSpPr>
-          <p:cNvPr id="2" name="Заголовок 1"/>
-          <p:cNvSpPr>
-            <a:spLocks noGrp="1"/>
-          </p:cNvSpPr>
-          <p:nvPr>
-            <p:ph type="title"/>
-          </p:nvPr>
-        </p:nvSpPr>
-        <p:spPr/>
-        <p:txBody>
-          <a:bodyPr/>
-          <a:lstStyle/>
-          <a:p>
-            <a:r>
-              <a:rPr lang="ru-RU" dirty="0" smtClean="0"/>
-              <a:t>Очередь</a:t>
-            </a:r>
-            <a:endParaRPr lang="ru-RU" dirty="0"/>
-          </a:p>
-        </p:txBody>
-      </p:sp>
-      <p:sp>
-        <p:nvSpPr>
-          <p:cNvPr id="3" name="Объект 2"/>
-          <p:cNvSpPr>
-            <a:spLocks noGrp="1"/>
-          </p:cNvSpPr>
-          <p:nvPr>
-            <p:ph idx="1"/>
-          </p:nvPr>
-        </p:nvSpPr>
-        <p:spPr/>
-        <p:txBody>
-          <a:bodyPr/>
-          <a:lstStyle/>
-          <a:p>
-            <a:endParaRPr lang="ru-RU"/>
-          </a:p>
-        </p:txBody>
-      </p:sp>
-    </p:spTree>
-    <p:extLst>
-      <p:ext uri="{BB962C8B-B14F-4D97-AF65-F5344CB8AC3E}">
-        <p14:creationId xmlns:p14="http://schemas.microsoft.com/office/powerpoint/2010/main" val="3342405165"/>
-      </p:ext>
-    </p:extLst>
-  </p:cSld>
-  <p:clrMapOvr>
-    <a:masterClrMapping/>
-  </p:clrMapOvr>
-</p:sld>
-</file>
-
-<file path=ppt/slides/slide2.xml><?xml version="1.0" encoding="utf-8"?>
-<p:sld xmlns:a="http://schemas.openxmlformats.org/drawingml/2006/main" xmlns:r="http://schemas.openxmlformats.org/officeDocument/2006/relationships" xmlns:p="http://schemas.openxmlformats.org/presentationml/2006/main">
-  <p:cSld>
-    <p:spTree>
-      <p:nvGrpSpPr>
-        <p:cNvPr id="1" name=""/>
-        <p:cNvGrpSpPr/>
-        <p:nvPr/>
-      </p:nvGrpSpPr>
-      <p:grpSpPr>
-        <a:xfrm>
-          <a:off x="0" y="0"/>
-          <a:ext cx="0" cy="0"/>
-          <a:chOff x="0" y="0"/>
-          <a:chExt cx="0" cy="0"/>
-        </a:xfrm>
-      </p:grpSpPr>
-      <p:sp>
-        <p:nvSpPr>
-          <p:cNvPr id="2" name="Заголовок 1"/>
-          <p:cNvSpPr>
-            <a:spLocks noGrp="1"/>
-          </p:cNvSpPr>
-          <p:nvPr>
-            <p:ph type="title"/>
-          </p:nvPr>
-        </p:nvSpPr>
-        <p:spPr/>
-        <p:txBody>
-          <a:bodyPr/>
-          <a:lstStyle/>
-          <a:p>
-            <a:r>
-              <a:rPr lang="en-US" dirty="0" smtClean="0"/>
-              <a:t>O-</a:t>
-            </a:r>
-            <a:r>
-              <a:rPr lang="ru-RU" dirty="0" smtClean="0"/>
-              <a:t>нотация</a:t>
-            </a:r>
-            <a:endParaRPr lang="ru-RU" dirty="0"/>
-          </a:p>
-        </p:txBody>
-      </p:sp>
-      <p:sp>
-        <p:nvSpPr>
-          <p:cNvPr id="3" name="Объект 2"/>
-          <p:cNvSpPr>
-            <a:spLocks noGrp="1"/>
-          </p:cNvSpPr>
-          <p:nvPr>
-            <p:ph idx="1"/>
-          </p:nvPr>
-        </p:nvSpPr>
-        <p:spPr/>
-        <p:txBody>
-          <a:bodyPr/>
-          <a:lstStyle/>
-          <a:p>
-            <a:endParaRPr lang="ru-RU"/>
-          </a:p>
-        </p:txBody>
-      </p:sp>
-    </p:spTree>
-    <p:extLst>
-      <p:ext uri="{BB962C8B-B14F-4D97-AF65-F5344CB8AC3E}">
-        <p14:creationId xmlns:p14="http://schemas.microsoft.com/office/powerpoint/2010/main" val="1062192657"/>
-      </p:ext>
-    </p:extLst>
-  </p:cSld>
-  <p:clrMapOvr>
-    <a:masterClrMapping/>
-  </p:clrMapOvr>
-</p:sld>
-</file>
-
-<file path=ppt/slides/slide3.xml><?xml version="1.0" encoding="utf-8"?>
-<p:sld xmlns:a="http://schemas.openxmlformats.org/drawingml/2006/main" xmlns:r="http://schemas.openxmlformats.org/officeDocument/2006/relationships" xmlns:p="http://schemas.openxmlformats.org/presentationml/2006/main">
-  <p:cSld>
-    <p:spTree>
-      <p:nvGrpSpPr>
-        <p:cNvPr id="1" name=""/>
-        <p:cNvGrpSpPr/>
-        <p:nvPr/>
-      </p:nvGrpSpPr>
-      <p:grpSpPr>
-        <a:xfrm>
-          <a:off x="0" y="0"/>
-          <a:ext cx="0" cy="0"/>
-          <a:chOff x="0" y="0"/>
-          <a:chExt cx="0" cy="0"/>
-        </a:xfrm>
-      </p:grpSpPr>
-      <p:sp>
-        <p:nvSpPr>
-          <p:cNvPr id="2" name="Заголовок 1"/>
-          <p:cNvSpPr>
-            <a:spLocks noGrp="1"/>
-          </p:cNvSpPr>
-          <p:nvPr>
-            <p:ph type="title"/>
-          </p:nvPr>
-        </p:nvSpPr>
-        <p:spPr/>
-        <p:txBody>
-          <a:bodyPr/>
-          <a:lstStyle/>
-          <a:p>
-            <a:r>
-              <a:rPr lang="ru-RU" dirty="0" smtClean="0"/>
-              <a:t>Основные классы функций</a:t>
-            </a:r>
-            <a:endParaRPr lang="ru-RU" dirty="0"/>
-          </a:p>
-        </p:txBody>
-      </p:sp>
-      <p:sp>
-        <p:nvSpPr>
-          <p:cNvPr id="3" name="Объект 2"/>
-          <p:cNvSpPr>
-            <a:spLocks noGrp="1"/>
-          </p:cNvSpPr>
-          <p:nvPr>
-            <p:ph idx="1"/>
-          </p:nvPr>
-        </p:nvSpPr>
-        <p:spPr/>
-        <p:txBody>
-          <a:bodyPr/>
-          <a:lstStyle/>
-          <a:p>
-            <a:endParaRPr lang="ru-RU"/>
-          </a:p>
-        </p:txBody>
-      </p:sp>
-    </p:spTree>
-    <p:extLst>
-      <p:ext uri="{BB962C8B-B14F-4D97-AF65-F5344CB8AC3E}">
-        <p14:creationId xmlns:p14="http://schemas.microsoft.com/office/powerpoint/2010/main" val="2886480144"/>
-      </p:ext>
-    </p:extLst>
-  </p:cSld>
-  <p:clrMapOvr>
-    <a:masterClrMapping/>
-  </p:clrMapOvr>
-</p:sld>
-</file>
-
-<file path=ppt/slides/slide4.xml><?xml version="1.0" encoding="utf-8"?>
-<p:sld xmlns:a="http://schemas.openxmlformats.org/drawingml/2006/main" xmlns:r="http://schemas.openxmlformats.org/officeDocument/2006/relationships" xmlns:p="http://schemas.openxmlformats.org/presentationml/2006/main">
-  <p:cSld>
-    <p:spTree>
-      <p:nvGrpSpPr>
-        <p:cNvPr id="1" name=""/>
-        <p:cNvGrpSpPr/>
-        <p:nvPr/>
-      </p:nvGrpSpPr>
-      <p:grpSpPr>
-        <a:xfrm>
-          <a:off x="0" y="0"/>
-          <a:ext cx="0" cy="0"/>
-          <a:chOff x="0" y="0"/>
-          <a:chExt cx="0" cy="0"/>
-        </a:xfrm>
-      </p:grpSpPr>
-      <p:sp>
-        <p:nvSpPr>
-          <p:cNvPr id="2" name="Заголовок 1"/>
-          <p:cNvSpPr>
-            <a:spLocks noGrp="1"/>
-          </p:cNvSpPr>
-          <p:nvPr>
-            <p:ph type="title"/>
-          </p:nvPr>
-        </p:nvSpPr>
-        <p:spPr/>
-        <p:txBody>
-          <a:bodyPr>
-            <a:normAutofit fontScale="90000"/>
-          </a:bodyPr>
-          <a:lstStyle/>
-          <a:p>
-            <a:r>
-              <a:rPr lang="ru-RU" dirty="0" smtClean="0"/>
-              <a:t>Оценка времени работы пузырьковой </a:t>
-            </a:r>
-            <a:r>
-              <a:rPr lang="ru-RU" dirty="0" err="1" smtClean="0"/>
-              <a:t>сортирвки</a:t>
-            </a:r>
-            <a:endParaRPr lang="ru-RU" dirty="0"/>
-          </a:p>
-        </p:txBody>
-      </p:sp>
-      <p:sp>
-        <p:nvSpPr>
-          <p:cNvPr id="3" name="Объект 2"/>
-          <p:cNvSpPr>
-            <a:spLocks noGrp="1"/>
-          </p:cNvSpPr>
-          <p:nvPr>
-            <p:ph idx="1"/>
-          </p:nvPr>
-        </p:nvSpPr>
-        <p:spPr/>
-        <p:txBody>
-          <a:bodyPr/>
-          <a:lstStyle/>
-          <a:p>
-            <a:endParaRPr lang="ru-RU"/>
-          </a:p>
-        </p:txBody>
-      </p:sp>
-    </p:spTree>
-    <p:extLst>
-      <p:ext uri="{BB962C8B-B14F-4D97-AF65-F5344CB8AC3E}">
-        <p14:creationId xmlns:p14="http://schemas.microsoft.com/office/powerpoint/2010/main" val="2685044901"/>
-      </p:ext>
-    </p:extLst>
-  </p:cSld>
-  <p:clrMapOvr>
-    <a:masterClrMapping/>
-  </p:clrMapOvr>
-</p:sld>
-</file>
-
-<file path=ppt/slides/slide5.xml><?xml version="1.0" encoding="utf-8"?>
-<p:sld xmlns:a="http://schemas.openxmlformats.org/drawingml/2006/main" xmlns:r="http://schemas.openxmlformats.org/officeDocument/2006/relationships" xmlns:p="http://schemas.openxmlformats.org/presentationml/2006/main">
-  <p:cSld>
-    <p:spTree>
-      <p:nvGrpSpPr>
-        <p:cNvPr id="1" name=""/>
-        <p:cNvGrpSpPr/>
-        <p:nvPr/>
-      </p:nvGrpSpPr>
-      <p:grpSpPr>
-        <a:xfrm>
-          <a:off x="0" y="0"/>
-          <a:ext cx="0" cy="0"/>
-          <a:chOff x="0" y="0"/>
-          <a:chExt cx="0" cy="0"/>
-        </a:xfrm>
-      </p:grpSpPr>
-      <p:sp>
-        <p:nvSpPr>
-          <p:cNvPr id="2" name="Заголовок 1"/>
-          <p:cNvSpPr>
-            <a:spLocks noGrp="1"/>
-          </p:cNvSpPr>
-          <p:nvPr>
-            <p:ph type="title"/>
-          </p:nvPr>
-        </p:nvSpPr>
-        <p:spPr/>
-        <p:txBody>
-          <a:bodyPr/>
-          <a:lstStyle/>
-          <a:p>
-            <a:r>
-              <a:rPr lang="ru-RU" dirty="0" smtClean="0"/>
-              <a:t>Односвязный список </a:t>
-            </a:r>
-            <a:r>
-              <a:rPr lang="en-US" dirty="0" smtClean="0"/>
-              <a:t>(</a:t>
-            </a:r>
-            <a:r>
-              <a:rPr lang="en-US" dirty="0" err="1" smtClean="0"/>
-              <a:t>LinkedList</a:t>
-            </a:r>
-            <a:r>
-              <a:rPr lang="en-US" dirty="0" smtClean="0"/>
-              <a:t>)</a:t>
-            </a:r>
-            <a:endParaRPr lang="ru-RU" dirty="0"/>
-          </a:p>
-        </p:txBody>
-      </p:sp>
-      <p:pic>
-        <p:nvPicPr>
-          <p:cNvPr id="1026" name="Picture 2" descr="Single linked list.png"/>
-          <p:cNvPicPr>
-            <a:picLocks noChangeAspect="1" noChangeArrowheads="1"/>
-          </p:cNvPicPr>
-          <p:nvPr/>
-        </p:nvPicPr>
-        <p:blipFill>
-          <a:blip r:embed="rId2">
-            <a:extLst>
-              <a:ext uri="{28A0092B-C50C-407E-A947-70E740481C1C}">
-                <a14:useLocalDpi xmlns:a14="http://schemas.microsoft.com/office/drawing/2010/main" val="0"/>
-              </a:ext>
-            </a:extLst>
-          </a:blip>
-          <a:srcRect/>
-          <a:stretch>
-            <a:fillRect/>
-          </a:stretch>
-        </p:blipFill>
-        <p:spPr bwMode="auto">
-          <a:xfrm>
-            <a:off x="467544" y="3867528"/>
-            <a:ext cx="3960440" cy="1283184"/>
-          </a:xfrm>
-          <a:prstGeom prst="rect">
-            <a:avLst/>
-          </a:prstGeom>
-          <a:noFill/>
-          <a:extLst>
-            <a:ext uri="{909E8E84-426E-40DD-AFC4-6F175D3DCCD1}">
-              <a14:hiddenFill xmlns:a14="http://schemas.microsoft.com/office/drawing/2010/main">
-                <a:solidFill>
-                  <a:srgbClr val="FFFFFF"/>
-                </a:solidFill>
-              </a14:hiddenFill>
-            </a:ext>
-          </a:extLst>
-        </p:spPr>
-      </p:pic>
-      <p:sp>
-        <p:nvSpPr>
-          <p:cNvPr id="4" name="Объект 3"/>
-          <p:cNvSpPr>
-            <a:spLocks noGrp="1"/>
-          </p:cNvSpPr>
-          <p:nvPr>
-            <p:ph idx="1"/>
-          </p:nvPr>
-        </p:nvSpPr>
-        <p:spPr>
-          <a:xfrm>
-            <a:off x="683568" y="1124744"/>
-            <a:ext cx="8003232" cy="3201219"/>
-          </a:xfrm>
-        </p:spPr>
-        <p:txBody>
-          <a:bodyPr/>
-          <a:lstStyle/>
-          <a:p>
-            <a:pPr marL="0" indent="0">
-              <a:buNone/>
-            </a:pPr>
-            <a:r>
-              <a:rPr lang="ru-RU" dirty="0" smtClean="0"/>
-              <a:t>Структура данных, </a:t>
-            </a:r>
-            <a:r>
-              <a:rPr lang="ru-RU" dirty="0"/>
-              <a:t>состоящая из </a:t>
-            </a:r>
-            <a:r>
-              <a:rPr lang="ru-RU" dirty="0" smtClean="0"/>
-              <a:t>узлов, </a:t>
-            </a:r>
-            <a:r>
-              <a:rPr lang="ru-RU" dirty="0"/>
-              <a:t>каждый из которых содержит как собственно данные, так и  </a:t>
-            </a:r>
-            <a:r>
-              <a:rPr lang="ru-RU" dirty="0" smtClean="0"/>
-              <a:t>ссылку</a:t>
-            </a:r>
-            <a:r>
-              <a:rPr lang="ru-RU" dirty="0"/>
-              <a:t> </a:t>
-            </a:r>
-            <a:r>
-              <a:rPr lang="ru-RU" dirty="0" smtClean="0"/>
-              <a:t>на </a:t>
-            </a:r>
-            <a:r>
-              <a:rPr lang="ru-RU" dirty="0"/>
-              <a:t>следующий </a:t>
-            </a:r>
-            <a:r>
-              <a:rPr lang="ru-RU" dirty="0" smtClean="0"/>
-              <a:t>узел списка</a:t>
-            </a:r>
-            <a:endParaRPr lang="ru-RU" dirty="0"/>
-          </a:p>
-        </p:txBody>
-      </p:sp>
-      <p:pic>
-        <p:nvPicPr>
-          <p:cNvPr id="1029" name="Picture 5"/>
-          <p:cNvPicPr>
-            <a:picLocks noChangeAspect="1" noChangeArrowheads="1"/>
-          </p:cNvPicPr>
-          <p:nvPr/>
-        </p:nvPicPr>
-        <p:blipFill>
-          <a:blip r:embed="rId3">
-            <a:extLst>
-              <a:ext uri="{28A0092B-C50C-407E-A947-70E740481C1C}">
-                <a14:useLocalDpi xmlns:a14="http://schemas.microsoft.com/office/drawing/2010/main" val="0"/>
-              </a:ext>
-            </a:extLst>
-          </a:blip>
-          <a:srcRect/>
-          <a:stretch>
-            <a:fillRect/>
-          </a:stretch>
-        </p:blipFill>
-        <p:spPr bwMode="auto">
-          <a:xfrm>
-            <a:off x="4254631" y="3429000"/>
-            <a:ext cx="4760529" cy="2160240"/>
-          </a:xfrm>
-          <a:prstGeom prst="rect">
-            <a:avLst/>
-          </a:prstGeom>
-          <a:noFill/>
-          <a:ln>
-            <a:noFill/>
-          </a:ln>
-          <a:extLst>
-            <a:ext uri="{909E8E84-426E-40DD-AFC4-6F175D3DCCD1}">
-              <a14:hiddenFill xmlns:a14="http://schemas.microsoft.com/office/drawing/2010/main">
-                <a:solidFill>
-                  <a:schemeClr val="accent1"/>
-                </a:solidFill>
-              </a14:hiddenFill>
-            </a:ext>
-            <a:ext uri="{91240B29-F687-4F45-9708-019B960494DF}">
-              <a14:hiddenLine xmlns:a14="http://schemas.microsoft.com/office/drawing/2010/main" w="9525">
-                <a:solidFill>
-                  <a:schemeClr val="tx1"/>
-                </a:solidFill>
-                <a:miter lim="800000"/>
-                <a:headEnd/>
-                <a:tailEnd/>
-              </a14:hiddenLine>
-            </a:ext>
-          </a:extLst>
-        </p:spPr>
-      </p:pic>
-    </p:spTree>
-    <p:extLst>
-      <p:ext uri="{BB962C8B-B14F-4D97-AF65-F5344CB8AC3E}">
-        <p14:creationId xmlns:p14="http://schemas.microsoft.com/office/powerpoint/2010/main" val="2806992559"/>
-      </p:ext>
-    </p:extLst>
-  </p:cSld>
-  <p:clrMapOvr>
-    <a:masterClrMapping/>
-  </p:clrMapOvr>
-</p:sld>
-</file>
-
-<file path=ppt/slides/slide6.xml><?xml version="1.0" encoding="utf-8"?>
-<p:sld xmlns:a="http://schemas.openxmlformats.org/drawingml/2006/main" xmlns:r="http://schemas.openxmlformats.org/officeDocument/2006/relationships" xmlns:p="http://schemas.openxmlformats.org/presentationml/2006/main">
-  <p:cSld>
-    <p:spTree>
-      <p:nvGrpSpPr>
-        <p:cNvPr id="1" name=""/>
-        <p:cNvGrpSpPr/>
-        <p:nvPr/>
-      </p:nvGrpSpPr>
-      <p:grpSpPr>
-        <a:xfrm>
-          <a:off x="0" y="0"/>
-          <a:ext cx="0" cy="0"/>
-          <a:chOff x="0" y="0"/>
-          <a:chExt cx="0" cy="0"/>
-        </a:xfrm>
-      </p:grpSpPr>
-      <p:sp>
-        <p:nvSpPr>
-          <p:cNvPr id="2" name="Заголовок 1"/>
-          <p:cNvSpPr>
-            <a:spLocks noGrp="1"/>
-          </p:cNvSpPr>
-          <p:nvPr>
-            <p:ph type="title"/>
-          </p:nvPr>
-        </p:nvSpPr>
-        <p:spPr/>
-        <p:txBody>
-          <a:bodyPr/>
-          <a:lstStyle/>
-          <a:p>
-            <a:r>
-              <a:rPr lang="ru-RU" dirty="0" smtClean="0"/>
-              <a:t>Параметрический полиморфизм</a:t>
-            </a:r>
-            <a:endParaRPr lang="ru-RU" dirty="0"/>
-          </a:p>
-        </p:txBody>
-      </p:sp>
-      <p:sp>
-        <p:nvSpPr>
-          <p:cNvPr id="3" name="Объект 2"/>
-          <p:cNvSpPr>
-            <a:spLocks noGrp="1"/>
-          </p:cNvSpPr>
-          <p:nvPr>
-            <p:ph idx="1"/>
-          </p:nvPr>
-        </p:nvSpPr>
-        <p:spPr/>
-        <p:txBody>
-          <a:bodyPr/>
-          <a:lstStyle/>
-          <a:p>
-            <a:r>
-              <a:rPr lang="ru-RU" dirty="0" smtClean="0"/>
-              <a:t>Позволяет </a:t>
-            </a:r>
-            <a:r>
-              <a:rPr lang="ru-RU" dirty="0"/>
-              <a:t>определять функцию или тип данных обобщённо, чтобы значения могли обрабатываться идентично вне зависимости от их </a:t>
-            </a:r>
-            <a:r>
-              <a:rPr lang="ru-RU" dirty="0" smtClean="0"/>
-              <a:t>типа</a:t>
-            </a:r>
-          </a:p>
-          <a:p>
-            <a:r>
-              <a:rPr lang="ru-RU" dirty="0" smtClean="0"/>
-              <a:t>Сохраняет </a:t>
-            </a:r>
-            <a:r>
-              <a:rPr lang="ru-RU" dirty="0" err="1" smtClean="0"/>
-              <a:t>типобезопастность</a:t>
-            </a:r>
-            <a:endParaRPr lang="ru-RU" dirty="0"/>
-          </a:p>
-        </p:txBody>
-      </p:sp>
-    </p:spTree>
-    <p:extLst>
-      <p:ext uri="{BB962C8B-B14F-4D97-AF65-F5344CB8AC3E}">
-        <p14:creationId xmlns:p14="http://schemas.microsoft.com/office/powerpoint/2010/main" val="1275461800"/>
-      </p:ext>
-    </p:extLst>
-  </p:cSld>
-  <p:clrMapOvr>
-    <a:masterClrMapping/>
-  </p:clrMapOvr>
-</p:sld>
-</file>
-
-<file path=ppt/slides/slide7.xml><?xml version="1.0" encoding="utf-8"?>
 <p:sld xmlns:a="http://schemas.openxmlformats.org/drawingml/2006/main" xmlns:r="http://schemas.openxmlformats.org/officeDocument/2006/relationships" xmlns:p="http://schemas.openxmlformats.org/presentationml/2006/main">
   <p:cSld>
     <p:spTree>
@@ -4824,7 +3366,7 @@
 </p:sld>
 </file>
 
-<file path=ppt/slides/slide8.xml><?xml version="1.0" encoding="utf-8"?>
+<file path=ppt/slides/slide11.xml><?xml version="1.0" encoding="utf-8"?>
 <p:sld xmlns:a="http://schemas.openxmlformats.org/drawingml/2006/main" xmlns:r="http://schemas.openxmlformats.org/officeDocument/2006/relationships" xmlns:p="http://schemas.openxmlformats.org/presentationml/2006/main">
   <p:cSld>
     <p:spTree>
@@ -4952,7 +3494,7 @@
 </p:sld>
 </file>
 
-<file path=ppt/slides/slide9.xml><?xml version="1.0" encoding="utf-8"?>
+<file path=ppt/slides/slide12.xml><?xml version="1.0" encoding="utf-8"?>
 <p:sld xmlns:a="http://schemas.openxmlformats.org/drawingml/2006/main" xmlns:r="http://schemas.openxmlformats.org/officeDocument/2006/relationships" xmlns:p="http://schemas.openxmlformats.org/presentationml/2006/main">
   <p:cSld>
     <p:spTree>
@@ -5039,6 +3581,5477 @@
     <p:extLst>
       <p:ext uri="{BB962C8B-B14F-4D97-AF65-F5344CB8AC3E}">
         <p14:creationId xmlns:p14="http://schemas.microsoft.com/office/powerpoint/2010/main" val="1307813694"/>
+      </p:ext>
+    </p:extLst>
+  </p:cSld>
+  <p:clrMapOvr>
+    <a:masterClrMapping/>
+  </p:clrMapOvr>
+</p:sld>
+</file>
+
+<file path=ppt/slides/slide13.xml><?xml version="1.0" encoding="utf-8"?>
+<p:sld xmlns:a="http://schemas.openxmlformats.org/drawingml/2006/main" xmlns:r="http://schemas.openxmlformats.org/officeDocument/2006/relationships" xmlns:p="http://schemas.openxmlformats.org/presentationml/2006/main">
+  <p:cSld>
+    <p:spTree>
+      <p:nvGrpSpPr>
+        <p:cNvPr id="1" name=""/>
+        <p:cNvGrpSpPr/>
+        <p:nvPr/>
+      </p:nvGrpSpPr>
+      <p:grpSpPr>
+        <a:xfrm>
+          <a:off x="0" y="0"/>
+          <a:ext cx="0" cy="0"/>
+          <a:chOff x="0" y="0"/>
+          <a:chExt cx="0" cy="0"/>
+        </a:xfrm>
+      </p:grpSpPr>
+      <p:sp>
+        <p:nvSpPr>
+          <p:cNvPr id="2" name="Заголовок 1"/>
+          <p:cNvSpPr>
+            <a:spLocks noGrp="1"/>
+          </p:cNvSpPr>
+          <p:nvPr>
+            <p:ph type="title"/>
+          </p:nvPr>
+        </p:nvSpPr>
+        <p:spPr/>
+        <p:txBody>
+          <a:bodyPr/>
+          <a:lstStyle/>
+          <a:p>
+            <a:r>
+              <a:rPr lang="ru-RU" dirty="0" smtClean="0"/>
+              <a:t>Кольцевой список</a:t>
+            </a:r>
+            <a:endParaRPr lang="ru-RU" dirty="0"/>
+          </a:p>
+        </p:txBody>
+      </p:sp>
+      <p:pic>
+        <p:nvPicPr>
+          <p:cNvPr id="4098" name="Picture 2" descr="Односвязный кольцевой список"/>
+          <p:cNvPicPr>
+            <a:picLocks noGrp="1" noChangeAspect="1" noChangeArrowheads="1"/>
+          </p:cNvPicPr>
+          <p:nvPr>
+            <p:ph idx="1"/>
+          </p:nvPr>
+        </p:nvPicPr>
+        <p:blipFill>
+          <a:blip r:embed="rId2">
+            <a:extLst>
+              <a:ext uri="{28A0092B-C50C-407E-A947-70E740481C1C}">
+                <a14:useLocalDpi xmlns:a14="http://schemas.microsoft.com/office/drawing/2010/main" val="0"/>
+              </a:ext>
+            </a:extLst>
+          </a:blip>
+          <a:srcRect/>
+          <a:stretch>
+            <a:fillRect/>
+          </a:stretch>
+        </p:blipFill>
+        <p:spPr bwMode="auto">
+          <a:xfrm>
+            <a:off x="1691680" y="1268760"/>
+            <a:ext cx="5472608" cy="1519612"/>
+          </a:xfrm>
+          <a:prstGeom prst="rect">
+            <a:avLst/>
+          </a:prstGeom>
+          <a:noFill/>
+          <a:extLst>
+            <a:ext uri="{909E8E84-426E-40DD-AFC4-6F175D3DCCD1}">
+              <a14:hiddenFill xmlns:a14="http://schemas.microsoft.com/office/drawing/2010/main">
+                <a:solidFill>
+                  <a:srgbClr val="FFFFFF"/>
+                </a:solidFill>
+              </a14:hiddenFill>
+            </a:ext>
+          </a:extLst>
+        </p:spPr>
+      </p:pic>
+    </p:spTree>
+    <p:extLst>
+      <p:ext uri="{BB962C8B-B14F-4D97-AF65-F5344CB8AC3E}">
+        <p14:creationId xmlns:p14="http://schemas.microsoft.com/office/powerpoint/2010/main" val="134077402"/>
+      </p:ext>
+    </p:extLst>
+  </p:cSld>
+  <p:clrMapOvr>
+    <a:masterClrMapping/>
+  </p:clrMapOvr>
+</p:sld>
+</file>
+
+<file path=ppt/slides/slide14.xml><?xml version="1.0" encoding="utf-8"?>
+<p:sld xmlns:a="http://schemas.openxmlformats.org/drawingml/2006/main" xmlns:r="http://schemas.openxmlformats.org/officeDocument/2006/relationships" xmlns:p="http://schemas.openxmlformats.org/presentationml/2006/main">
+  <p:cSld>
+    <p:spTree>
+      <p:nvGrpSpPr>
+        <p:cNvPr id="1" name=""/>
+        <p:cNvGrpSpPr/>
+        <p:nvPr/>
+      </p:nvGrpSpPr>
+      <p:grpSpPr>
+        <a:xfrm>
+          <a:off x="0" y="0"/>
+          <a:ext cx="0" cy="0"/>
+          <a:chOff x="0" y="0"/>
+          <a:chExt cx="0" cy="0"/>
+        </a:xfrm>
+      </p:grpSpPr>
+      <p:sp>
+        <p:nvSpPr>
+          <p:cNvPr id="2" name="Заголовок 1"/>
+          <p:cNvSpPr>
+            <a:spLocks noGrp="1"/>
+          </p:cNvSpPr>
+          <p:nvPr>
+            <p:ph type="title"/>
+          </p:nvPr>
+        </p:nvSpPr>
+        <p:spPr/>
+        <p:txBody>
+          <a:bodyPr>
+            <a:normAutofit fontScale="90000"/>
+          </a:bodyPr>
+          <a:lstStyle/>
+          <a:p>
+            <a:r>
+              <a:rPr lang="ru-RU" dirty="0" smtClean="0"/>
+              <a:t>Пример </a:t>
+            </a:r>
+            <a:r>
+              <a:rPr lang="ru-RU" dirty="0" smtClean="0"/>
+              <a:t>реализации двусвязного списка</a:t>
+            </a:r>
+            <a:endParaRPr lang="ru-RU" dirty="0"/>
+          </a:p>
+        </p:txBody>
+      </p:sp>
+      <p:sp>
+        <p:nvSpPr>
+          <p:cNvPr id="3" name="Объект 2"/>
+          <p:cNvSpPr>
+            <a:spLocks noGrp="1"/>
+          </p:cNvSpPr>
+          <p:nvPr>
+            <p:ph idx="1"/>
+          </p:nvPr>
+        </p:nvSpPr>
+        <p:spPr/>
+        <p:txBody>
+          <a:bodyPr/>
+          <a:lstStyle/>
+          <a:p>
+            <a:endParaRPr lang="ru-RU" dirty="0"/>
+          </a:p>
+        </p:txBody>
+      </p:sp>
+      <p:pic>
+        <p:nvPicPr>
+          <p:cNvPr id="9218" name="Picture 2"/>
+          <p:cNvPicPr>
+            <a:picLocks noChangeAspect="1" noChangeArrowheads="1"/>
+          </p:cNvPicPr>
+          <p:nvPr/>
+        </p:nvPicPr>
+        <p:blipFill>
+          <a:blip r:embed="rId2">
+            <a:extLst>
+              <a:ext uri="{28A0092B-C50C-407E-A947-70E740481C1C}">
+                <a14:useLocalDpi xmlns:a14="http://schemas.microsoft.com/office/drawing/2010/main" val="0"/>
+              </a:ext>
+            </a:extLst>
+          </a:blip>
+          <a:srcRect/>
+          <a:stretch>
+            <a:fillRect/>
+          </a:stretch>
+        </p:blipFill>
+        <p:spPr bwMode="auto">
+          <a:xfrm>
+            <a:off x="1703300" y="1844824"/>
+            <a:ext cx="4237580" cy="3384376"/>
+          </a:xfrm>
+          <a:prstGeom prst="rect">
+            <a:avLst/>
+          </a:prstGeom>
+          <a:noFill/>
+          <a:ln>
+            <a:noFill/>
+          </a:ln>
+          <a:extLst>
+            <a:ext uri="{909E8E84-426E-40DD-AFC4-6F175D3DCCD1}">
+              <a14:hiddenFill xmlns:a14="http://schemas.microsoft.com/office/drawing/2010/main">
+                <a:solidFill>
+                  <a:schemeClr val="accent1"/>
+                </a:solidFill>
+              </a14:hiddenFill>
+            </a:ext>
+            <a:ext uri="{91240B29-F687-4F45-9708-019B960494DF}">
+              <a14:hiddenLine xmlns:a14="http://schemas.microsoft.com/office/drawing/2010/main" w="9525">
+                <a:solidFill>
+                  <a:schemeClr val="tx1"/>
+                </a:solidFill>
+                <a:miter lim="800000"/>
+                <a:headEnd/>
+                <a:tailEnd/>
+              </a14:hiddenLine>
+            </a:ext>
+          </a:extLst>
+        </p:spPr>
+      </p:pic>
+    </p:spTree>
+    <p:extLst>
+      <p:ext uri="{BB962C8B-B14F-4D97-AF65-F5344CB8AC3E}">
+        <p14:creationId xmlns:p14="http://schemas.microsoft.com/office/powerpoint/2010/main" val="643532856"/>
+      </p:ext>
+    </p:extLst>
+  </p:cSld>
+  <p:clrMapOvr>
+    <a:masterClrMapping/>
+  </p:clrMapOvr>
+</p:sld>
+</file>
+
+<file path=ppt/slides/slide15.xml><?xml version="1.0" encoding="utf-8"?>
+<p:sld xmlns:a="http://schemas.openxmlformats.org/drawingml/2006/main" xmlns:r="http://schemas.openxmlformats.org/officeDocument/2006/relationships" xmlns:p="http://schemas.openxmlformats.org/presentationml/2006/main">
+  <p:cSld>
+    <p:spTree>
+      <p:nvGrpSpPr>
+        <p:cNvPr id="1" name=""/>
+        <p:cNvGrpSpPr/>
+        <p:nvPr/>
+      </p:nvGrpSpPr>
+      <p:grpSpPr>
+        <a:xfrm>
+          <a:off x="0" y="0"/>
+          <a:ext cx="0" cy="0"/>
+          <a:chOff x="0" y="0"/>
+          <a:chExt cx="0" cy="0"/>
+        </a:xfrm>
+      </p:grpSpPr>
+      <p:sp>
+        <p:nvSpPr>
+          <p:cNvPr id="2" name="Заголовок 1"/>
+          <p:cNvSpPr>
+            <a:spLocks noGrp="1"/>
+          </p:cNvSpPr>
+          <p:nvPr>
+            <p:ph type="title"/>
+          </p:nvPr>
+        </p:nvSpPr>
+        <p:spPr/>
+        <p:txBody>
+          <a:bodyPr/>
+          <a:lstStyle/>
+          <a:p>
+            <a:endParaRPr lang="ru-RU"/>
+          </a:p>
+        </p:txBody>
+      </p:sp>
+      <p:sp>
+        <p:nvSpPr>
+          <p:cNvPr id="3" name="Объект 2"/>
+          <p:cNvSpPr>
+            <a:spLocks noGrp="1"/>
+          </p:cNvSpPr>
+          <p:nvPr>
+            <p:ph idx="1"/>
+          </p:nvPr>
+        </p:nvSpPr>
+        <p:spPr/>
+        <p:txBody>
+          <a:bodyPr/>
+          <a:lstStyle/>
+          <a:p>
+            <a:endParaRPr lang="ru-RU" dirty="0"/>
+          </a:p>
+        </p:txBody>
+      </p:sp>
+      <p:pic>
+        <p:nvPicPr>
+          <p:cNvPr id="14338" name="Picture 2"/>
+          <p:cNvPicPr>
+            <a:picLocks noChangeAspect="1" noChangeArrowheads="1"/>
+          </p:cNvPicPr>
+          <p:nvPr/>
+        </p:nvPicPr>
+        <p:blipFill>
+          <a:blip r:embed="rId2">
+            <a:extLst>
+              <a:ext uri="{28A0092B-C50C-407E-A947-70E740481C1C}">
+                <a14:useLocalDpi xmlns:a14="http://schemas.microsoft.com/office/drawing/2010/main" val="0"/>
+              </a:ext>
+            </a:extLst>
+          </a:blip>
+          <a:srcRect/>
+          <a:stretch>
+            <a:fillRect/>
+          </a:stretch>
+        </p:blipFill>
+        <p:spPr bwMode="auto">
+          <a:xfrm>
+            <a:off x="1403648" y="188640"/>
+            <a:ext cx="6750659" cy="6336704"/>
+          </a:xfrm>
+          <a:prstGeom prst="rect">
+            <a:avLst/>
+          </a:prstGeom>
+          <a:noFill/>
+          <a:ln>
+            <a:noFill/>
+          </a:ln>
+          <a:extLst>
+            <a:ext uri="{909E8E84-426E-40DD-AFC4-6F175D3DCCD1}">
+              <a14:hiddenFill xmlns:a14="http://schemas.microsoft.com/office/drawing/2010/main">
+                <a:solidFill>
+                  <a:schemeClr val="accent1"/>
+                </a:solidFill>
+              </a14:hiddenFill>
+            </a:ext>
+            <a:ext uri="{91240B29-F687-4F45-9708-019B960494DF}">
+              <a14:hiddenLine xmlns:a14="http://schemas.microsoft.com/office/drawing/2010/main" w="9525">
+                <a:solidFill>
+                  <a:schemeClr val="tx1"/>
+                </a:solidFill>
+                <a:miter lim="800000"/>
+                <a:headEnd/>
+                <a:tailEnd/>
+              </a14:hiddenLine>
+            </a:ext>
+          </a:extLst>
+        </p:spPr>
+      </p:pic>
+    </p:spTree>
+    <p:extLst>
+      <p:ext uri="{BB962C8B-B14F-4D97-AF65-F5344CB8AC3E}">
+        <p14:creationId xmlns:p14="http://schemas.microsoft.com/office/powerpoint/2010/main" val="3275115992"/>
+      </p:ext>
+    </p:extLst>
+  </p:cSld>
+  <p:clrMapOvr>
+    <a:masterClrMapping/>
+  </p:clrMapOvr>
+</p:sld>
+</file>
+
+<file path=ppt/slides/slide16.xml><?xml version="1.0" encoding="utf-8"?>
+<p:sld xmlns:a="http://schemas.openxmlformats.org/drawingml/2006/main" xmlns:r="http://schemas.openxmlformats.org/officeDocument/2006/relationships" xmlns:p="http://schemas.openxmlformats.org/presentationml/2006/main">
+  <p:cSld>
+    <p:spTree>
+      <p:nvGrpSpPr>
+        <p:cNvPr id="1" name=""/>
+        <p:cNvGrpSpPr/>
+        <p:nvPr/>
+      </p:nvGrpSpPr>
+      <p:grpSpPr>
+        <a:xfrm>
+          <a:off x="0" y="0"/>
+          <a:ext cx="0" cy="0"/>
+          <a:chOff x="0" y="0"/>
+          <a:chExt cx="0" cy="0"/>
+        </a:xfrm>
+      </p:grpSpPr>
+      <p:sp>
+        <p:nvSpPr>
+          <p:cNvPr id="2" name="Заголовок 1"/>
+          <p:cNvSpPr>
+            <a:spLocks noGrp="1"/>
+          </p:cNvSpPr>
+          <p:nvPr>
+            <p:ph type="title"/>
+          </p:nvPr>
+        </p:nvSpPr>
+        <p:spPr/>
+        <p:txBody>
+          <a:bodyPr/>
+          <a:lstStyle/>
+          <a:p>
+            <a:endParaRPr lang="ru-RU"/>
+          </a:p>
+        </p:txBody>
+      </p:sp>
+      <p:sp>
+        <p:nvSpPr>
+          <p:cNvPr id="3" name="Объект 2"/>
+          <p:cNvSpPr>
+            <a:spLocks noGrp="1"/>
+          </p:cNvSpPr>
+          <p:nvPr>
+            <p:ph idx="1"/>
+          </p:nvPr>
+        </p:nvSpPr>
+        <p:spPr/>
+        <p:txBody>
+          <a:bodyPr/>
+          <a:lstStyle/>
+          <a:p>
+            <a:endParaRPr lang="ru-RU" dirty="0"/>
+          </a:p>
+        </p:txBody>
+      </p:sp>
+      <p:pic>
+        <p:nvPicPr>
+          <p:cNvPr id="7170" name="Picture 2"/>
+          <p:cNvPicPr>
+            <a:picLocks noChangeAspect="1" noChangeArrowheads="1"/>
+          </p:cNvPicPr>
+          <p:nvPr/>
+        </p:nvPicPr>
+        <p:blipFill>
+          <a:blip r:embed="rId2">
+            <a:extLst>
+              <a:ext uri="{28A0092B-C50C-407E-A947-70E740481C1C}">
+                <a14:useLocalDpi xmlns:a14="http://schemas.microsoft.com/office/drawing/2010/main" val="0"/>
+              </a:ext>
+            </a:extLst>
+          </a:blip>
+          <a:srcRect/>
+          <a:stretch>
+            <a:fillRect/>
+          </a:stretch>
+        </p:blipFill>
+        <p:spPr bwMode="auto">
+          <a:xfrm>
+            <a:off x="2051720" y="332656"/>
+            <a:ext cx="4606756" cy="6192688"/>
+          </a:xfrm>
+          <a:prstGeom prst="rect">
+            <a:avLst/>
+          </a:prstGeom>
+          <a:noFill/>
+          <a:ln>
+            <a:noFill/>
+          </a:ln>
+          <a:extLst>
+            <a:ext uri="{909E8E84-426E-40DD-AFC4-6F175D3DCCD1}">
+              <a14:hiddenFill xmlns:a14="http://schemas.microsoft.com/office/drawing/2010/main">
+                <a:solidFill>
+                  <a:schemeClr val="accent1"/>
+                </a:solidFill>
+              </a14:hiddenFill>
+            </a:ext>
+            <a:ext uri="{91240B29-F687-4F45-9708-019B960494DF}">
+              <a14:hiddenLine xmlns:a14="http://schemas.microsoft.com/office/drawing/2010/main" w="9525">
+                <a:solidFill>
+                  <a:schemeClr val="tx1"/>
+                </a:solidFill>
+                <a:miter lim="800000"/>
+                <a:headEnd/>
+                <a:tailEnd/>
+              </a14:hiddenLine>
+            </a:ext>
+          </a:extLst>
+        </p:spPr>
+      </p:pic>
+    </p:spTree>
+    <p:extLst>
+      <p:ext uri="{BB962C8B-B14F-4D97-AF65-F5344CB8AC3E}">
+        <p14:creationId xmlns:p14="http://schemas.microsoft.com/office/powerpoint/2010/main" val="10685962"/>
+      </p:ext>
+    </p:extLst>
+  </p:cSld>
+  <p:clrMapOvr>
+    <a:masterClrMapping/>
+  </p:clrMapOvr>
+</p:sld>
+</file>
+
+<file path=ppt/slides/slide17.xml><?xml version="1.0" encoding="utf-8"?>
+<p:sld xmlns:a="http://schemas.openxmlformats.org/drawingml/2006/main" xmlns:r="http://schemas.openxmlformats.org/officeDocument/2006/relationships" xmlns:p="http://schemas.openxmlformats.org/presentationml/2006/main">
+  <p:cSld>
+    <p:spTree>
+      <p:nvGrpSpPr>
+        <p:cNvPr id="1" name=""/>
+        <p:cNvGrpSpPr/>
+        <p:nvPr/>
+      </p:nvGrpSpPr>
+      <p:grpSpPr>
+        <a:xfrm>
+          <a:off x="0" y="0"/>
+          <a:ext cx="0" cy="0"/>
+          <a:chOff x="0" y="0"/>
+          <a:chExt cx="0" cy="0"/>
+        </a:xfrm>
+      </p:grpSpPr>
+      <p:sp>
+        <p:nvSpPr>
+          <p:cNvPr id="2" name="Заголовок 1"/>
+          <p:cNvSpPr>
+            <a:spLocks noGrp="1"/>
+          </p:cNvSpPr>
+          <p:nvPr>
+            <p:ph type="title"/>
+          </p:nvPr>
+        </p:nvSpPr>
+        <p:spPr/>
+        <p:txBody>
+          <a:bodyPr/>
+          <a:lstStyle/>
+          <a:p>
+            <a:endParaRPr lang="ru-RU"/>
+          </a:p>
+        </p:txBody>
+      </p:sp>
+      <p:sp>
+        <p:nvSpPr>
+          <p:cNvPr id="3" name="Объект 2"/>
+          <p:cNvSpPr>
+            <a:spLocks noGrp="1"/>
+          </p:cNvSpPr>
+          <p:nvPr>
+            <p:ph idx="1"/>
+          </p:nvPr>
+        </p:nvSpPr>
+        <p:spPr/>
+        <p:txBody>
+          <a:bodyPr/>
+          <a:lstStyle/>
+          <a:p>
+            <a:endParaRPr lang="ru-RU" dirty="0"/>
+          </a:p>
+        </p:txBody>
+      </p:sp>
+      <p:pic>
+        <p:nvPicPr>
+          <p:cNvPr id="8195" name="Picture 3"/>
+          <p:cNvPicPr>
+            <a:picLocks noChangeAspect="1" noChangeArrowheads="1"/>
+          </p:cNvPicPr>
+          <p:nvPr/>
+        </p:nvPicPr>
+        <p:blipFill>
+          <a:blip r:embed="rId2">
+            <a:extLst>
+              <a:ext uri="{28A0092B-C50C-407E-A947-70E740481C1C}">
+                <a14:useLocalDpi xmlns:a14="http://schemas.microsoft.com/office/drawing/2010/main" val="0"/>
+              </a:ext>
+            </a:extLst>
+          </a:blip>
+          <a:srcRect/>
+          <a:stretch>
+            <a:fillRect/>
+          </a:stretch>
+        </p:blipFill>
+        <p:spPr bwMode="auto">
+          <a:xfrm>
+            <a:off x="2622142" y="31493"/>
+            <a:ext cx="3842001" cy="6751816"/>
+          </a:xfrm>
+          <a:prstGeom prst="rect">
+            <a:avLst/>
+          </a:prstGeom>
+          <a:noFill/>
+          <a:ln>
+            <a:noFill/>
+          </a:ln>
+          <a:extLst>
+            <a:ext uri="{909E8E84-426E-40DD-AFC4-6F175D3DCCD1}">
+              <a14:hiddenFill xmlns:a14="http://schemas.microsoft.com/office/drawing/2010/main">
+                <a:solidFill>
+                  <a:schemeClr val="accent1"/>
+                </a:solidFill>
+              </a14:hiddenFill>
+            </a:ext>
+            <a:ext uri="{91240B29-F687-4F45-9708-019B960494DF}">
+              <a14:hiddenLine xmlns:a14="http://schemas.microsoft.com/office/drawing/2010/main" w="9525">
+                <a:solidFill>
+                  <a:schemeClr val="tx1"/>
+                </a:solidFill>
+                <a:miter lim="800000"/>
+                <a:headEnd/>
+                <a:tailEnd/>
+              </a14:hiddenLine>
+            </a:ext>
+          </a:extLst>
+        </p:spPr>
+      </p:pic>
+    </p:spTree>
+    <p:extLst>
+      <p:ext uri="{BB962C8B-B14F-4D97-AF65-F5344CB8AC3E}">
+        <p14:creationId xmlns:p14="http://schemas.microsoft.com/office/powerpoint/2010/main" val="2376698014"/>
+      </p:ext>
+    </p:extLst>
+  </p:cSld>
+  <p:clrMapOvr>
+    <a:masterClrMapping/>
+  </p:clrMapOvr>
+</p:sld>
+</file>
+
+<file path=ppt/slides/slide18.xml><?xml version="1.0" encoding="utf-8"?>
+<p:sld xmlns:a="http://schemas.openxmlformats.org/drawingml/2006/main" xmlns:r="http://schemas.openxmlformats.org/officeDocument/2006/relationships" xmlns:p="http://schemas.openxmlformats.org/presentationml/2006/main">
+  <p:cSld>
+    <p:spTree>
+      <p:nvGrpSpPr>
+        <p:cNvPr id="1" name=""/>
+        <p:cNvGrpSpPr/>
+        <p:nvPr/>
+      </p:nvGrpSpPr>
+      <p:grpSpPr>
+        <a:xfrm>
+          <a:off x="0" y="0"/>
+          <a:ext cx="0" cy="0"/>
+          <a:chOff x="0" y="0"/>
+          <a:chExt cx="0" cy="0"/>
+        </a:xfrm>
+      </p:grpSpPr>
+      <p:sp>
+        <p:nvSpPr>
+          <p:cNvPr id="3" name="Объект 2"/>
+          <p:cNvSpPr>
+            <a:spLocks noGrp="1"/>
+          </p:cNvSpPr>
+          <p:nvPr>
+            <p:ph idx="1"/>
+          </p:nvPr>
+        </p:nvSpPr>
+        <p:spPr/>
+        <p:txBody>
+          <a:bodyPr/>
+          <a:lstStyle/>
+          <a:p>
+            <a:endParaRPr lang="ru-RU" dirty="0"/>
+          </a:p>
+        </p:txBody>
+      </p:sp>
+      <p:pic>
+        <p:nvPicPr>
+          <p:cNvPr id="10242" name="Picture 2"/>
+          <p:cNvPicPr>
+            <a:picLocks noChangeAspect="1" noChangeArrowheads="1"/>
+          </p:cNvPicPr>
+          <p:nvPr/>
+        </p:nvPicPr>
+        <p:blipFill>
+          <a:blip r:embed="rId2">
+            <a:extLst>
+              <a:ext uri="{28A0092B-C50C-407E-A947-70E740481C1C}">
+                <a14:useLocalDpi xmlns:a14="http://schemas.microsoft.com/office/drawing/2010/main" val="0"/>
+              </a:ext>
+            </a:extLst>
+          </a:blip>
+          <a:srcRect/>
+          <a:stretch>
+            <a:fillRect/>
+          </a:stretch>
+        </p:blipFill>
+        <p:spPr bwMode="auto">
+          <a:xfrm>
+            <a:off x="2071689" y="75577"/>
+            <a:ext cx="4012479" cy="6756251"/>
+          </a:xfrm>
+          <a:prstGeom prst="rect">
+            <a:avLst/>
+          </a:prstGeom>
+          <a:noFill/>
+          <a:ln>
+            <a:noFill/>
+          </a:ln>
+          <a:extLst>
+            <a:ext uri="{909E8E84-426E-40DD-AFC4-6F175D3DCCD1}">
+              <a14:hiddenFill xmlns:a14="http://schemas.microsoft.com/office/drawing/2010/main">
+                <a:solidFill>
+                  <a:schemeClr val="accent1"/>
+                </a:solidFill>
+              </a14:hiddenFill>
+            </a:ext>
+            <a:ext uri="{91240B29-F687-4F45-9708-019B960494DF}">
+              <a14:hiddenLine xmlns:a14="http://schemas.microsoft.com/office/drawing/2010/main" w="9525">
+                <a:solidFill>
+                  <a:schemeClr val="tx1"/>
+                </a:solidFill>
+                <a:miter lim="800000"/>
+                <a:headEnd/>
+                <a:tailEnd/>
+              </a14:hiddenLine>
+            </a:ext>
+          </a:extLst>
+        </p:spPr>
+      </p:pic>
+    </p:spTree>
+    <p:extLst>
+      <p:ext uri="{BB962C8B-B14F-4D97-AF65-F5344CB8AC3E}">
+        <p14:creationId xmlns:p14="http://schemas.microsoft.com/office/powerpoint/2010/main" val="2971161883"/>
+      </p:ext>
+    </p:extLst>
+  </p:cSld>
+  <p:clrMapOvr>
+    <a:masterClrMapping/>
+  </p:clrMapOvr>
+</p:sld>
+</file>
+
+<file path=ppt/slides/slide19.xml><?xml version="1.0" encoding="utf-8"?>
+<p:sld xmlns:a="http://schemas.openxmlformats.org/drawingml/2006/main" xmlns:r="http://schemas.openxmlformats.org/officeDocument/2006/relationships" xmlns:p="http://schemas.openxmlformats.org/presentationml/2006/main">
+  <p:cSld>
+    <p:spTree>
+      <p:nvGrpSpPr>
+        <p:cNvPr id="1" name=""/>
+        <p:cNvGrpSpPr/>
+        <p:nvPr/>
+      </p:nvGrpSpPr>
+      <p:grpSpPr>
+        <a:xfrm>
+          <a:off x="0" y="0"/>
+          <a:ext cx="0" cy="0"/>
+          <a:chOff x="0" y="0"/>
+          <a:chExt cx="0" cy="0"/>
+        </a:xfrm>
+      </p:grpSpPr>
+      <p:sp>
+        <p:nvSpPr>
+          <p:cNvPr id="2" name="Заголовок 1"/>
+          <p:cNvSpPr>
+            <a:spLocks noGrp="1"/>
+          </p:cNvSpPr>
+          <p:nvPr>
+            <p:ph type="title"/>
+          </p:nvPr>
+        </p:nvSpPr>
+        <p:spPr/>
+        <p:txBody>
+          <a:bodyPr/>
+          <a:lstStyle/>
+          <a:p>
+            <a:endParaRPr lang="ru-RU"/>
+          </a:p>
+        </p:txBody>
+      </p:sp>
+      <p:sp>
+        <p:nvSpPr>
+          <p:cNvPr id="3" name="Объект 2"/>
+          <p:cNvSpPr>
+            <a:spLocks noGrp="1"/>
+          </p:cNvSpPr>
+          <p:nvPr>
+            <p:ph idx="1"/>
+          </p:nvPr>
+        </p:nvSpPr>
+        <p:spPr/>
+        <p:txBody>
+          <a:bodyPr/>
+          <a:lstStyle/>
+          <a:p>
+            <a:endParaRPr lang="ru-RU" dirty="0"/>
+          </a:p>
+        </p:txBody>
+      </p:sp>
+      <p:pic>
+        <p:nvPicPr>
+          <p:cNvPr id="11266" name="Picture 2"/>
+          <p:cNvPicPr>
+            <a:picLocks noChangeAspect="1" noChangeArrowheads="1"/>
+          </p:cNvPicPr>
+          <p:nvPr/>
+        </p:nvPicPr>
+        <p:blipFill>
+          <a:blip r:embed="rId2">
+            <a:extLst>
+              <a:ext uri="{28A0092B-C50C-407E-A947-70E740481C1C}">
+                <a14:useLocalDpi xmlns:a14="http://schemas.microsoft.com/office/drawing/2010/main" val="0"/>
+              </a:ext>
+            </a:extLst>
+          </a:blip>
+          <a:srcRect/>
+          <a:stretch>
+            <a:fillRect/>
+          </a:stretch>
+        </p:blipFill>
+        <p:spPr bwMode="auto">
+          <a:xfrm>
+            <a:off x="1475656" y="476672"/>
+            <a:ext cx="6134145" cy="4464496"/>
+          </a:xfrm>
+          <a:prstGeom prst="rect">
+            <a:avLst/>
+          </a:prstGeom>
+          <a:noFill/>
+          <a:ln>
+            <a:noFill/>
+          </a:ln>
+          <a:extLst>
+            <a:ext uri="{909E8E84-426E-40DD-AFC4-6F175D3DCCD1}">
+              <a14:hiddenFill xmlns:a14="http://schemas.microsoft.com/office/drawing/2010/main">
+                <a:solidFill>
+                  <a:schemeClr val="accent1"/>
+                </a:solidFill>
+              </a14:hiddenFill>
+            </a:ext>
+            <a:ext uri="{91240B29-F687-4F45-9708-019B960494DF}">
+              <a14:hiddenLine xmlns:a14="http://schemas.microsoft.com/office/drawing/2010/main" w="9525">
+                <a:solidFill>
+                  <a:schemeClr val="tx1"/>
+                </a:solidFill>
+                <a:miter lim="800000"/>
+                <a:headEnd/>
+                <a:tailEnd/>
+              </a14:hiddenLine>
+            </a:ext>
+          </a:extLst>
+        </p:spPr>
+      </p:pic>
+    </p:spTree>
+    <p:extLst>
+      <p:ext uri="{BB962C8B-B14F-4D97-AF65-F5344CB8AC3E}">
+        <p14:creationId xmlns:p14="http://schemas.microsoft.com/office/powerpoint/2010/main" val="498636082"/>
+      </p:ext>
+    </p:extLst>
+  </p:cSld>
+  <p:clrMapOvr>
+    <a:masterClrMapping/>
+  </p:clrMapOvr>
+</p:sld>
+</file>
+
+<file path=ppt/slides/slide2.xml><?xml version="1.0" encoding="utf-8"?>
+<p:sld xmlns:a="http://schemas.openxmlformats.org/drawingml/2006/main" xmlns:r="http://schemas.openxmlformats.org/officeDocument/2006/relationships" xmlns:p="http://schemas.openxmlformats.org/presentationml/2006/main">
+  <p:cSld>
+    <p:spTree>
+      <p:nvGrpSpPr>
+        <p:cNvPr id="1" name=""/>
+        <p:cNvGrpSpPr/>
+        <p:nvPr/>
+      </p:nvGrpSpPr>
+      <p:grpSpPr>
+        <a:xfrm>
+          <a:off x="0" y="0"/>
+          <a:ext cx="0" cy="0"/>
+          <a:chOff x="0" y="0"/>
+          <a:chExt cx="0" cy="0"/>
+        </a:xfrm>
+      </p:grpSpPr>
+      <p:sp>
+        <p:nvSpPr>
+          <p:cNvPr id="2" name="Заголовок 1"/>
+          <p:cNvSpPr>
+            <a:spLocks noGrp="1"/>
+          </p:cNvSpPr>
+          <p:nvPr>
+            <p:ph type="title"/>
+          </p:nvPr>
+        </p:nvSpPr>
+        <p:spPr>
+          <a:xfrm>
+            <a:off x="467544" y="0"/>
+            <a:ext cx="8229600" cy="980728"/>
+          </a:xfrm>
+        </p:spPr>
+        <p:txBody>
+          <a:bodyPr/>
+          <a:lstStyle/>
+          <a:p>
+            <a:r>
+              <a:rPr lang="ru-RU" dirty="0" smtClean="0"/>
+              <a:t>Абстрактный тип данных(АТД)</a:t>
+            </a:r>
+            <a:endParaRPr lang="ru-RU" dirty="0"/>
+          </a:p>
+        </p:txBody>
+      </p:sp>
+      <p:sp>
+        <p:nvSpPr>
+          <p:cNvPr id="3" name="Объект 2"/>
+          <p:cNvSpPr>
+            <a:spLocks noGrp="1"/>
+          </p:cNvSpPr>
+          <p:nvPr>
+            <p:ph idx="1"/>
+          </p:nvPr>
+        </p:nvSpPr>
+        <p:spPr>
+          <a:xfrm>
+            <a:off x="457200" y="908720"/>
+            <a:ext cx="8229600" cy="5832648"/>
+          </a:xfrm>
+        </p:spPr>
+        <p:txBody>
+          <a:bodyPr>
+            <a:normAutofit fontScale="92500" lnSpcReduction="20000"/>
+          </a:bodyPr>
+          <a:lstStyle/>
+          <a:p>
+            <a:pPr marL="0" indent="0">
+              <a:buNone/>
+            </a:pPr>
+            <a:r>
+              <a:rPr lang="ru-RU" sz="2800" b="1" dirty="0" smtClean="0"/>
+              <a:t>АТД</a:t>
+            </a:r>
+            <a:r>
+              <a:rPr lang="ru-RU" sz="2800" dirty="0" smtClean="0"/>
+              <a:t> - </a:t>
+            </a:r>
+            <a:r>
+              <a:rPr lang="ru-RU" sz="2800" i="1" dirty="0" smtClean="0"/>
+              <a:t>тип </a:t>
+            </a:r>
+            <a:r>
+              <a:rPr lang="ru-RU" sz="2800" i="1" dirty="0"/>
+              <a:t>данных, который предоставляет для работы с элементами этого типа </a:t>
+            </a:r>
+            <a:r>
+              <a:rPr lang="ru-RU" sz="2800" i="1" dirty="0" smtClean="0"/>
+              <a:t>определённый</a:t>
+            </a:r>
+          </a:p>
+          <a:p>
+            <a:r>
+              <a:rPr lang="ru-RU" sz="2800" dirty="0" smtClean="0"/>
+              <a:t>От программиста скрыта внутренняя реализация</a:t>
+            </a:r>
+          </a:p>
+          <a:p>
+            <a:r>
+              <a:rPr lang="ru-RU" sz="2800" dirty="0"/>
+              <a:t>каждая реализация определяет один и тот же набор функций, который должен работать одинаково (по результату, а не по скорости</a:t>
+            </a:r>
+            <a:r>
+              <a:rPr lang="ru-RU" sz="2800" dirty="0" smtClean="0"/>
+              <a:t>)</a:t>
+            </a:r>
+          </a:p>
+          <a:p>
+            <a:pPr marL="0" indent="0">
+              <a:buNone/>
+            </a:pPr>
+            <a:r>
+              <a:rPr lang="ru-RU" sz="2800" dirty="0" smtClean="0"/>
+              <a:t>Структура данных - </a:t>
+            </a:r>
+            <a:r>
+              <a:rPr lang="ru-RU" sz="2800" dirty="0"/>
+              <a:t> </a:t>
+            </a:r>
+            <a:r>
+              <a:rPr lang="ru-RU" sz="2800" dirty="0" smtClean="0"/>
+              <a:t>конкретная </a:t>
+            </a:r>
+            <a:r>
+              <a:rPr lang="ru-RU" sz="2800" dirty="0"/>
+              <a:t>реализации АТД</a:t>
+            </a:r>
+            <a:endParaRPr lang="ru-RU" sz="2800" dirty="0" smtClean="0"/>
+          </a:p>
+          <a:p>
+            <a:pPr marL="0" indent="0">
+              <a:buNone/>
+            </a:pPr>
+            <a:r>
+              <a:rPr lang="ru-RU" b="1" dirty="0" smtClean="0"/>
+              <a:t>Примеры АТД</a:t>
+            </a:r>
+            <a:endParaRPr lang="ru-RU" b="1" dirty="0" smtClean="0"/>
+          </a:p>
+          <a:p>
+            <a:r>
+              <a:rPr lang="ru-RU" sz="2800" dirty="0" smtClean="0"/>
+              <a:t>Список</a:t>
+            </a:r>
+          </a:p>
+          <a:p>
+            <a:r>
+              <a:rPr lang="ru-RU" sz="2800" dirty="0" smtClean="0"/>
+              <a:t>Стек</a:t>
+            </a:r>
+            <a:endParaRPr lang="ru-RU" sz="2800" dirty="0"/>
+          </a:p>
+          <a:p>
+            <a:r>
+              <a:rPr lang="ru-RU" sz="2800" dirty="0"/>
+              <a:t>Очередь</a:t>
+            </a:r>
+          </a:p>
+          <a:p>
+            <a:r>
+              <a:rPr lang="ru-RU" sz="2800" dirty="0"/>
+              <a:t>Ассоциативный </a:t>
+            </a:r>
+            <a:r>
+              <a:rPr lang="ru-RU" sz="2800" dirty="0" smtClean="0"/>
+              <a:t>массив (например, может быть реализован через </a:t>
+            </a:r>
+            <a:r>
+              <a:rPr lang="en-US" sz="2800" dirty="0" err="1" smtClean="0"/>
+              <a:t>HashMap</a:t>
+            </a:r>
+            <a:r>
+              <a:rPr lang="en-US" sz="2800" dirty="0" smtClean="0"/>
+              <a:t> </a:t>
+            </a:r>
+            <a:r>
+              <a:rPr lang="ru-RU" sz="2800" dirty="0" smtClean="0"/>
+              <a:t>или красно-чёрное дерево)</a:t>
+            </a:r>
+            <a:endParaRPr lang="ru-RU" sz="2800" dirty="0"/>
+          </a:p>
+          <a:p>
+            <a:r>
+              <a:rPr lang="ru-RU" sz="2800" dirty="0"/>
+              <a:t>Очередь с приоритетом</a:t>
+            </a:r>
+          </a:p>
+          <a:p>
+            <a:endParaRPr lang="ru-RU" dirty="0"/>
+          </a:p>
+        </p:txBody>
+      </p:sp>
+    </p:spTree>
+    <p:extLst>
+      <p:ext uri="{BB962C8B-B14F-4D97-AF65-F5344CB8AC3E}">
+        <p14:creationId xmlns:p14="http://schemas.microsoft.com/office/powerpoint/2010/main" val="951858726"/>
+      </p:ext>
+    </p:extLst>
+  </p:cSld>
+  <p:clrMapOvr>
+    <a:masterClrMapping/>
+  </p:clrMapOvr>
+</p:sld>
+</file>
+
+<file path=ppt/slides/slide20.xml><?xml version="1.0" encoding="utf-8"?>
+<p:sld xmlns:a="http://schemas.openxmlformats.org/drawingml/2006/main" xmlns:r="http://schemas.openxmlformats.org/officeDocument/2006/relationships" xmlns:p="http://schemas.openxmlformats.org/presentationml/2006/main">
+  <p:cSld>
+    <p:spTree>
+      <p:nvGrpSpPr>
+        <p:cNvPr id="1" name=""/>
+        <p:cNvGrpSpPr/>
+        <p:nvPr/>
+      </p:nvGrpSpPr>
+      <p:grpSpPr>
+        <a:xfrm>
+          <a:off x="0" y="0"/>
+          <a:ext cx="0" cy="0"/>
+          <a:chOff x="0" y="0"/>
+          <a:chExt cx="0" cy="0"/>
+        </a:xfrm>
+      </p:grpSpPr>
+      <p:sp>
+        <p:nvSpPr>
+          <p:cNvPr id="2" name="Заголовок 1"/>
+          <p:cNvSpPr>
+            <a:spLocks noGrp="1"/>
+          </p:cNvSpPr>
+          <p:nvPr>
+            <p:ph type="title"/>
+          </p:nvPr>
+        </p:nvSpPr>
+        <p:spPr/>
+        <p:txBody>
+          <a:bodyPr/>
+          <a:lstStyle/>
+          <a:p>
+            <a:r>
+              <a:rPr lang="ru-RU" dirty="0" smtClean="0"/>
+              <a:t>Характеристики</a:t>
+            </a:r>
+            <a:endParaRPr lang="ru-RU" dirty="0"/>
+          </a:p>
+        </p:txBody>
+      </p:sp>
+      <p:graphicFrame>
+        <p:nvGraphicFramePr>
+          <p:cNvPr id="4" name="Объект 3"/>
+          <p:cNvGraphicFramePr>
+            <a:graphicFrameLocks noGrp="1"/>
+          </p:cNvGraphicFramePr>
+          <p:nvPr>
+            <p:ph idx="1"/>
+            <p:extLst>
+              <p:ext uri="{D42A27DB-BD31-4B8C-83A1-F6EECF244321}">
+                <p14:modId xmlns:p14="http://schemas.microsoft.com/office/powerpoint/2010/main" val="3526054013"/>
+              </p:ext>
+            </p:extLst>
+          </p:nvPr>
+        </p:nvGraphicFramePr>
+        <p:xfrm>
+          <a:off x="457200" y="1600200"/>
+          <a:ext cx="8229600" cy="1854200"/>
+        </p:xfrm>
+        <a:graphic>
+          <a:graphicData uri="http://schemas.openxmlformats.org/drawingml/2006/table">
+            <a:tbl>
+              <a:tblPr firstRow="1" bandRow="1">
+                <a:tableStyleId>{5C22544A-7EE6-4342-B048-85BDC9FD1C3A}</a:tableStyleId>
+              </a:tblPr>
+              <a:tblGrid>
+                <a:gridCol w="4114800"/>
+                <a:gridCol w="4114800"/>
+              </a:tblGrid>
+              <a:tr h="370840">
+                <a:tc>
+                  <a:txBody>
+                    <a:bodyPr/>
+                    <a:lstStyle/>
+                    <a:p>
+                      <a:r>
+                        <a:rPr lang="ru-RU" dirty="0" smtClean="0"/>
+                        <a:t>Операция</a:t>
+                      </a:r>
+                      <a:endParaRPr lang="ru-RU" dirty="0"/>
+                    </a:p>
+                  </a:txBody>
+                  <a:tcPr/>
+                </a:tc>
+                <a:tc>
+                  <a:txBody>
+                    <a:bodyPr/>
+                    <a:lstStyle/>
+                    <a:p>
+                      <a:r>
+                        <a:rPr lang="ru-RU" dirty="0" smtClean="0"/>
+                        <a:t>В</a:t>
+                      </a:r>
+                      <a:r>
+                        <a:rPr lang="ru-RU" baseline="0" dirty="0" smtClean="0"/>
+                        <a:t> худшем случае</a:t>
+                      </a:r>
+                      <a:endParaRPr lang="ru-RU" dirty="0"/>
+                    </a:p>
+                  </a:txBody>
+                  <a:tcPr/>
+                </a:tc>
+              </a:tr>
+              <a:tr h="370840">
+                <a:tc>
+                  <a:txBody>
+                    <a:bodyPr/>
+                    <a:lstStyle/>
+                    <a:p>
+                      <a:r>
+                        <a:rPr lang="ru-RU" dirty="0" smtClean="0"/>
+                        <a:t>Добавление элемента</a:t>
+                      </a:r>
+                      <a:endParaRPr lang="ru-RU" dirty="0"/>
+                    </a:p>
+                  </a:txBody>
+                  <a:tcPr/>
+                </a:tc>
+                <a:tc>
+                  <a:txBody>
+                    <a:bodyPr/>
+                    <a:lstStyle/>
+                    <a:p>
+                      <a:r>
+                        <a:rPr lang="en-US" dirty="0" smtClean="0"/>
+                        <a:t>O(1)</a:t>
+                      </a:r>
+                      <a:endParaRPr lang="ru-RU" dirty="0"/>
+                    </a:p>
+                  </a:txBody>
+                  <a:tcPr/>
+                </a:tc>
+              </a:tr>
+              <a:tr h="370840">
+                <a:tc>
+                  <a:txBody>
+                    <a:bodyPr/>
+                    <a:lstStyle/>
+                    <a:p>
+                      <a:r>
+                        <a:rPr lang="ru-RU" dirty="0" smtClean="0"/>
+                        <a:t>Поиск по индексу</a:t>
+                      </a:r>
+                      <a:endParaRPr lang="ru-RU" dirty="0"/>
+                    </a:p>
+                  </a:txBody>
+                  <a:tcPr/>
+                </a:tc>
+                <a:tc>
+                  <a:txBody>
+                    <a:bodyPr/>
+                    <a:lstStyle/>
+                    <a:p>
+                      <a:r>
+                        <a:rPr lang="en-US" dirty="0" smtClean="0"/>
+                        <a:t>O(n)</a:t>
+                      </a:r>
+                      <a:endParaRPr lang="ru-RU" dirty="0"/>
+                    </a:p>
+                  </a:txBody>
+                  <a:tcPr/>
+                </a:tc>
+              </a:tr>
+              <a:tr h="370840">
+                <a:tc>
+                  <a:txBody>
+                    <a:bodyPr/>
+                    <a:lstStyle/>
+                    <a:p>
+                      <a:r>
+                        <a:rPr lang="ru-RU" dirty="0" smtClean="0"/>
+                        <a:t>Удаление первого/последнего</a:t>
+                      </a:r>
+                      <a:r>
+                        <a:rPr lang="ru-RU" baseline="0" dirty="0" smtClean="0"/>
+                        <a:t> э-та</a:t>
+                      </a:r>
+                      <a:endParaRPr lang="ru-RU" dirty="0"/>
+                    </a:p>
+                  </a:txBody>
+                  <a:tcPr/>
+                </a:tc>
+                <a:tc>
+                  <a:txBody>
+                    <a:bodyPr/>
+                    <a:lstStyle/>
+                    <a:p>
+                      <a:r>
+                        <a:rPr lang="en-US" dirty="0" smtClean="0"/>
+                        <a:t>O(1)</a:t>
+                      </a:r>
+                      <a:endParaRPr lang="ru-RU" dirty="0"/>
+                    </a:p>
+                  </a:txBody>
+                  <a:tcPr/>
+                </a:tc>
+              </a:tr>
+              <a:tr h="370840">
+                <a:tc>
+                  <a:txBody>
+                    <a:bodyPr/>
+                    <a:lstStyle/>
+                    <a:p>
+                      <a:r>
+                        <a:rPr lang="ru-RU" dirty="0" smtClean="0"/>
+                        <a:t>Удаление</a:t>
+                      </a:r>
+                      <a:r>
+                        <a:rPr lang="ru-RU" baseline="0" dirty="0" smtClean="0"/>
+                        <a:t> произвольного э-та</a:t>
+                      </a:r>
+                      <a:endParaRPr lang="ru-RU" dirty="0"/>
+                    </a:p>
+                  </a:txBody>
+                  <a:tcPr/>
+                </a:tc>
+                <a:tc>
+                  <a:txBody>
+                    <a:bodyPr/>
+                    <a:lstStyle/>
+                    <a:p>
+                      <a:r>
+                        <a:rPr lang="en-US" dirty="0" smtClean="0"/>
+                        <a:t>O(n)</a:t>
+                      </a:r>
+                      <a:endParaRPr lang="ru-RU" dirty="0"/>
+                    </a:p>
+                  </a:txBody>
+                  <a:tcPr/>
+                </a:tc>
+              </a:tr>
+            </a:tbl>
+          </a:graphicData>
+        </a:graphic>
+      </p:graphicFrame>
+    </p:spTree>
+    <p:extLst>
+      <p:ext uri="{BB962C8B-B14F-4D97-AF65-F5344CB8AC3E}">
+        <p14:creationId xmlns:p14="http://schemas.microsoft.com/office/powerpoint/2010/main" val="2832416198"/>
+      </p:ext>
+    </p:extLst>
+  </p:cSld>
+  <p:clrMapOvr>
+    <a:masterClrMapping/>
+  </p:clrMapOvr>
+</p:sld>
+</file>
+
+<file path=ppt/slides/slide21.xml><?xml version="1.0" encoding="utf-8"?>
+<p:sld xmlns:a="http://schemas.openxmlformats.org/drawingml/2006/main" xmlns:r="http://schemas.openxmlformats.org/officeDocument/2006/relationships" xmlns:p="http://schemas.openxmlformats.org/presentationml/2006/main">
+  <p:cSld>
+    <p:spTree>
+      <p:nvGrpSpPr>
+        <p:cNvPr id="1" name=""/>
+        <p:cNvGrpSpPr/>
+        <p:nvPr/>
+      </p:nvGrpSpPr>
+      <p:grpSpPr>
+        <a:xfrm>
+          <a:off x="0" y="0"/>
+          <a:ext cx="0" cy="0"/>
+          <a:chOff x="0" y="0"/>
+          <a:chExt cx="0" cy="0"/>
+        </a:xfrm>
+      </p:grpSpPr>
+      <p:sp>
+        <p:nvSpPr>
+          <p:cNvPr id="2" name="Заголовок 1"/>
+          <p:cNvSpPr>
+            <a:spLocks noGrp="1"/>
+          </p:cNvSpPr>
+          <p:nvPr>
+            <p:ph type="title"/>
+          </p:nvPr>
+        </p:nvSpPr>
+        <p:spPr/>
+        <p:txBody>
+          <a:bodyPr/>
+          <a:lstStyle/>
+          <a:p>
+            <a:r>
+              <a:rPr lang="ru-RU" dirty="0" smtClean="0"/>
+              <a:t>Хеш-таблица </a:t>
+            </a:r>
+            <a:r>
+              <a:rPr lang="en-US" dirty="0" smtClean="0"/>
+              <a:t>(</a:t>
+            </a:r>
+            <a:r>
+              <a:rPr lang="en-US" dirty="0" err="1" smtClean="0"/>
+              <a:t>HashMap</a:t>
+            </a:r>
+            <a:r>
+              <a:rPr lang="en-US" dirty="0" smtClean="0"/>
+              <a:t>)</a:t>
+            </a:r>
+            <a:endParaRPr lang="ru-RU" dirty="0"/>
+          </a:p>
+        </p:txBody>
+      </p:sp>
+      <p:sp>
+        <p:nvSpPr>
+          <p:cNvPr id="3" name="Объект 2"/>
+          <p:cNvSpPr>
+            <a:spLocks noGrp="1"/>
+          </p:cNvSpPr>
+          <p:nvPr>
+            <p:ph idx="1"/>
+          </p:nvPr>
+        </p:nvSpPr>
+        <p:spPr/>
+        <p:txBody>
+          <a:bodyPr/>
+          <a:lstStyle/>
+          <a:p>
+            <a:r>
+              <a:rPr lang="ru-RU" dirty="0"/>
+              <a:t> </a:t>
+            </a:r>
+            <a:r>
+              <a:rPr lang="ru-RU" sz="2800" dirty="0" smtClean="0"/>
+              <a:t>Структура, реализующая </a:t>
+            </a:r>
+            <a:r>
+              <a:rPr lang="ru-RU" sz="2800" dirty="0"/>
+              <a:t>интерфейс ассоциативного </a:t>
+            </a:r>
+            <a:r>
+              <a:rPr lang="ru-RU" sz="2800" dirty="0" smtClean="0"/>
+              <a:t>массива</a:t>
+            </a:r>
+          </a:p>
+          <a:p>
+            <a:r>
+              <a:rPr lang="ru-RU" sz="2800" dirty="0" smtClean="0"/>
+              <a:t>Позволяет </a:t>
+            </a:r>
+            <a:r>
+              <a:rPr lang="ru-RU" sz="2800" dirty="0"/>
+              <a:t>хранить пары (ключ, значение</a:t>
+            </a:r>
+            <a:r>
+              <a:rPr lang="ru-RU" sz="2800" dirty="0" smtClean="0"/>
+              <a:t>)</a:t>
+            </a:r>
+          </a:p>
+          <a:p>
+            <a:r>
+              <a:rPr lang="ru-RU" sz="2800" dirty="0" smtClean="0"/>
+              <a:t>Основные операции добавление </a:t>
+            </a:r>
+            <a:r>
+              <a:rPr lang="ru-RU" sz="2800" dirty="0"/>
+              <a:t>новой пары, операцию поиска и операцию удаления пары по ключу</a:t>
+            </a:r>
+          </a:p>
+        </p:txBody>
+      </p:sp>
+      <p:pic>
+        <p:nvPicPr>
+          <p:cNvPr id="5123" name="Picture 3"/>
+          <p:cNvPicPr>
+            <a:picLocks noChangeAspect="1" noChangeArrowheads="1"/>
+          </p:cNvPicPr>
+          <p:nvPr/>
+        </p:nvPicPr>
+        <p:blipFill>
+          <a:blip r:embed="rId2">
+            <a:extLst>
+              <a:ext uri="{28A0092B-C50C-407E-A947-70E740481C1C}">
+                <a14:useLocalDpi xmlns:a14="http://schemas.microsoft.com/office/drawing/2010/main" val="0"/>
+              </a:ext>
+            </a:extLst>
+          </a:blip>
+          <a:srcRect/>
+          <a:stretch>
+            <a:fillRect/>
+          </a:stretch>
+        </p:blipFill>
+        <p:spPr bwMode="auto">
+          <a:xfrm>
+            <a:off x="4251435" y="4077072"/>
+            <a:ext cx="4185466" cy="2160241"/>
+          </a:xfrm>
+          <a:prstGeom prst="rect">
+            <a:avLst/>
+          </a:prstGeom>
+          <a:noFill/>
+          <a:ln>
+            <a:noFill/>
+          </a:ln>
+          <a:extLst>
+            <a:ext uri="{909E8E84-426E-40DD-AFC4-6F175D3DCCD1}">
+              <a14:hiddenFill xmlns:a14="http://schemas.microsoft.com/office/drawing/2010/main">
+                <a:solidFill>
+                  <a:schemeClr val="accent1"/>
+                </a:solidFill>
+              </a14:hiddenFill>
+            </a:ext>
+            <a:ext uri="{91240B29-F687-4F45-9708-019B960494DF}">
+              <a14:hiddenLine xmlns:a14="http://schemas.microsoft.com/office/drawing/2010/main" w="9525">
+                <a:solidFill>
+                  <a:schemeClr val="tx1"/>
+                </a:solidFill>
+                <a:miter lim="800000"/>
+                <a:headEnd/>
+                <a:tailEnd/>
+              </a14:hiddenLine>
+            </a:ext>
+          </a:extLst>
+        </p:spPr>
+      </p:pic>
+    </p:spTree>
+    <p:extLst>
+      <p:ext uri="{BB962C8B-B14F-4D97-AF65-F5344CB8AC3E}">
+        <p14:creationId xmlns:p14="http://schemas.microsoft.com/office/powerpoint/2010/main" val="2759845153"/>
+      </p:ext>
+    </p:extLst>
+  </p:cSld>
+  <p:clrMapOvr>
+    <a:masterClrMapping/>
+  </p:clrMapOvr>
+</p:sld>
+</file>
+
+<file path=ppt/slides/slide22.xml><?xml version="1.0" encoding="utf-8"?>
+<p:sld xmlns:a="http://schemas.openxmlformats.org/drawingml/2006/main" xmlns:r="http://schemas.openxmlformats.org/officeDocument/2006/relationships" xmlns:p="http://schemas.openxmlformats.org/presentationml/2006/main">
+  <p:cSld>
+    <p:spTree>
+      <p:nvGrpSpPr>
+        <p:cNvPr id="1" name=""/>
+        <p:cNvGrpSpPr/>
+        <p:nvPr/>
+      </p:nvGrpSpPr>
+      <p:grpSpPr>
+        <a:xfrm>
+          <a:off x="0" y="0"/>
+          <a:ext cx="0" cy="0"/>
+          <a:chOff x="0" y="0"/>
+          <a:chExt cx="0" cy="0"/>
+        </a:xfrm>
+      </p:grpSpPr>
+      <p:sp>
+        <p:nvSpPr>
+          <p:cNvPr id="2" name="Заголовок 1"/>
+          <p:cNvSpPr>
+            <a:spLocks noGrp="1"/>
+          </p:cNvSpPr>
+          <p:nvPr>
+            <p:ph type="title"/>
+          </p:nvPr>
+        </p:nvSpPr>
+        <p:spPr/>
+        <p:txBody>
+          <a:bodyPr/>
+          <a:lstStyle/>
+          <a:p>
+            <a:r>
+              <a:rPr lang="ru-RU" dirty="0" smtClean="0"/>
+              <a:t>Пример использования</a:t>
+            </a:r>
+            <a:endParaRPr lang="ru-RU" dirty="0"/>
+          </a:p>
+        </p:txBody>
+      </p:sp>
+      <p:sp>
+        <p:nvSpPr>
+          <p:cNvPr id="3" name="Объект 2"/>
+          <p:cNvSpPr>
+            <a:spLocks noGrp="1"/>
+          </p:cNvSpPr>
+          <p:nvPr>
+            <p:ph idx="1"/>
+          </p:nvPr>
+        </p:nvSpPr>
+        <p:spPr/>
+        <p:txBody>
+          <a:bodyPr/>
+          <a:lstStyle/>
+          <a:p>
+            <a:endParaRPr lang="ru-RU" dirty="0"/>
+          </a:p>
+        </p:txBody>
+      </p:sp>
+      <p:pic>
+        <p:nvPicPr>
+          <p:cNvPr id="8194" name="Picture 2"/>
+          <p:cNvPicPr>
+            <a:picLocks noChangeAspect="1" noChangeArrowheads="1"/>
+          </p:cNvPicPr>
+          <p:nvPr/>
+        </p:nvPicPr>
+        <p:blipFill>
+          <a:blip r:embed="rId2">
+            <a:extLst>
+              <a:ext uri="{28A0092B-C50C-407E-A947-70E740481C1C}">
+                <a14:useLocalDpi xmlns:a14="http://schemas.microsoft.com/office/drawing/2010/main" val="0"/>
+              </a:ext>
+            </a:extLst>
+          </a:blip>
+          <a:srcRect/>
+          <a:stretch>
+            <a:fillRect/>
+          </a:stretch>
+        </p:blipFill>
+        <p:spPr bwMode="auto">
+          <a:xfrm>
+            <a:off x="678373" y="1700808"/>
+            <a:ext cx="7854068" cy="1977955"/>
+          </a:xfrm>
+          <a:prstGeom prst="rect">
+            <a:avLst/>
+          </a:prstGeom>
+          <a:noFill/>
+          <a:ln>
+            <a:noFill/>
+          </a:ln>
+          <a:extLst>
+            <a:ext uri="{909E8E84-426E-40DD-AFC4-6F175D3DCCD1}">
+              <a14:hiddenFill xmlns:a14="http://schemas.microsoft.com/office/drawing/2010/main">
+                <a:solidFill>
+                  <a:schemeClr val="accent1"/>
+                </a:solidFill>
+              </a14:hiddenFill>
+            </a:ext>
+            <a:ext uri="{91240B29-F687-4F45-9708-019B960494DF}">
+              <a14:hiddenLine xmlns:a14="http://schemas.microsoft.com/office/drawing/2010/main" w="9525">
+                <a:solidFill>
+                  <a:schemeClr val="tx1"/>
+                </a:solidFill>
+                <a:miter lim="800000"/>
+                <a:headEnd/>
+                <a:tailEnd/>
+              </a14:hiddenLine>
+            </a:ext>
+          </a:extLst>
+        </p:spPr>
+      </p:pic>
+    </p:spTree>
+    <p:extLst>
+      <p:ext uri="{BB962C8B-B14F-4D97-AF65-F5344CB8AC3E}">
+        <p14:creationId xmlns:p14="http://schemas.microsoft.com/office/powerpoint/2010/main" val="2685620734"/>
+      </p:ext>
+    </p:extLst>
+  </p:cSld>
+  <p:clrMapOvr>
+    <a:masterClrMapping/>
+  </p:clrMapOvr>
+</p:sld>
+</file>
+
+<file path=ppt/slides/slide23.xml><?xml version="1.0" encoding="utf-8"?>
+<p:sld xmlns:a="http://schemas.openxmlformats.org/drawingml/2006/main" xmlns:r="http://schemas.openxmlformats.org/officeDocument/2006/relationships" xmlns:p="http://schemas.openxmlformats.org/presentationml/2006/main">
+  <p:cSld>
+    <p:spTree>
+      <p:nvGrpSpPr>
+        <p:cNvPr id="1" name=""/>
+        <p:cNvGrpSpPr/>
+        <p:nvPr/>
+      </p:nvGrpSpPr>
+      <p:grpSpPr>
+        <a:xfrm>
+          <a:off x="0" y="0"/>
+          <a:ext cx="0" cy="0"/>
+          <a:chOff x="0" y="0"/>
+          <a:chExt cx="0" cy="0"/>
+        </a:xfrm>
+      </p:grpSpPr>
+      <p:sp>
+        <p:nvSpPr>
+          <p:cNvPr id="2" name="Заголовок 1"/>
+          <p:cNvSpPr>
+            <a:spLocks noGrp="1"/>
+          </p:cNvSpPr>
+          <p:nvPr>
+            <p:ph type="title"/>
+          </p:nvPr>
+        </p:nvSpPr>
+        <p:spPr/>
+        <p:txBody>
+          <a:bodyPr/>
+          <a:lstStyle/>
+          <a:p>
+            <a:endParaRPr lang="ru-RU"/>
+          </a:p>
+        </p:txBody>
+      </p:sp>
+      <p:sp>
+        <p:nvSpPr>
+          <p:cNvPr id="3" name="Объект 2"/>
+          <p:cNvSpPr>
+            <a:spLocks noGrp="1"/>
+          </p:cNvSpPr>
+          <p:nvPr>
+            <p:ph idx="1"/>
+          </p:nvPr>
+        </p:nvSpPr>
+        <p:spPr/>
+        <p:txBody>
+          <a:bodyPr/>
+          <a:lstStyle/>
+          <a:p>
+            <a:endParaRPr lang="ru-RU" dirty="0"/>
+          </a:p>
+        </p:txBody>
+      </p:sp>
+      <p:pic>
+        <p:nvPicPr>
+          <p:cNvPr id="15362" name="Picture 2"/>
+          <p:cNvPicPr>
+            <a:picLocks noChangeAspect="1" noChangeArrowheads="1"/>
+          </p:cNvPicPr>
+          <p:nvPr/>
+        </p:nvPicPr>
+        <p:blipFill>
+          <a:blip r:embed="rId2">
+            <a:extLst>
+              <a:ext uri="{28A0092B-C50C-407E-A947-70E740481C1C}">
+                <a14:useLocalDpi xmlns:a14="http://schemas.microsoft.com/office/drawing/2010/main" val="0"/>
+              </a:ext>
+            </a:extLst>
+          </a:blip>
+          <a:srcRect/>
+          <a:stretch>
+            <a:fillRect/>
+          </a:stretch>
+        </p:blipFill>
+        <p:spPr bwMode="auto">
+          <a:xfrm>
+            <a:off x="899592" y="620688"/>
+            <a:ext cx="7855822" cy="5544616"/>
+          </a:xfrm>
+          <a:prstGeom prst="rect">
+            <a:avLst/>
+          </a:prstGeom>
+          <a:noFill/>
+          <a:ln>
+            <a:noFill/>
+          </a:ln>
+          <a:extLst>
+            <a:ext uri="{909E8E84-426E-40DD-AFC4-6F175D3DCCD1}">
+              <a14:hiddenFill xmlns:a14="http://schemas.microsoft.com/office/drawing/2010/main">
+                <a:solidFill>
+                  <a:schemeClr val="accent1"/>
+                </a:solidFill>
+              </a14:hiddenFill>
+            </a:ext>
+            <a:ext uri="{91240B29-F687-4F45-9708-019B960494DF}">
+              <a14:hiddenLine xmlns:a14="http://schemas.microsoft.com/office/drawing/2010/main" w="9525">
+                <a:solidFill>
+                  <a:schemeClr val="tx1"/>
+                </a:solidFill>
+                <a:miter lim="800000"/>
+                <a:headEnd/>
+                <a:tailEnd/>
+              </a14:hiddenLine>
+            </a:ext>
+          </a:extLst>
+        </p:spPr>
+      </p:pic>
+    </p:spTree>
+    <p:extLst>
+      <p:ext uri="{BB962C8B-B14F-4D97-AF65-F5344CB8AC3E}">
+        <p14:creationId xmlns:p14="http://schemas.microsoft.com/office/powerpoint/2010/main" val="1660835504"/>
+      </p:ext>
+    </p:extLst>
+  </p:cSld>
+  <p:clrMapOvr>
+    <a:masterClrMapping/>
+  </p:clrMapOvr>
+</p:sld>
+</file>
+
+<file path=ppt/slides/slide24.xml><?xml version="1.0" encoding="utf-8"?>
+<p:sld xmlns:a="http://schemas.openxmlformats.org/drawingml/2006/main" xmlns:r="http://schemas.openxmlformats.org/officeDocument/2006/relationships" xmlns:p="http://schemas.openxmlformats.org/presentationml/2006/main">
+  <p:cSld>
+    <p:spTree>
+      <p:nvGrpSpPr>
+        <p:cNvPr id="1" name=""/>
+        <p:cNvGrpSpPr/>
+        <p:nvPr/>
+      </p:nvGrpSpPr>
+      <p:grpSpPr>
+        <a:xfrm>
+          <a:off x="0" y="0"/>
+          <a:ext cx="0" cy="0"/>
+          <a:chOff x="0" y="0"/>
+          <a:chExt cx="0" cy="0"/>
+        </a:xfrm>
+      </p:grpSpPr>
+      <p:sp>
+        <p:nvSpPr>
+          <p:cNvPr id="2" name="Заголовок 1"/>
+          <p:cNvSpPr>
+            <a:spLocks noGrp="1"/>
+          </p:cNvSpPr>
+          <p:nvPr>
+            <p:ph type="title"/>
+          </p:nvPr>
+        </p:nvSpPr>
+        <p:spPr/>
+        <p:txBody>
+          <a:bodyPr/>
+          <a:lstStyle/>
+          <a:p>
+            <a:r>
+              <a:rPr lang="ru-RU" dirty="0" smtClean="0"/>
+              <a:t>Понятие </a:t>
+            </a:r>
+            <a:r>
+              <a:rPr lang="ru-RU" dirty="0" err="1" smtClean="0"/>
+              <a:t>хэш</a:t>
+            </a:r>
+            <a:r>
+              <a:rPr lang="ru-RU" dirty="0" smtClean="0"/>
+              <a:t> функции</a:t>
+            </a:r>
+            <a:endParaRPr lang="ru-RU" dirty="0"/>
+          </a:p>
+        </p:txBody>
+      </p:sp>
+      <p:sp>
+        <p:nvSpPr>
+          <p:cNvPr id="3" name="Объект 2"/>
+          <p:cNvSpPr>
+            <a:spLocks noGrp="1"/>
+          </p:cNvSpPr>
+          <p:nvPr>
+            <p:ph idx="1"/>
+          </p:nvPr>
+        </p:nvSpPr>
+        <p:spPr/>
+        <p:txBody>
+          <a:bodyPr>
+            <a:normAutofit fontScale="85000" lnSpcReduction="10000"/>
+          </a:bodyPr>
+          <a:lstStyle/>
+          <a:p>
+            <a:pPr marL="0" indent="0">
+              <a:buNone/>
+            </a:pPr>
+            <a:r>
+              <a:rPr lang="ru-RU" dirty="0" smtClean="0"/>
+              <a:t>Преобразование </a:t>
+            </a:r>
+            <a:r>
+              <a:rPr lang="ru-RU" dirty="0"/>
+              <a:t>по детерминированному алгоритму входного массива данных произвольной длины в выходную битовую строку фиксированной </a:t>
+            </a:r>
+            <a:r>
+              <a:rPr lang="ru-RU" dirty="0" smtClean="0"/>
+              <a:t>длины</a:t>
+            </a:r>
+          </a:p>
+          <a:p>
+            <a:pPr marL="0" indent="0">
+              <a:buNone/>
+            </a:pPr>
+            <a:r>
+              <a:rPr lang="ru-RU" b="1" dirty="0" smtClean="0"/>
+              <a:t>Свойства</a:t>
+            </a:r>
+          </a:p>
+          <a:p>
+            <a:r>
+              <a:rPr lang="ru-RU" dirty="0" smtClean="0"/>
+              <a:t>Должна </a:t>
+            </a:r>
+            <a:r>
+              <a:rPr lang="ru-RU" dirty="0"/>
+              <a:t>б</a:t>
+            </a:r>
+            <a:r>
+              <a:rPr lang="ru-RU" dirty="0" smtClean="0"/>
+              <a:t>ыстро </a:t>
+            </a:r>
+            <a:r>
+              <a:rPr lang="ru-RU" dirty="0"/>
+              <a:t>вычисляться;</a:t>
+            </a:r>
+          </a:p>
+          <a:p>
+            <a:r>
+              <a:rPr lang="ru-RU" dirty="0" smtClean="0"/>
+              <a:t>минимизировать </a:t>
+            </a:r>
+            <a:r>
+              <a:rPr lang="ru-RU" dirty="0"/>
+              <a:t>количество </a:t>
+            </a:r>
+            <a:r>
+              <a:rPr lang="ru-RU" dirty="0" smtClean="0"/>
+              <a:t>коллизий</a:t>
+            </a:r>
+          </a:p>
+          <a:p>
+            <a:pPr marL="0" indent="0">
+              <a:buNone/>
+            </a:pPr>
+            <a:r>
+              <a:rPr lang="ru-RU" b="1" dirty="0" smtClean="0"/>
+              <a:t>Примеры</a:t>
+            </a:r>
+            <a:r>
+              <a:rPr lang="en-US" dirty="0" smtClean="0"/>
+              <a:t>: md5, </a:t>
+            </a:r>
+            <a:r>
+              <a:rPr lang="en-US" dirty="0" err="1" smtClean="0"/>
+              <a:t>sha</a:t>
+            </a:r>
+            <a:r>
+              <a:rPr lang="ru-RU" dirty="0" smtClean="0"/>
+              <a:t>2</a:t>
+            </a:r>
+          </a:p>
+          <a:p>
+            <a:pPr marL="0" indent="0">
+              <a:buNone/>
+            </a:pPr>
+            <a:r>
+              <a:rPr lang="en-US" sz="2800" dirty="0"/>
+              <a:t>MD5("md5</a:t>
+            </a:r>
+            <a:r>
+              <a:rPr lang="en-US" sz="2800" dirty="0" smtClean="0"/>
+              <a:t>")=1bc29b36f623ba82aaf6724fd3b16718</a:t>
+            </a:r>
+            <a:endParaRPr lang="ru-RU" sz="2800" dirty="0" smtClean="0"/>
+          </a:p>
+          <a:p>
+            <a:pPr marL="0" indent="0">
+              <a:buNone/>
+            </a:pPr>
+            <a:r>
+              <a:rPr lang="en-US" sz="2800" dirty="0"/>
+              <a:t>MD5("md4") = c93d3bf7a7c4afe94b64e30c2ce39f4f</a:t>
+            </a:r>
+            <a:endParaRPr lang="ru-RU" sz="2800" dirty="0"/>
+          </a:p>
+        </p:txBody>
+      </p:sp>
+    </p:spTree>
+    <p:extLst>
+      <p:ext uri="{BB962C8B-B14F-4D97-AF65-F5344CB8AC3E}">
+        <p14:creationId xmlns:p14="http://schemas.microsoft.com/office/powerpoint/2010/main" val="1920032742"/>
+      </p:ext>
+    </p:extLst>
+  </p:cSld>
+  <p:clrMapOvr>
+    <a:masterClrMapping/>
+  </p:clrMapOvr>
+</p:sld>
+</file>
+
+<file path=ppt/slides/slide25.xml><?xml version="1.0" encoding="utf-8"?>
+<p:sld xmlns:a="http://schemas.openxmlformats.org/drawingml/2006/main" xmlns:r="http://schemas.openxmlformats.org/officeDocument/2006/relationships" xmlns:p="http://schemas.openxmlformats.org/presentationml/2006/main">
+  <p:cSld>
+    <p:spTree>
+      <p:nvGrpSpPr>
+        <p:cNvPr id="1" name=""/>
+        <p:cNvGrpSpPr/>
+        <p:nvPr/>
+      </p:nvGrpSpPr>
+      <p:grpSpPr>
+        <a:xfrm>
+          <a:off x="0" y="0"/>
+          <a:ext cx="0" cy="0"/>
+          <a:chOff x="0" y="0"/>
+          <a:chExt cx="0" cy="0"/>
+        </a:xfrm>
+      </p:grpSpPr>
+      <p:sp>
+        <p:nvSpPr>
+          <p:cNvPr id="2" name="Заголовок 1"/>
+          <p:cNvSpPr>
+            <a:spLocks noGrp="1"/>
+          </p:cNvSpPr>
+          <p:nvPr>
+            <p:ph type="title"/>
+          </p:nvPr>
+        </p:nvSpPr>
+        <p:spPr/>
+        <p:txBody>
+          <a:bodyPr/>
+          <a:lstStyle/>
+          <a:p>
+            <a:r>
+              <a:rPr lang="ru-RU" dirty="0" smtClean="0"/>
+              <a:t>Применения</a:t>
+            </a:r>
+            <a:endParaRPr lang="ru-RU" dirty="0"/>
+          </a:p>
+        </p:txBody>
+      </p:sp>
+      <p:sp>
+        <p:nvSpPr>
+          <p:cNvPr id="3" name="Объект 2"/>
+          <p:cNvSpPr>
+            <a:spLocks noGrp="1"/>
+          </p:cNvSpPr>
+          <p:nvPr>
+            <p:ph idx="1"/>
+          </p:nvPr>
+        </p:nvSpPr>
+        <p:spPr/>
+        <p:txBody>
+          <a:bodyPr/>
+          <a:lstStyle/>
+          <a:p>
+            <a:r>
+              <a:rPr lang="ru-RU" dirty="0" smtClean="0"/>
+              <a:t>Реализация различных структур данных (хэш-таблица, декартово дерево, фильтр </a:t>
+            </a:r>
+            <a:r>
+              <a:rPr lang="ru-RU" dirty="0" err="1" smtClean="0"/>
+              <a:t>Блума</a:t>
+            </a:r>
+            <a:r>
+              <a:rPr lang="ru-RU" dirty="0" smtClean="0"/>
+              <a:t> и т.д.)</a:t>
+            </a:r>
+          </a:p>
+          <a:p>
+            <a:r>
+              <a:rPr lang="ru-RU" dirty="0" smtClean="0"/>
+              <a:t>Криптография</a:t>
+            </a:r>
+          </a:p>
+          <a:p>
+            <a:r>
+              <a:rPr lang="ru-RU" dirty="0" smtClean="0"/>
+              <a:t>Вычисление контрольных сумм</a:t>
+            </a:r>
+          </a:p>
+          <a:p>
+            <a:r>
+              <a:rPr lang="ru-RU" dirty="0" smtClean="0"/>
+              <a:t>Геометрическое </a:t>
+            </a:r>
+            <a:r>
+              <a:rPr lang="ru-RU" dirty="0" err="1" smtClean="0"/>
+              <a:t>хэширование</a:t>
+            </a:r>
+            <a:r>
+              <a:rPr lang="ru-RU" dirty="0" smtClean="0"/>
+              <a:t> в вычислительной геометрии и компьютерной графике</a:t>
+            </a:r>
+            <a:endParaRPr lang="ru-RU" dirty="0"/>
+          </a:p>
+        </p:txBody>
+      </p:sp>
+    </p:spTree>
+    <p:extLst>
+      <p:ext uri="{BB962C8B-B14F-4D97-AF65-F5344CB8AC3E}">
+        <p14:creationId xmlns:p14="http://schemas.microsoft.com/office/powerpoint/2010/main" val="635644860"/>
+      </p:ext>
+    </p:extLst>
+  </p:cSld>
+  <p:clrMapOvr>
+    <a:masterClrMapping/>
+  </p:clrMapOvr>
+</p:sld>
+</file>
+
+<file path=ppt/slides/slide26.xml><?xml version="1.0" encoding="utf-8"?>
+<p:sld xmlns:a="http://schemas.openxmlformats.org/drawingml/2006/main" xmlns:r="http://schemas.openxmlformats.org/officeDocument/2006/relationships" xmlns:p="http://schemas.openxmlformats.org/presentationml/2006/main">
+  <p:cSld>
+    <p:spTree>
+      <p:nvGrpSpPr>
+        <p:cNvPr id="1" name=""/>
+        <p:cNvGrpSpPr/>
+        <p:nvPr/>
+      </p:nvGrpSpPr>
+      <p:grpSpPr>
+        <a:xfrm>
+          <a:off x="0" y="0"/>
+          <a:ext cx="0" cy="0"/>
+          <a:chOff x="0" y="0"/>
+          <a:chExt cx="0" cy="0"/>
+        </a:xfrm>
+      </p:grpSpPr>
+      <p:sp>
+        <p:nvSpPr>
+          <p:cNvPr id="2" name="Заголовок 1"/>
+          <p:cNvSpPr>
+            <a:spLocks noGrp="1"/>
+          </p:cNvSpPr>
+          <p:nvPr>
+            <p:ph type="title"/>
+          </p:nvPr>
+        </p:nvSpPr>
+        <p:spPr/>
+        <p:txBody>
+          <a:bodyPr/>
+          <a:lstStyle/>
+          <a:p>
+            <a:r>
+              <a:rPr lang="ru-RU" dirty="0" smtClean="0"/>
+              <a:t>Простейшая хэш-функция</a:t>
+            </a:r>
+            <a:endParaRPr lang="ru-RU" dirty="0"/>
+          </a:p>
+        </p:txBody>
+      </p:sp>
+      <p:pic>
+        <p:nvPicPr>
+          <p:cNvPr id="5122" name="Picture 2" descr="h(K)= K \mod M "/>
+          <p:cNvPicPr>
+            <a:picLocks noGrp="1" noChangeAspect="1" noChangeArrowheads="1"/>
+          </p:cNvPicPr>
+          <p:nvPr>
+            <p:ph idx="1"/>
+          </p:nvPr>
+        </p:nvPicPr>
+        <p:blipFill>
+          <a:blip r:embed="rId2">
+            <a:extLst>
+              <a:ext uri="{28A0092B-C50C-407E-A947-70E740481C1C}">
+                <a14:useLocalDpi xmlns:a14="http://schemas.microsoft.com/office/drawing/2010/main" val="0"/>
+              </a:ext>
+            </a:extLst>
+          </a:blip>
+          <a:srcRect/>
+          <a:stretch>
+            <a:fillRect/>
+          </a:stretch>
+        </p:blipFill>
+        <p:spPr bwMode="auto">
+          <a:xfrm>
+            <a:off x="855505" y="3717032"/>
+            <a:ext cx="3538679" cy="432048"/>
+          </a:xfrm>
+          <a:prstGeom prst="rect">
+            <a:avLst/>
+          </a:prstGeom>
+          <a:noFill/>
+          <a:extLst>
+            <a:ext uri="{909E8E84-426E-40DD-AFC4-6F175D3DCCD1}">
+              <a14:hiddenFill xmlns:a14="http://schemas.microsoft.com/office/drawing/2010/main">
+                <a:solidFill>
+                  <a:srgbClr val="FFFFFF"/>
+                </a:solidFill>
+              </a14:hiddenFill>
+            </a:ext>
+          </a:extLst>
+        </p:spPr>
+      </p:pic>
+      <p:pic>
+        <p:nvPicPr>
+          <p:cNvPr id="5124" name="Picture 4" descr="h(K)=(h_{1}(x_{1})+h_{2}(x_{2})+...+h_{l}(x_{l})) \mod M"/>
+          <p:cNvPicPr>
+            <a:picLocks noChangeAspect="1" noChangeArrowheads="1"/>
+          </p:cNvPicPr>
+          <p:nvPr/>
+        </p:nvPicPr>
+        <p:blipFill>
+          <a:blip r:embed="rId3">
+            <a:extLst>
+              <a:ext uri="{28A0092B-C50C-407E-A947-70E740481C1C}">
+                <a14:useLocalDpi xmlns:a14="http://schemas.microsoft.com/office/drawing/2010/main" val="0"/>
+              </a:ext>
+            </a:extLst>
+          </a:blip>
+          <a:srcRect/>
+          <a:stretch>
+            <a:fillRect/>
+          </a:stretch>
+        </p:blipFill>
+        <p:spPr bwMode="auto">
+          <a:xfrm>
+            <a:off x="827584" y="5517232"/>
+            <a:ext cx="7063642" cy="360040"/>
+          </a:xfrm>
+          <a:prstGeom prst="rect">
+            <a:avLst/>
+          </a:prstGeom>
+          <a:noFill/>
+          <a:extLst>
+            <a:ext uri="{909E8E84-426E-40DD-AFC4-6F175D3DCCD1}">
+              <a14:hiddenFill xmlns:a14="http://schemas.microsoft.com/office/drawing/2010/main">
+                <a:solidFill>
+                  <a:srgbClr val="FFFFFF"/>
+                </a:solidFill>
+              </a14:hiddenFill>
+            </a:ext>
+          </a:extLst>
+        </p:spPr>
+      </p:pic>
+      <p:pic>
+        <p:nvPicPr>
+          <p:cNvPr id="5126" name="Picture 6" descr="K=x_{1}x_{2}...x_{l}"/>
+          <p:cNvPicPr>
+            <a:picLocks noChangeAspect="1" noChangeArrowheads="1"/>
+          </p:cNvPicPr>
+          <p:nvPr/>
+        </p:nvPicPr>
+        <p:blipFill>
+          <a:blip r:embed="rId4">
+            <a:extLst>
+              <a:ext uri="{28A0092B-C50C-407E-A947-70E740481C1C}">
+                <a14:useLocalDpi xmlns:a14="http://schemas.microsoft.com/office/drawing/2010/main" val="0"/>
+              </a:ext>
+            </a:extLst>
+          </a:blip>
+          <a:srcRect/>
+          <a:stretch>
+            <a:fillRect/>
+          </a:stretch>
+        </p:blipFill>
+        <p:spPr bwMode="auto">
+          <a:xfrm>
+            <a:off x="827584" y="4869160"/>
+            <a:ext cx="2260251" cy="360040"/>
+          </a:xfrm>
+          <a:prstGeom prst="rect">
+            <a:avLst/>
+          </a:prstGeom>
+          <a:noFill/>
+          <a:extLst>
+            <a:ext uri="{909E8E84-426E-40DD-AFC4-6F175D3DCCD1}">
+              <a14:hiddenFill xmlns:a14="http://schemas.microsoft.com/office/drawing/2010/main">
+                <a:solidFill>
+                  <a:srgbClr val="FFFFFF"/>
+                </a:solidFill>
+              </a14:hiddenFill>
+            </a:ext>
+          </a:extLst>
+        </p:spPr>
+      </p:pic>
+      <p:sp>
+        <p:nvSpPr>
+          <p:cNvPr id="4" name="TextBox 3"/>
+          <p:cNvSpPr txBox="1"/>
+          <p:nvPr/>
+        </p:nvSpPr>
+        <p:spPr>
+          <a:xfrm>
+            <a:off x="755576" y="4323717"/>
+            <a:ext cx="2928943" cy="369332"/>
+          </a:xfrm>
+          <a:prstGeom prst="rect">
+            <a:avLst/>
+          </a:prstGeom>
+          <a:noFill/>
+        </p:spPr>
+        <p:txBody>
+          <a:bodyPr wrap="none" rtlCol="0">
+            <a:spAutoFit/>
+          </a:bodyPr>
+          <a:lstStyle/>
+          <a:p>
+            <a:r>
+              <a:rPr lang="ru-RU" b="1" dirty="0" smtClean="0"/>
+              <a:t>Строки переменной длины</a:t>
+            </a:r>
+            <a:endParaRPr lang="ru-RU" b="1" dirty="0"/>
+          </a:p>
+        </p:txBody>
+      </p:sp>
+      <p:sp>
+        <p:nvSpPr>
+          <p:cNvPr id="5" name="TextBox 4"/>
+          <p:cNvSpPr txBox="1"/>
+          <p:nvPr/>
+        </p:nvSpPr>
+        <p:spPr>
+          <a:xfrm>
+            <a:off x="755576" y="3284984"/>
+            <a:ext cx="4111703" cy="646331"/>
+          </a:xfrm>
+          <a:prstGeom prst="rect">
+            <a:avLst/>
+          </a:prstGeom>
+          <a:noFill/>
+        </p:spPr>
+        <p:txBody>
+          <a:bodyPr wrap="none" rtlCol="0">
+            <a:spAutoFit/>
+          </a:bodyPr>
+          <a:lstStyle/>
+          <a:p>
+            <a:r>
+              <a:rPr lang="ru-RU" b="1" dirty="0"/>
+              <a:t>Хеш-функции, основанные на делении</a:t>
+            </a:r>
+          </a:p>
+          <a:p>
+            <a:endParaRPr lang="ru-RU" dirty="0"/>
+          </a:p>
+        </p:txBody>
+      </p:sp>
+      <p:sp>
+        <p:nvSpPr>
+          <p:cNvPr id="6" name="TextBox 5"/>
+          <p:cNvSpPr txBox="1"/>
+          <p:nvPr/>
+        </p:nvSpPr>
+        <p:spPr>
+          <a:xfrm>
+            <a:off x="610662" y="1628800"/>
+            <a:ext cx="5316840" cy="1200329"/>
+          </a:xfrm>
+          <a:prstGeom prst="rect">
+            <a:avLst/>
+          </a:prstGeom>
+          <a:noFill/>
+        </p:spPr>
+        <p:txBody>
+          <a:bodyPr wrap="none" rtlCol="0">
+            <a:spAutoFit/>
+          </a:bodyPr>
+          <a:lstStyle/>
+          <a:p>
+            <a:r>
+              <a:rPr lang="en-US" sz="2400" dirty="0" smtClean="0"/>
+              <a:t>K – </a:t>
+            </a:r>
+            <a:r>
+              <a:rPr lang="ru-RU" sz="2400" dirty="0" smtClean="0"/>
+              <a:t>ключ,</a:t>
+            </a:r>
+          </a:p>
+          <a:p>
+            <a:r>
+              <a:rPr lang="en-US" sz="2400" dirty="0" smtClean="0"/>
+              <a:t>h(K) – </a:t>
+            </a:r>
+            <a:r>
+              <a:rPr lang="ru-RU" sz="2400" dirty="0" smtClean="0"/>
+              <a:t>хэш-функция</a:t>
+            </a:r>
+          </a:p>
+          <a:p>
+            <a:r>
+              <a:rPr lang="ru-RU" sz="2400" dirty="0" smtClean="0"/>
+              <a:t>М </a:t>
+            </a:r>
+            <a:r>
+              <a:rPr lang="en-US" sz="2400" dirty="0" smtClean="0"/>
+              <a:t>–</a:t>
+            </a:r>
+            <a:r>
+              <a:rPr lang="ru-RU" sz="2400" dirty="0" smtClean="0"/>
+              <a:t> количество значений хэш-функций</a:t>
+            </a:r>
+            <a:endParaRPr lang="ru-RU" sz="2400" dirty="0"/>
+          </a:p>
+        </p:txBody>
+      </p:sp>
+    </p:spTree>
+    <p:extLst>
+      <p:ext uri="{BB962C8B-B14F-4D97-AF65-F5344CB8AC3E}">
+        <p14:creationId xmlns:p14="http://schemas.microsoft.com/office/powerpoint/2010/main" val="539398571"/>
+      </p:ext>
+    </p:extLst>
+  </p:cSld>
+  <p:clrMapOvr>
+    <a:masterClrMapping/>
+  </p:clrMapOvr>
+</p:sld>
+</file>
+
+<file path=ppt/slides/slide27.xml><?xml version="1.0" encoding="utf-8"?>
+<p:sld xmlns:a="http://schemas.openxmlformats.org/drawingml/2006/main" xmlns:r="http://schemas.openxmlformats.org/officeDocument/2006/relationships" xmlns:p="http://schemas.openxmlformats.org/presentationml/2006/main">
+  <p:cSld>
+    <p:spTree>
+      <p:nvGrpSpPr>
+        <p:cNvPr id="1" name=""/>
+        <p:cNvGrpSpPr/>
+        <p:nvPr/>
+      </p:nvGrpSpPr>
+      <p:grpSpPr>
+        <a:xfrm>
+          <a:off x="0" y="0"/>
+          <a:ext cx="0" cy="0"/>
+          <a:chOff x="0" y="0"/>
+          <a:chExt cx="0" cy="0"/>
+        </a:xfrm>
+      </p:grpSpPr>
+      <p:sp>
+        <p:nvSpPr>
+          <p:cNvPr id="2" name="Заголовок 1"/>
+          <p:cNvSpPr>
+            <a:spLocks noGrp="1"/>
+          </p:cNvSpPr>
+          <p:nvPr>
+            <p:ph type="title"/>
+          </p:nvPr>
+        </p:nvSpPr>
+        <p:spPr/>
+        <p:txBody>
+          <a:bodyPr/>
+          <a:lstStyle/>
+          <a:p>
+            <a:r>
+              <a:rPr lang="ru-RU" dirty="0" smtClean="0"/>
+              <a:t>Пример реализации</a:t>
+            </a:r>
+            <a:endParaRPr lang="ru-RU" dirty="0"/>
+          </a:p>
+        </p:txBody>
+      </p:sp>
+      <p:sp>
+        <p:nvSpPr>
+          <p:cNvPr id="3" name="Объект 2"/>
+          <p:cNvSpPr>
+            <a:spLocks noGrp="1"/>
+          </p:cNvSpPr>
+          <p:nvPr>
+            <p:ph idx="1"/>
+          </p:nvPr>
+        </p:nvSpPr>
+        <p:spPr/>
+        <p:txBody>
+          <a:bodyPr/>
+          <a:lstStyle/>
+          <a:p>
+            <a:endParaRPr lang="ru-RU" dirty="0"/>
+          </a:p>
+        </p:txBody>
+      </p:sp>
+      <p:pic>
+        <p:nvPicPr>
+          <p:cNvPr id="6147" name="Picture 3"/>
+          <p:cNvPicPr>
+            <a:picLocks noChangeAspect="1" noChangeArrowheads="1"/>
+          </p:cNvPicPr>
+          <p:nvPr/>
+        </p:nvPicPr>
+        <p:blipFill>
+          <a:blip r:embed="rId2">
+            <a:extLst>
+              <a:ext uri="{28A0092B-C50C-407E-A947-70E740481C1C}">
+                <a14:useLocalDpi xmlns:a14="http://schemas.microsoft.com/office/drawing/2010/main" val="0"/>
+              </a:ext>
+            </a:extLst>
+          </a:blip>
+          <a:srcRect/>
+          <a:stretch>
+            <a:fillRect/>
+          </a:stretch>
+        </p:blipFill>
+        <p:spPr bwMode="auto">
+          <a:xfrm>
+            <a:off x="1115615" y="1772816"/>
+            <a:ext cx="6251989" cy="2592288"/>
+          </a:xfrm>
+          <a:prstGeom prst="rect">
+            <a:avLst/>
+          </a:prstGeom>
+          <a:noFill/>
+          <a:ln>
+            <a:noFill/>
+          </a:ln>
+          <a:extLst>
+            <a:ext uri="{909E8E84-426E-40DD-AFC4-6F175D3DCCD1}">
+              <a14:hiddenFill xmlns:a14="http://schemas.microsoft.com/office/drawing/2010/main">
+                <a:solidFill>
+                  <a:schemeClr val="accent1"/>
+                </a:solidFill>
+              </a14:hiddenFill>
+            </a:ext>
+            <a:ext uri="{91240B29-F687-4F45-9708-019B960494DF}">
+              <a14:hiddenLine xmlns:a14="http://schemas.microsoft.com/office/drawing/2010/main" w="9525">
+                <a:solidFill>
+                  <a:schemeClr val="tx1"/>
+                </a:solidFill>
+                <a:miter lim="800000"/>
+                <a:headEnd/>
+                <a:tailEnd/>
+              </a14:hiddenLine>
+            </a:ext>
+          </a:extLst>
+        </p:spPr>
+      </p:pic>
+    </p:spTree>
+    <p:extLst>
+      <p:ext uri="{BB962C8B-B14F-4D97-AF65-F5344CB8AC3E}">
+        <p14:creationId xmlns:p14="http://schemas.microsoft.com/office/powerpoint/2010/main" val="1159009448"/>
+      </p:ext>
+    </p:extLst>
+  </p:cSld>
+  <p:clrMapOvr>
+    <a:masterClrMapping/>
+  </p:clrMapOvr>
+</p:sld>
+</file>
+
+<file path=ppt/slides/slide28.xml><?xml version="1.0" encoding="utf-8"?>
+<p:sld xmlns:a="http://schemas.openxmlformats.org/drawingml/2006/main" xmlns:r="http://schemas.openxmlformats.org/officeDocument/2006/relationships" xmlns:p="http://schemas.openxmlformats.org/presentationml/2006/main">
+  <p:cSld>
+    <p:spTree>
+      <p:nvGrpSpPr>
+        <p:cNvPr id="1" name=""/>
+        <p:cNvGrpSpPr/>
+        <p:nvPr/>
+      </p:nvGrpSpPr>
+      <p:grpSpPr>
+        <a:xfrm>
+          <a:off x="0" y="0"/>
+          <a:ext cx="0" cy="0"/>
+          <a:chOff x="0" y="0"/>
+          <a:chExt cx="0" cy="0"/>
+        </a:xfrm>
+      </p:grpSpPr>
+      <p:sp>
+        <p:nvSpPr>
+          <p:cNvPr id="2" name="Заголовок 1"/>
+          <p:cNvSpPr>
+            <a:spLocks noGrp="1"/>
+          </p:cNvSpPr>
+          <p:nvPr>
+            <p:ph type="title"/>
+          </p:nvPr>
+        </p:nvSpPr>
+        <p:spPr/>
+        <p:txBody>
+          <a:bodyPr>
+            <a:normAutofit fontScale="90000"/>
+          </a:bodyPr>
+          <a:lstStyle/>
+          <a:p>
+            <a:r>
+              <a:rPr lang="ru-RU" dirty="0" smtClean="0"/>
+              <a:t>Алгоритм добавления элемента (ключ, значение)</a:t>
+            </a:r>
+            <a:endParaRPr lang="ru-RU" dirty="0"/>
+          </a:p>
+        </p:txBody>
+      </p:sp>
+      <p:sp>
+        <p:nvSpPr>
+          <p:cNvPr id="3" name="Объект 2"/>
+          <p:cNvSpPr>
+            <a:spLocks noGrp="1"/>
+          </p:cNvSpPr>
+          <p:nvPr>
+            <p:ph idx="1"/>
+          </p:nvPr>
+        </p:nvSpPr>
+        <p:spPr/>
+        <p:txBody>
+          <a:bodyPr/>
+          <a:lstStyle/>
+          <a:p>
+            <a:pPr marL="0" indent="0">
+              <a:buNone/>
+            </a:pPr>
+            <a:r>
+              <a:rPr lang="ru-RU" dirty="0" smtClean="0"/>
+              <a:t>Корзина – это массив, номер корзины – это индекс, по которому лежит необходимый ключ</a:t>
+            </a:r>
+          </a:p>
+          <a:p>
+            <a:pPr marL="514350" indent="-514350">
+              <a:buFont typeface="+mj-lt"/>
+              <a:buAutoNum type="arabicPeriod"/>
+            </a:pPr>
+            <a:r>
+              <a:rPr lang="ru-RU" dirty="0" smtClean="0"/>
+              <a:t>Вычислить </a:t>
+            </a:r>
+            <a:r>
+              <a:rPr lang="ru-RU" dirty="0" err="1"/>
+              <a:t>хэш</a:t>
+            </a:r>
+            <a:r>
+              <a:rPr lang="ru-RU" dirty="0"/>
+              <a:t> от ключа и принять его за номер </a:t>
+            </a:r>
+            <a:r>
+              <a:rPr lang="ru-RU" dirty="0" smtClean="0"/>
+              <a:t>корзины</a:t>
+            </a:r>
+          </a:p>
+          <a:p>
+            <a:pPr marL="514350" indent="-514350">
+              <a:buFont typeface="+mj-lt"/>
+              <a:buAutoNum type="arabicPeriod"/>
+            </a:pPr>
+            <a:r>
+              <a:rPr lang="ru-RU" b="1" dirty="0" smtClean="0"/>
+              <a:t>Что делать если номера корзин для разных э-</a:t>
+            </a:r>
+            <a:r>
+              <a:rPr lang="ru-RU" b="1" dirty="0" err="1" smtClean="0"/>
+              <a:t>ов</a:t>
+            </a:r>
+            <a:r>
+              <a:rPr lang="ru-RU" b="1" dirty="0" smtClean="0"/>
+              <a:t> совпадают (возникает коллизия) </a:t>
+            </a:r>
+            <a:r>
+              <a:rPr lang="en-US" b="1" dirty="0" smtClean="0"/>
+              <a:t>?</a:t>
+            </a:r>
+            <a:endParaRPr lang="ru-RU" b="1" dirty="0"/>
+          </a:p>
+        </p:txBody>
+      </p:sp>
+    </p:spTree>
+    <p:extLst>
+      <p:ext uri="{BB962C8B-B14F-4D97-AF65-F5344CB8AC3E}">
+        <p14:creationId xmlns:p14="http://schemas.microsoft.com/office/powerpoint/2010/main" val="197323434"/>
+      </p:ext>
+    </p:extLst>
+  </p:cSld>
+  <p:clrMapOvr>
+    <a:masterClrMapping/>
+  </p:clrMapOvr>
+</p:sld>
+</file>
+
+<file path=ppt/slides/slide29.xml><?xml version="1.0" encoding="utf-8"?>
+<p:sld xmlns:a="http://schemas.openxmlformats.org/drawingml/2006/main" xmlns:r="http://schemas.openxmlformats.org/officeDocument/2006/relationships" xmlns:p="http://schemas.openxmlformats.org/presentationml/2006/main">
+  <p:cSld>
+    <p:spTree>
+      <p:nvGrpSpPr>
+        <p:cNvPr id="1" name=""/>
+        <p:cNvGrpSpPr/>
+        <p:nvPr/>
+      </p:nvGrpSpPr>
+      <p:grpSpPr>
+        <a:xfrm>
+          <a:off x="0" y="0"/>
+          <a:ext cx="0" cy="0"/>
+          <a:chOff x="0" y="0"/>
+          <a:chExt cx="0" cy="0"/>
+        </a:xfrm>
+      </p:grpSpPr>
+      <p:sp>
+        <p:nvSpPr>
+          <p:cNvPr id="2" name="Заголовок 1"/>
+          <p:cNvSpPr>
+            <a:spLocks noGrp="1"/>
+          </p:cNvSpPr>
+          <p:nvPr>
+            <p:ph type="title"/>
+          </p:nvPr>
+        </p:nvSpPr>
+        <p:spPr/>
+        <p:txBody>
+          <a:bodyPr>
+            <a:normAutofit fontScale="90000"/>
+          </a:bodyPr>
+          <a:lstStyle/>
+          <a:p>
+            <a:r>
+              <a:rPr lang="ru-RU" dirty="0" smtClean="0"/>
+              <a:t>Разрешение коллизий (метод цепочек)</a:t>
+            </a:r>
+            <a:endParaRPr lang="ru-RU" dirty="0"/>
+          </a:p>
+        </p:txBody>
+      </p:sp>
+      <p:pic>
+        <p:nvPicPr>
+          <p:cNvPr id="6146" name="Picture 2" descr="http://upload.wikimedia.org/wikipedia/commons/thumb/d/d0/Hash_table_5_0_1_1_1_1_1_LL.svg/380px-Hash_table_5_0_1_1_1_1_1_LL.svg.png"/>
+          <p:cNvPicPr>
+            <a:picLocks noGrp="1" noChangeAspect="1" noChangeArrowheads="1"/>
+          </p:cNvPicPr>
+          <p:nvPr>
+            <p:ph idx="1"/>
+          </p:nvPr>
+        </p:nvPicPr>
+        <p:blipFill>
+          <a:blip r:embed="rId2">
+            <a:extLst>
+              <a:ext uri="{28A0092B-C50C-407E-A947-70E740481C1C}">
+                <a14:useLocalDpi xmlns:a14="http://schemas.microsoft.com/office/drawing/2010/main" val="0"/>
+              </a:ext>
+            </a:extLst>
+          </a:blip>
+          <a:srcRect/>
+          <a:stretch>
+            <a:fillRect/>
+          </a:stretch>
+        </p:blipFill>
+        <p:spPr bwMode="auto">
+          <a:xfrm>
+            <a:off x="1907703" y="1700808"/>
+            <a:ext cx="5744151" cy="3960440"/>
+          </a:xfrm>
+          <a:prstGeom prst="rect">
+            <a:avLst/>
+          </a:prstGeom>
+          <a:noFill/>
+          <a:extLst>
+            <a:ext uri="{909E8E84-426E-40DD-AFC4-6F175D3DCCD1}">
+              <a14:hiddenFill xmlns:a14="http://schemas.microsoft.com/office/drawing/2010/main">
+                <a:solidFill>
+                  <a:srgbClr val="FFFFFF"/>
+                </a:solidFill>
+              </a14:hiddenFill>
+            </a:ext>
+          </a:extLst>
+        </p:spPr>
+      </p:pic>
+    </p:spTree>
+    <p:extLst>
+      <p:ext uri="{BB962C8B-B14F-4D97-AF65-F5344CB8AC3E}">
+        <p14:creationId xmlns:p14="http://schemas.microsoft.com/office/powerpoint/2010/main" val="1906737771"/>
+      </p:ext>
+    </p:extLst>
+  </p:cSld>
+  <p:clrMapOvr>
+    <a:masterClrMapping/>
+  </p:clrMapOvr>
+</p:sld>
+</file>
+
+<file path=ppt/slides/slide3.xml><?xml version="1.0" encoding="utf-8"?>
+<p:sld xmlns:a="http://schemas.openxmlformats.org/drawingml/2006/main" xmlns:r="http://schemas.openxmlformats.org/officeDocument/2006/relationships" xmlns:p="http://schemas.openxmlformats.org/presentationml/2006/main">
+  <p:cSld>
+    <p:spTree>
+      <p:nvGrpSpPr>
+        <p:cNvPr id="1" name=""/>
+        <p:cNvGrpSpPr/>
+        <p:nvPr/>
+      </p:nvGrpSpPr>
+      <p:grpSpPr>
+        <a:xfrm>
+          <a:off x="0" y="0"/>
+          <a:ext cx="0" cy="0"/>
+          <a:chOff x="0" y="0"/>
+          <a:chExt cx="0" cy="0"/>
+        </a:xfrm>
+      </p:grpSpPr>
+      <p:sp>
+        <p:nvSpPr>
+          <p:cNvPr id="2" name="Заголовок 1"/>
+          <p:cNvSpPr>
+            <a:spLocks noGrp="1"/>
+          </p:cNvSpPr>
+          <p:nvPr>
+            <p:ph type="title"/>
+          </p:nvPr>
+        </p:nvSpPr>
+        <p:spPr/>
+        <p:txBody>
+          <a:bodyPr/>
+          <a:lstStyle/>
+          <a:p>
+            <a:r>
+              <a:rPr lang="en-US" dirty="0" smtClean="0"/>
+              <a:t>O-</a:t>
+            </a:r>
+            <a:r>
+              <a:rPr lang="ru-RU" dirty="0" smtClean="0"/>
+              <a:t>нотация</a:t>
+            </a:r>
+            <a:endParaRPr lang="ru-RU" dirty="0"/>
+          </a:p>
+        </p:txBody>
+      </p:sp>
+      <p:sp>
+        <p:nvSpPr>
+          <p:cNvPr id="3" name="Объект 2"/>
+          <p:cNvSpPr>
+            <a:spLocks noGrp="1"/>
+          </p:cNvSpPr>
+          <p:nvPr>
+            <p:ph idx="1"/>
+          </p:nvPr>
+        </p:nvSpPr>
+        <p:spPr/>
+        <p:txBody>
+          <a:bodyPr/>
+          <a:lstStyle/>
+          <a:p>
+            <a:pPr marL="0" indent="0">
+              <a:buNone/>
+            </a:pPr>
+            <a:r>
+              <a:rPr lang="en-US" dirty="0" smtClean="0"/>
+              <a:t>O(g(n)) – </a:t>
+            </a:r>
+            <a:r>
+              <a:rPr lang="ru-RU" dirty="0" smtClean="0"/>
+              <a:t>асимптотическая верхняя граница</a:t>
+            </a:r>
+            <a:endParaRPr lang="ru-RU" dirty="0"/>
+          </a:p>
+        </p:txBody>
+      </p:sp>
+      <p:pic>
+        <p:nvPicPr>
+          <p:cNvPr id="2051" name="Picture 3"/>
+          <p:cNvPicPr>
+            <a:picLocks noChangeAspect="1" noChangeArrowheads="1"/>
+          </p:cNvPicPr>
+          <p:nvPr/>
+        </p:nvPicPr>
+        <p:blipFill>
+          <a:blip r:embed="rId2">
+            <a:extLst>
+              <a:ext uri="{28A0092B-C50C-407E-A947-70E740481C1C}">
+                <a14:useLocalDpi xmlns:a14="http://schemas.microsoft.com/office/drawing/2010/main" val="0"/>
+              </a:ext>
+            </a:extLst>
+          </a:blip>
+          <a:srcRect/>
+          <a:stretch>
+            <a:fillRect/>
+          </a:stretch>
+        </p:blipFill>
+        <p:spPr bwMode="auto">
+          <a:xfrm>
+            <a:off x="538289" y="4149080"/>
+            <a:ext cx="7457064" cy="1008112"/>
+          </a:xfrm>
+          <a:prstGeom prst="rect">
+            <a:avLst/>
+          </a:prstGeom>
+          <a:noFill/>
+          <a:ln>
+            <a:noFill/>
+          </a:ln>
+          <a:extLst>
+            <a:ext uri="{909E8E84-426E-40DD-AFC4-6F175D3DCCD1}">
+              <a14:hiddenFill xmlns:a14="http://schemas.microsoft.com/office/drawing/2010/main">
+                <a:solidFill>
+                  <a:schemeClr val="accent1"/>
+                </a:solidFill>
+              </a14:hiddenFill>
+            </a:ext>
+            <a:ext uri="{91240B29-F687-4F45-9708-019B960494DF}">
+              <a14:hiddenLine xmlns:a14="http://schemas.microsoft.com/office/drawing/2010/main" w="9525">
+                <a:solidFill>
+                  <a:schemeClr val="tx1"/>
+                </a:solidFill>
+                <a:miter lim="800000"/>
+                <a:headEnd/>
+                <a:tailEnd/>
+              </a14:hiddenLine>
+            </a:ext>
+          </a:extLst>
+        </p:spPr>
+      </p:pic>
+      <p:pic>
+        <p:nvPicPr>
+          <p:cNvPr id="2053" name="Picture 5"/>
+          <p:cNvPicPr>
+            <a:picLocks noChangeAspect="1" noChangeArrowheads="1"/>
+          </p:cNvPicPr>
+          <p:nvPr/>
+        </p:nvPicPr>
+        <p:blipFill>
+          <a:blip r:embed="rId3">
+            <a:extLst>
+              <a:ext uri="{28A0092B-C50C-407E-A947-70E740481C1C}">
+                <a14:useLocalDpi xmlns:a14="http://schemas.microsoft.com/office/drawing/2010/main" val="0"/>
+              </a:ext>
+            </a:extLst>
+          </a:blip>
+          <a:srcRect/>
+          <a:stretch>
+            <a:fillRect/>
+          </a:stretch>
+        </p:blipFill>
+        <p:spPr bwMode="auto">
+          <a:xfrm>
+            <a:off x="519935" y="2636912"/>
+            <a:ext cx="6899676" cy="1224136"/>
+          </a:xfrm>
+          <a:prstGeom prst="rect">
+            <a:avLst/>
+          </a:prstGeom>
+          <a:noFill/>
+          <a:ln>
+            <a:noFill/>
+          </a:ln>
+          <a:extLst>
+            <a:ext uri="{909E8E84-426E-40DD-AFC4-6F175D3DCCD1}">
+              <a14:hiddenFill xmlns:a14="http://schemas.microsoft.com/office/drawing/2010/main">
+                <a:solidFill>
+                  <a:schemeClr val="accent1"/>
+                </a:solidFill>
+              </a14:hiddenFill>
+            </a:ext>
+            <a:ext uri="{91240B29-F687-4F45-9708-019B960494DF}">
+              <a14:hiddenLine xmlns:a14="http://schemas.microsoft.com/office/drawing/2010/main" w="9525">
+                <a:solidFill>
+                  <a:schemeClr val="tx1"/>
+                </a:solidFill>
+                <a:miter lim="800000"/>
+                <a:headEnd/>
+                <a:tailEnd/>
+              </a14:hiddenLine>
+            </a:ext>
+          </a:extLst>
+        </p:spPr>
+      </p:pic>
+      <p:sp>
+        <p:nvSpPr>
+          <p:cNvPr id="4" name="Прямоугольник 3"/>
+          <p:cNvSpPr/>
+          <p:nvPr/>
+        </p:nvSpPr>
+        <p:spPr>
+          <a:xfrm>
+            <a:off x="683567" y="5579948"/>
+            <a:ext cx="7311785" cy="584775"/>
+          </a:xfrm>
+          <a:prstGeom prst="rect">
+            <a:avLst/>
+          </a:prstGeom>
+        </p:spPr>
+        <p:txBody>
+          <a:bodyPr wrap="square">
+            <a:spAutoFit/>
+          </a:bodyPr>
+          <a:lstStyle/>
+          <a:p>
+            <a:r>
+              <a:rPr lang="ru-RU" sz="3200" dirty="0" smtClean="0"/>
+              <a:t>Пример</a:t>
+            </a:r>
+            <a:r>
+              <a:rPr lang="en-US" sz="3200" dirty="0" smtClean="0"/>
+              <a:t>: f(x</a:t>
+            </a:r>
+            <a:r>
+              <a:rPr lang="en-US" sz="3200" dirty="0"/>
+              <a:t>) = 3x</a:t>
+            </a:r>
+            <a:r>
+              <a:rPr lang="en-US" sz="3200" baseline="30000" dirty="0"/>
+              <a:t>3</a:t>
+            </a:r>
+            <a:r>
+              <a:rPr lang="en-US" sz="3200" dirty="0"/>
+              <a:t> + 2x</a:t>
+            </a:r>
+            <a:r>
+              <a:rPr lang="en-US" sz="3200" baseline="30000" dirty="0"/>
+              <a:t>2</a:t>
+            </a:r>
+            <a:r>
+              <a:rPr lang="en-US" sz="3200" dirty="0"/>
+              <a:t>+x + 3 = O(x</a:t>
+            </a:r>
+            <a:r>
+              <a:rPr lang="en-US" sz="3200" baseline="30000" dirty="0"/>
+              <a:t>3</a:t>
+            </a:r>
+            <a:r>
+              <a:rPr lang="en-US" sz="3200" dirty="0"/>
+              <a:t>)</a:t>
+            </a:r>
+            <a:endParaRPr lang="ru-RU" sz="3200" dirty="0"/>
+          </a:p>
+        </p:txBody>
+      </p:sp>
+    </p:spTree>
+    <p:extLst>
+      <p:ext uri="{BB962C8B-B14F-4D97-AF65-F5344CB8AC3E}">
+        <p14:creationId xmlns:p14="http://schemas.microsoft.com/office/powerpoint/2010/main" val="1062192657"/>
+      </p:ext>
+    </p:extLst>
+  </p:cSld>
+  <p:clrMapOvr>
+    <a:masterClrMapping/>
+  </p:clrMapOvr>
+</p:sld>
+</file>
+
+<file path=ppt/slides/slide30.xml><?xml version="1.0" encoding="utf-8"?>
+<p:sld xmlns:a="http://schemas.openxmlformats.org/drawingml/2006/main" xmlns:r="http://schemas.openxmlformats.org/officeDocument/2006/relationships" xmlns:p="http://schemas.openxmlformats.org/presentationml/2006/main">
+  <p:cSld>
+    <p:spTree>
+      <p:nvGrpSpPr>
+        <p:cNvPr id="1" name=""/>
+        <p:cNvGrpSpPr/>
+        <p:nvPr/>
+      </p:nvGrpSpPr>
+      <p:grpSpPr>
+        <a:xfrm>
+          <a:off x="0" y="0"/>
+          <a:ext cx="0" cy="0"/>
+          <a:chOff x="0" y="0"/>
+          <a:chExt cx="0" cy="0"/>
+        </a:xfrm>
+      </p:grpSpPr>
+      <p:sp>
+        <p:nvSpPr>
+          <p:cNvPr id="2" name="Заголовок 1"/>
+          <p:cNvSpPr>
+            <a:spLocks noGrp="1"/>
+          </p:cNvSpPr>
+          <p:nvPr>
+            <p:ph type="title"/>
+          </p:nvPr>
+        </p:nvSpPr>
+        <p:spPr/>
+        <p:txBody>
+          <a:bodyPr>
+            <a:normAutofit fontScale="90000"/>
+          </a:bodyPr>
+          <a:lstStyle/>
+          <a:p>
+            <a:r>
+              <a:rPr lang="ru-RU" dirty="0" smtClean="0"/>
+              <a:t>Алгоритм добавления элемента (ключ, значение)</a:t>
+            </a:r>
+            <a:endParaRPr lang="ru-RU" dirty="0"/>
+          </a:p>
+        </p:txBody>
+      </p:sp>
+      <p:sp>
+        <p:nvSpPr>
+          <p:cNvPr id="3" name="Объект 2"/>
+          <p:cNvSpPr>
+            <a:spLocks noGrp="1"/>
+          </p:cNvSpPr>
+          <p:nvPr>
+            <p:ph idx="1"/>
+          </p:nvPr>
+        </p:nvSpPr>
+        <p:spPr/>
+        <p:txBody>
+          <a:bodyPr/>
+          <a:lstStyle/>
+          <a:p>
+            <a:pPr marL="0" indent="0">
+              <a:buNone/>
+            </a:pPr>
+            <a:r>
+              <a:rPr lang="ru-RU" dirty="0" smtClean="0"/>
+              <a:t>Корзина – это связанный список</a:t>
+            </a:r>
+          </a:p>
+          <a:p>
+            <a:pPr marL="514350" indent="-514350">
+              <a:buFont typeface="+mj-lt"/>
+              <a:buAutoNum type="arabicPeriod"/>
+            </a:pPr>
+            <a:r>
+              <a:rPr lang="ru-RU" dirty="0" smtClean="0"/>
+              <a:t>Вычислить </a:t>
+            </a:r>
+            <a:r>
+              <a:rPr lang="ru-RU" dirty="0" err="1" smtClean="0"/>
+              <a:t>хэш</a:t>
+            </a:r>
+            <a:r>
+              <a:rPr lang="ru-RU" dirty="0" smtClean="0"/>
+              <a:t> от ключа и принять его за номер корзины </a:t>
+            </a:r>
+            <a:r>
+              <a:rPr lang="en-US" dirty="0" smtClean="0"/>
+              <a:t>(M = </a:t>
+            </a:r>
+            <a:r>
+              <a:rPr lang="ru-RU" dirty="0" smtClean="0"/>
+              <a:t>число корзин, задаётся при создании</a:t>
+            </a:r>
+            <a:r>
+              <a:rPr lang="en-US" dirty="0" smtClean="0"/>
+              <a:t>)</a:t>
+            </a:r>
+            <a:endParaRPr lang="ru-RU" dirty="0" smtClean="0"/>
+          </a:p>
+          <a:p>
+            <a:pPr marL="514350" indent="-514350">
+              <a:buFont typeface="+mj-lt"/>
+              <a:buAutoNum type="arabicPeriod"/>
+            </a:pPr>
+            <a:r>
+              <a:rPr lang="ru-RU" dirty="0" smtClean="0"/>
+              <a:t>Если корзина с таким номер не существует создать её</a:t>
+            </a:r>
+          </a:p>
+          <a:p>
+            <a:pPr marL="514350" indent="-514350">
+              <a:buFont typeface="+mj-lt"/>
+              <a:buAutoNum type="arabicPeriod"/>
+            </a:pPr>
+            <a:r>
+              <a:rPr lang="ru-RU" dirty="0" smtClean="0"/>
+              <a:t>Добавить элемент в корзину (связный список)</a:t>
+            </a:r>
+            <a:endParaRPr lang="ru-RU" dirty="0"/>
+          </a:p>
+        </p:txBody>
+      </p:sp>
+    </p:spTree>
+    <p:extLst>
+      <p:ext uri="{BB962C8B-B14F-4D97-AF65-F5344CB8AC3E}">
+        <p14:creationId xmlns:p14="http://schemas.microsoft.com/office/powerpoint/2010/main" val="218285333"/>
+      </p:ext>
+    </p:extLst>
+  </p:cSld>
+  <p:clrMapOvr>
+    <a:masterClrMapping/>
+  </p:clrMapOvr>
+</p:sld>
+</file>
+
+<file path=ppt/slides/slide31.xml><?xml version="1.0" encoding="utf-8"?>
+<p:sld xmlns:a="http://schemas.openxmlformats.org/drawingml/2006/main" xmlns:r="http://schemas.openxmlformats.org/officeDocument/2006/relationships" xmlns:p="http://schemas.openxmlformats.org/presentationml/2006/main">
+  <p:cSld>
+    <p:spTree>
+      <p:nvGrpSpPr>
+        <p:cNvPr id="1" name=""/>
+        <p:cNvGrpSpPr/>
+        <p:nvPr/>
+      </p:nvGrpSpPr>
+      <p:grpSpPr>
+        <a:xfrm>
+          <a:off x="0" y="0"/>
+          <a:ext cx="0" cy="0"/>
+          <a:chOff x="0" y="0"/>
+          <a:chExt cx="0" cy="0"/>
+        </a:xfrm>
+      </p:grpSpPr>
+      <p:sp>
+        <p:nvSpPr>
+          <p:cNvPr id="2" name="Заголовок 1"/>
+          <p:cNvSpPr>
+            <a:spLocks noGrp="1"/>
+          </p:cNvSpPr>
+          <p:nvPr>
+            <p:ph type="title"/>
+          </p:nvPr>
+        </p:nvSpPr>
+        <p:spPr/>
+        <p:txBody>
+          <a:bodyPr/>
+          <a:lstStyle/>
+          <a:p>
+            <a:r>
+              <a:rPr lang="ru-RU" dirty="0" smtClean="0"/>
+              <a:t>Пример реализации</a:t>
+            </a:r>
+            <a:endParaRPr lang="ru-RU" dirty="0"/>
+          </a:p>
+        </p:txBody>
+      </p:sp>
+      <p:sp>
+        <p:nvSpPr>
+          <p:cNvPr id="3" name="Объект 2"/>
+          <p:cNvSpPr>
+            <a:spLocks noGrp="1"/>
+          </p:cNvSpPr>
+          <p:nvPr>
+            <p:ph idx="1"/>
+          </p:nvPr>
+        </p:nvSpPr>
+        <p:spPr/>
+        <p:txBody>
+          <a:bodyPr/>
+          <a:lstStyle/>
+          <a:p>
+            <a:endParaRPr lang="ru-RU" dirty="0"/>
+          </a:p>
+        </p:txBody>
+      </p:sp>
+      <p:pic>
+        <p:nvPicPr>
+          <p:cNvPr id="12290" name="Picture 2"/>
+          <p:cNvPicPr>
+            <a:picLocks noChangeAspect="1" noChangeArrowheads="1"/>
+          </p:cNvPicPr>
+          <p:nvPr/>
+        </p:nvPicPr>
+        <p:blipFill>
+          <a:blip r:embed="rId2">
+            <a:extLst>
+              <a:ext uri="{28A0092B-C50C-407E-A947-70E740481C1C}">
+                <a14:useLocalDpi xmlns:a14="http://schemas.microsoft.com/office/drawing/2010/main" val="0"/>
+              </a:ext>
+            </a:extLst>
+          </a:blip>
+          <a:srcRect/>
+          <a:stretch>
+            <a:fillRect/>
+          </a:stretch>
+        </p:blipFill>
+        <p:spPr bwMode="auto">
+          <a:xfrm>
+            <a:off x="1691680" y="1124744"/>
+            <a:ext cx="5548089" cy="5556419"/>
+          </a:xfrm>
+          <a:prstGeom prst="rect">
+            <a:avLst/>
+          </a:prstGeom>
+          <a:noFill/>
+          <a:ln>
+            <a:noFill/>
+          </a:ln>
+          <a:extLst>
+            <a:ext uri="{909E8E84-426E-40DD-AFC4-6F175D3DCCD1}">
+              <a14:hiddenFill xmlns:a14="http://schemas.microsoft.com/office/drawing/2010/main">
+                <a:solidFill>
+                  <a:schemeClr val="accent1"/>
+                </a:solidFill>
+              </a14:hiddenFill>
+            </a:ext>
+            <a:ext uri="{91240B29-F687-4F45-9708-019B960494DF}">
+              <a14:hiddenLine xmlns:a14="http://schemas.microsoft.com/office/drawing/2010/main" w="9525">
+                <a:solidFill>
+                  <a:schemeClr val="tx1"/>
+                </a:solidFill>
+                <a:miter lim="800000"/>
+                <a:headEnd/>
+                <a:tailEnd/>
+              </a14:hiddenLine>
+            </a:ext>
+          </a:extLst>
+        </p:spPr>
+      </p:pic>
+    </p:spTree>
+    <p:extLst>
+      <p:ext uri="{BB962C8B-B14F-4D97-AF65-F5344CB8AC3E}">
+        <p14:creationId xmlns:p14="http://schemas.microsoft.com/office/powerpoint/2010/main" val="2370080872"/>
+      </p:ext>
+    </p:extLst>
+  </p:cSld>
+  <p:clrMapOvr>
+    <a:masterClrMapping/>
+  </p:clrMapOvr>
+</p:sld>
+</file>
+
+<file path=ppt/slides/slide32.xml><?xml version="1.0" encoding="utf-8"?>
+<p:sld xmlns:a="http://schemas.openxmlformats.org/drawingml/2006/main" xmlns:r="http://schemas.openxmlformats.org/officeDocument/2006/relationships" xmlns:p="http://schemas.openxmlformats.org/presentationml/2006/main">
+  <p:cSld>
+    <p:spTree>
+      <p:nvGrpSpPr>
+        <p:cNvPr id="1" name=""/>
+        <p:cNvGrpSpPr/>
+        <p:nvPr/>
+      </p:nvGrpSpPr>
+      <p:grpSpPr>
+        <a:xfrm>
+          <a:off x="0" y="0"/>
+          <a:ext cx="0" cy="0"/>
+          <a:chOff x="0" y="0"/>
+          <a:chExt cx="0" cy="0"/>
+        </a:xfrm>
+      </p:grpSpPr>
+      <p:sp>
+        <p:nvSpPr>
+          <p:cNvPr id="2" name="Заголовок 1"/>
+          <p:cNvSpPr>
+            <a:spLocks noGrp="1"/>
+          </p:cNvSpPr>
+          <p:nvPr>
+            <p:ph type="title"/>
+          </p:nvPr>
+        </p:nvSpPr>
+        <p:spPr/>
+        <p:txBody>
+          <a:bodyPr>
+            <a:normAutofit fontScale="90000"/>
+          </a:bodyPr>
+          <a:lstStyle/>
+          <a:p>
+            <a:r>
+              <a:rPr lang="ru-RU" dirty="0" smtClean="0"/>
+              <a:t>Алгоритм извлечения э-та по ключу</a:t>
+            </a:r>
+            <a:endParaRPr lang="ru-RU" dirty="0"/>
+          </a:p>
+        </p:txBody>
+      </p:sp>
+      <p:sp>
+        <p:nvSpPr>
+          <p:cNvPr id="3" name="Объект 2"/>
+          <p:cNvSpPr>
+            <a:spLocks noGrp="1"/>
+          </p:cNvSpPr>
+          <p:nvPr>
+            <p:ph idx="1"/>
+          </p:nvPr>
+        </p:nvSpPr>
+        <p:spPr/>
+        <p:txBody>
+          <a:bodyPr/>
+          <a:lstStyle/>
+          <a:p>
+            <a:pPr marL="514350" indent="-514350">
+              <a:buFont typeface="+mj-lt"/>
+              <a:buAutoNum type="arabicPeriod"/>
+            </a:pPr>
+            <a:r>
+              <a:rPr lang="ru-RU" dirty="0" smtClean="0"/>
+              <a:t>Посчитать </a:t>
+            </a:r>
+            <a:r>
+              <a:rPr lang="ru-RU" dirty="0" err="1" smtClean="0"/>
+              <a:t>хэш</a:t>
+            </a:r>
+            <a:r>
+              <a:rPr lang="ru-RU" dirty="0" smtClean="0"/>
+              <a:t> ключа и </a:t>
+            </a:r>
+            <a:r>
+              <a:rPr lang="ru-RU" dirty="0" err="1" smtClean="0"/>
+              <a:t>приянть</a:t>
+            </a:r>
+            <a:r>
+              <a:rPr lang="ru-RU" dirty="0" smtClean="0"/>
+              <a:t> его за номер корзины</a:t>
+            </a:r>
+          </a:p>
+          <a:p>
+            <a:pPr marL="514350" indent="-514350">
+              <a:buFont typeface="+mj-lt"/>
+              <a:buAutoNum type="arabicPeriod"/>
+            </a:pPr>
+            <a:r>
+              <a:rPr lang="ru-RU" dirty="0" smtClean="0"/>
+              <a:t>Найти необходимую корзину (связный список) и производить обход э-</a:t>
+            </a:r>
+            <a:r>
+              <a:rPr lang="ru-RU" dirty="0" err="1" smtClean="0"/>
+              <a:t>ов</a:t>
+            </a:r>
+            <a:r>
+              <a:rPr lang="ru-RU" dirty="0" smtClean="0"/>
+              <a:t>, пока не совпадут ключи</a:t>
+            </a:r>
+          </a:p>
+          <a:p>
+            <a:pPr marL="514350" indent="-514350">
+              <a:buFont typeface="+mj-lt"/>
+              <a:buAutoNum type="arabicPeriod"/>
+            </a:pPr>
+            <a:r>
+              <a:rPr lang="ru-RU" dirty="0" smtClean="0"/>
+              <a:t>Если корзина пуста или при обходе не был найден соответствующий ключ, значит данный ключ не </a:t>
+            </a:r>
+            <a:r>
+              <a:rPr lang="ru-RU" dirty="0" err="1" smtClean="0"/>
+              <a:t>присуствует</a:t>
+            </a:r>
+            <a:r>
+              <a:rPr lang="ru-RU" dirty="0" smtClean="0"/>
+              <a:t> в </a:t>
+            </a:r>
+            <a:r>
+              <a:rPr lang="en-US" dirty="0" err="1" smtClean="0"/>
+              <a:t>HashMap</a:t>
+            </a:r>
+            <a:endParaRPr lang="ru-RU" dirty="0" smtClean="0"/>
+          </a:p>
+          <a:p>
+            <a:pPr marL="514350" indent="-514350">
+              <a:buFont typeface="+mj-lt"/>
+              <a:buAutoNum type="arabicPeriod"/>
+            </a:pPr>
+            <a:endParaRPr lang="ru-RU" dirty="0"/>
+          </a:p>
+        </p:txBody>
+      </p:sp>
+    </p:spTree>
+    <p:extLst>
+      <p:ext uri="{BB962C8B-B14F-4D97-AF65-F5344CB8AC3E}">
+        <p14:creationId xmlns:p14="http://schemas.microsoft.com/office/powerpoint/2010/main" val="2519981807"/>
+      </p:ext>
+    </p:extLst>
+  </p:cSld>
+  <p:clrMapOvr>
+    <a:masterClrMapping/>
+  </p:clrMapOvr>
+</p:sld>
+</file>
+
+<file path=ppt/slides/slide33.xml><?xml version="1.0" encoding="utf-8"?>
+<p:sld xmlns:a="http://schemas.openxmlformats.org/drawingml/2006/main" xmlns:r="http://schemas.openxmlformats.org/officeDocument/2006/relationships" xmlns:p="http://schemas.openxmlformats.org/presentationml/2006/main">
+  <p:cSld>
+    <p:spTree>
+      <p:nvGrpSpPr>
+        <p:cNvPr id="1" name=""/>
+        <p:cNvGrpSpPr/>
+        <p:nvPr/>
+      </p:nvGrpSpPr>
+      <p:grpSpPr>
+        <a:xfrm>
+          <a:off x="0" y="0"/>
+          <a:ext cx="0" cy="0"/>
+          <a:chOff x="0" y="0"/>
+          <a:chExt cx="0" cy="0"/>
+        </a:xfrm>
+      </p:grpSpPr>
+      <p:sp>
+        <p:nvSpPr>
+          <p:cNvPr id="2" name="Заголовок 1"/>
+          <p:cNvSpPr>
+            <a:spLocks noGrp="1"/>
+          </p:cNvSpPr>
+          <p:nvPr>
+            <p:ph type="title"/>
+          </p:nvPr>
+        </p:nvSpPr>
+        <p:spPr/>
+        <p:txBody>
+          <a:bodyPr/>
+          <a:lstStyle/>
+          <a:p>
+            <a:endParaRPr lang="ru-RU"/>
+          </a:p>
+        </p:txBody>
+      </p:sp>
+      <p:sp>
+        <p:nvSpPr>
+          <p:cNvPr id="3" name="Объект 2"/>
+          <p:cNvSpPr>
+            <a:spLocks noGrp="1"/>
+          </p:cNvSpPr>
+          <p:nvPr>
+            <p:ph idx="1"/>
+          </p:nvPr>
+        </p:nvSpPr>
+        <p:spPr/>
+        <p:txBody>
+          <a:bodyPr/>
+          <a:lstStyle/>
+          <a:p>
+            <a:endParaRPr lang="ru-RU" dirty="0"/>
+          </a:p>
+        </p:txBody>
+      </p:sp>
+      <p:pic>
+        <p:nvPicPr>
+          <p:cNvPr id="13314" name="Picture 2"/>
+          <p:cNvPicPr>
+            <a:picLocks noChangeAspect="1" noChangeArrowheads="1"/>
+          </p:cNvPicPr>
+          <p:nvPr/>
+        </p:nvPicPr>
+        <p:blipFill>
+          <a:blip r:embed="rId2">
+            <a:extLst>
+              <a:ext uri="{28A0092B-C50C-407E-A947-70E740481C1C}">
+                <a14:useLocalDpi xmlns:a14="http://schemas.microsoft.com/office/drawing/2010/main" val="0"/>
+              </a:ext>
+            </a:extLst>
+          </a:blip>
+          <a:srcRect/>
+          <a:stretch>
+            <a:fillRect/>
+          </a:stretch>
+        </p:blipFill>
+        <p:spPr bwMode="auto">
+          <a:xfrm>
+            <a:off x="1366837" y="188640"/>
+            <a:ext cx="6410325" cy="5915025"/>
+          </a:xfrm>
+          <a:prstGeom prst="rect">
+            <a:avLst/>
+          </a:prstGeom>
+          <a:noFill/>
+          <a:ln>
+            <a:noFill/>
+          </a:ln>
+          <a:extLst>
+            <a:ext uri="{909E8E84-426E-40DD-AFC4-6F175D3DCCD1}">
+              <a14:hiddenFill xmlns:a14="http://schemas.microsoft.com/office/drawing/2010/main">
+                <a:solidFill>
+                  <a:schemeClr val="accent1"/>
+                </a:solidFill>
+              </a14:hiddenFill>
+            </a:ext>
+            <a:ext uri="{91240B29-F687-4F45-9708-019B960494DF}">
+              <a14:hiddenLine xmlns:a14="http://schemas.microsoft.com/office/drawing/2010/main" w="9525">
+                <a:solidFill>
+                  <a:schemeClr val="tx1"/>
+                </a:solidFill>
+                <a:miter lim="800000"/>
+                <a:headEnd/>
+                <a:tailEnd/>
+              </a14:hiddenLine>
+            </a:ext>
+          </a:extLst>
+        </p:spPr>
+      </p:pic>
+    </p:spTree>
+    <p:extLst>
+      <p:ext uri="{BB962C8B-B14F-4D97-AF65-F5344CB8AC3E}">
+        <p14:creationId xmlns:p14="http://schemas.microsoft.com/office/powerpoint/2010/main" val="3155684622"/>
+      </p:ext>
+    </p:extLst>
+  </p:cSld>
+  <p:clrMapOvr>
+    <a:masterClrMapping/>
+  </p:clrMapOvr>
+</p:sld>
+</file>
+
+<file path=ppt/slides/slide34.xml><?xml version="1.0" encoding="utf-8"?>
+<p:sld xmlns:a="http://schemas.openxmlformats.org/drawingml/2006/main" xmlns:r="http://schemas.openxmlformats.org/officeDocument/2006/relationships" xmlns:p="http://schemas.openxmlformats.org/presentationml/2006/main">
+  <p:cSld>
+    <p:spTree>
+      <p:nvGrpSpPr>
+        <p:cNvPr id="1" name=""/>
+        <p:cNvGrpSpPr/>
+        <p:nvPr/>
+      </p:nvGrpSpPr>
+      <p:grpSpPr>
+        <a:xfrm>
+          <a:off x="0" y="0"/>
+          <a:ext cx="0" cy="0"/>
+          <a:chOff x="0" y="0"/>
+          <a:chExt cx="0" cy="0"/>
+        </a:xfrm>
+      </p:grpSpPr>
+      <p:sp>
+        <p:nvSpPr>
+          <p:cNvPr id="2" name="Заголовок 1"/>
+          <p:cNvSpPr>
+            <a:spLocks noGrp="1"/>
+          </p:cNvSpPr>
+          <p:nvPr>
+            <p:ph type="title"/>
+          </p:nvPr>
+        </p:nvSpPr>
+        <p:spPr/>
+        <p:txBody>
+          <a:bodyPr/>
+          <a:lstStyle/>
+          <a:p>
+            <a:r>
+              <a:rPr lang="ru-RU" dirty="0" smtClean="0"/>
+              <a:t>Характеристики</a:t>
+            </a:r>
+            <a:endParaRPr lang="ru-RU" dirty="0"/>
+          </a:p>
+        </p:txBody>
+      </p:sp>
+      <p:graphicFrame>
+        <p:nvGraphicFramePr>
+          <p:cNvPr id="4" name="Объект 3"/>
+          <p:cNvGraphicFramePr>
+            <a:graphicFrameLocks noGrp="1"/>
+          </p:cNvGraphicFramePr>
+          <p:nvPr>
+            <p:ph idx="1"/>
+            <p:extLst>
+              <p:ext uri="{D42A27DB-BD31-4B8C-83A1-F6EECF244321}">
+                <p14:modId xmlns:p14="http://schemas.microsoft.com/office/powerpoint/2010/main" val="3089100569"/>
+              </p:ext>
+            </p:extLst>
+          </p:nvPr>
+        </p:nvGraphicFramePr>
+        <p:xfrm>
+          <a:off x="457200" y="1600200"/>
+          <a:ext cx="8229600" cy="1483360"/>
+        </p:xfrm>
+        <a:graphic>
+          <a:graphicData uri="http://schemas.openxmlformats.org/drawingml/2006/table">
+            <a:tbl>
+              <a:tblPr firstRow="1" bandRow="1">
+                <a:tableStyleId>{5C22544A-7EE6-4342-B048-85BDC9FD1C3A}</a:tableStyleId>
+              </a:tblPr>
+              <a:tblGrid>
+                <a:gridCol w="2743200"/>
+                <a:gridCol w="2743200"/>
+                <a:gridCol w="2743200"/>
+              </a:tblGrid>
+              <a:tr h="370840">
+                <a:tc>
+                  <a:txBody>
+                    <a:bodyPr/>
+                    <a:lstStyle/>
+                    <a:p>
+                      <a:r>
+                        <a:rPr lang="ru-RU" dirty="0" smtClean="0"/>
+                        <a:t>Операция</a:t>
+                      </a:r>
+                      <a:endParaRPr lang="ru-RU" dirty="0"/>
+                    </a:p>
+                  </a:txBody>
+                  <a:tcPr/>
+                </a:tc>
+                <a:tc>
+                  <a:txBody>
+                    <a:bodyPr/>
+                    <a:lstStyle/>
+                    <a:p>
+                      <a:r>
+                        <a:rPr lang="ru-RU" dirty="0" smtClean="0"/>
+                        <a:t>В среднем</a:t>
+                      </a:r>
+                      <a:endParaRPr lang="ru-RU" dirty="0"/>
+                    </a:p>
+                  </a:txBody>
+                  <a:tcPr/>
+                </a:tc>
+                <a:tc>
+                  <a:txBody>
+                    <a:bodyPr/>
+                    <a:lstStyle/>
+                    <a:p>
+                      <a:r>
+                        <a:rPr lang="ru-RU" dirty="0" smtClean="0"/>
+                        <a:t>В</a:t>
+                      </a:r>
+                      <a:r>
+                        <a:rPr lang="ru-RU" baseline="0" dirty="0" smtClean="0"/>
+                        <a:t> худшем случае</a:t>
+                      </a:r>
+                      <a:endParaRPr lang="ru-RU" dirty="0"/>
+                    </a:p>
+                  </a:txBody>
+                  <a:tcPr/>
+                </a:tc>
+              </a:tr>
+              <a:tr h="370840">
+                <a:tc>
+                  <a:txBody>
+                    <a:bodyPr/>
+                    <a:lstStyle/>
+                    <a:p>
+                      <a:r>
+                        <a:rPr lang="ru-RU" dirty="0" smtClean="0"/>
+                        <a:t>Добавление</a:t>
+                      </a:r>
+                      <a:endParaRPr lang="ru-RU" dirty="0"/>
+                    </a:p>
+                  </a:txBody>
+                  <a:tcPr/>
+                </a:tc>
+                <a:tc>
+                  <a:txBody>
+                    <a:bodyPr/>
+                    <a:lstStyle/>
+                    <a:p>
+                      <a:r>
+                        <a:rPr lang="en-US" dirty="0" smtClean="0"/>
+                        <a:t>O(1)</a:t>
+                      </a:r>
+                      <a:endParaRPr lang="ru-RU" dirty="0"/>
+                    </a:p>
+                  </a:txBody>
+                  <a:tcPr/>
+                </a:tc>
+                <a:tc>
+                  <a:txBody>
+                    <a:bodyPr/>
+                    <a:lstStyle/>
+                    <a:p>
+                      <a:r>
+                        <a:rPr lang="en-US" dirty="0" smtClean="0"/>
+                        <a:t>O(n)</a:t>
+                      </a:r>
+                      <a:endParaRPr lang="ru-RU" dirty="0"/>
+                    </a:p>
+                  </a:txBody>
+                  <a:tcPr/>
+                </a:tc>
+              </a:tr>
+              <a:tr h="370840">
+                <a:tc>
+                  <a:txBody>
+                    <a:bodyPr/>
+                    <a:lstStyle/>
+                    <a:p>
+                      <a:r>
+                        <a:rPr lang="ru-RU" dirty="0" smtClean="0"/>
+                        <a:t>Удаление</a:t>
+                      </a:r>
+                      <a:endParaRPr lang="ru-RU" dirty="0"/>
+                    </a:p>
+                  </a:txBody>
+                  <a:tcPr/>
+                </a:tc>
+                <a:tc>
+                  <a:txBody>
+                    <a:bodyPr/>
+                    <a:lstStyle/>
+                    <a:p>
+                      <a:r>
+                        <a:rPr lang="en-US" dirty="0" smtClean="0"/>
+                        <a:t>O(1)</a:t>
+                      </a:r>
+                      <a:endParaRPr lang="ru-RU" dirty="0"/>
+                    </a:p>
+                  </a:txBody>
+                  <a:tcPr/>
+                </a:tc>
+                <a:tc>
+                  <a:txBody>
+                    <a:bodyPr/>
+                    <a:lstStyle/>
+                    <a:p>
+                      <a:r>
+                        <a:rPr lang="en-US" dirty="0" smtClean="0"/>
+                        <a:t>O(n)</a:t>
+                      </a:r>
+                      <a:endParaRPr lang="ru-RU" dirty="0"/>
+                    </a:p>
+                  </a:txBody>
+                  <a:tcPr/>
+                </a:tc>
+              </a:tr>
+              <a:tr h="370840">
+                <a:tc>
+                  <a:txBody>
+                    <a:bodyPr/>
+                    <a:lstStyle/>
+                    <a:p>
+                      <a:r>
+                        <a:rPr lang="ru-RU" dirty="0" smtClean="0"/>
+                        <a:t>Поиск</a:t>
+                      </a:r>
+                      <a:endParaRPr lang="ru-RU" dirty="0"/>
+                    </a:p>
+                  </a:txBody>
+                  <a:tcPr/>
+                </a:tc>
+                <a:tc>
+                  <a:txBody>
+                    <a:bodyPr/>
+                    <a:lstStyle/>
+                    <a:p>
+                      <a:r>
+                        <a:rPr lang="en-US" dirty="0" smtClean="0"/>
+                        <a:t>O(1)</a:t>
+                      </a:r>
+                      <a:endParaRPr lang="ru-RU" dirty="0"/>
+                    </a:p>
+                  </a:txBody>
+                  <a:tcPr/>
+                </a:tc>
+                <a:tc>
+                  <a:txBody>
+                    <a:bodyPr/>
+                    <a:lstStyle/>
+                    <a:p>
+                      <a:r>
+                        <a:rPr lang="en-US" dirty="0" smtClean="0"/>
+                        <a:t>O(n)</a:t>
+                      </a:r>
+                      <a:endParaRPr lang="ru-RU" dirty="0"/>
+                    </a:p>
+                  </a:txBody>
+                  <a:tcPr/>
+                </a:tc>
+              </a:tr>
+            </a:tbl>
+          </a:graphicData>
+        </a:graphic>
+      </p:graphicFrame>
+    </p:spTree>
+    <p:extLst>
+      <p:ext uri="{BB962C8B-B14F-4D97-AF65-F5344CB8AC3E}">
+        <p14:creationId xmlns:p14="http://schemas.microsoft.com/office/powerpoint/2010/main" val="285269049"/>
+      </p:ext>
+    </p:extLst>
+  </p:cSld>
+  <p:clrMapOvr>
+    <a:masterClrMapping/>
+  </p:clrMapOvr>
+</p:sld>
+</file>
+
+<file path=ppt/slides/slide35.xml><?xml version="1.0" encoding="utf-8"?>
+<p:sld xmlns:a="http://schemas.openxmlformats.org/drawingml/2006/main" xmlns:r="http://schemas.openxmlformats.org/officeDocument/2006/relationships" xmlns:p="http://schemas.openxmlformats.org/presentationml/2006/main">
+  <p:cSld>
+    <p:spTree>
+      <p:nvGrpSpPr>
+        <p:cNvPr id="1" name=""/>
+        <p:cNvGrpSpPr/>
+        <p:nvPr/>
+      </p:nvGrpSpPr>
+      <p:grpSpPr>
+        <a:xfrm>
+          <a:off x="0" y="0"/>
+          <a:ext cx="0" cy="0"/>
+          <a:chOff x="0" y="0"/>
+          <a:chExt cx="0" cy="0"/>
+        </a:xfrm>
+      </p:grpSpPr>
+      <p:sp>
+        <p:nvSpPr>
+          <p:cNvPr id="2" name="Заголовок 1"/>
+          <p:cNvSpPr>
+            <a:spLocks noGrp="1"/>
+          </p:cNvSpPr>
+          <p:nvPr>
+            <p:ph type="title"/>
+          </p:nvPr>
+        </p:nvSpPr>
+        <p:spPr/>
+        <p:txBody>
+          <a:bodyPr/>
+          <a:lstStyle/>
+          <a:p>
+            <a:r>
+              <a:rPr lang="ru-RU" dirty="0" err="1" smtClean="0"/>
+              <a:t>Стэк</a:t>
+            </a:r>
+            <a:endParaRPr lang="ru-RU" dirty="0"/>
+          </a:p>
+        </p:txBody>
+      </p:sp>
+      <p:sp>
+        <p:nvSpPr>
+          <p:cNvPr id="3" name="Объект 2"/>
+          <p:cNvSpPr>
+            <a:spLocks noGrp="1"/>
+          </p:cNvSpPr>
+          <p:nvPr>
+            <p:ph idx="1"/>
+          </p:nvPr>
+        </p:nvSpPr>
+        <p:spPr/>
+        <p:txBody>
+          <a:bodyPr/>
+          <a:lstStyle/>
+          <a:p>
+            <a:r>
+              <a:rPr lang="ru-RU" dirty="0"/>
+              <a:t> </a:t>
+            </a:r>
+            <a:r>
+              <a:rPr lang="ru-RU" dirty="0" smtClean="0"/>
+              <a:t>Абстрактный тип данных, представляющий </a:t>
+            </a:r>
+            <a:r>
+              <a:rPr lang="ru-RU" dirty="0"/>
+              <a:t>собой список элементов, организованных по принципу </a:t>
+            </a:r>
+            <a:r>
+              <a:rPr lang="ru-RU" i="1" dirty="0"/>
+              <a:t>LIFO</a:t>
+            </a:r>
+            <a:r>
+              <a:rPr lang="ru-RU" dirty="0"/>
+              <a:t> (англ. </a:t>
+            </a:r>
+            <a:r>
+              <a:rPr lang="ru-RU" i="1" dirty="0" err="1"/>
+              <a:t>last</a:t>
+            </a:r>
+            <a:r>
+              <a:rPr lang="ru-RU" i="1" dirty="0"/>
+              <a:t> </a:t>
+            </a:r>
+            <a:r>
+              <a:rPr lang="ru-RU" i="1" dirty="0" err="1"/>
+              <a:t>in</a:t>
+            </a:r>
+            <a:r>
+              <a:rPr lang="ru-RU" i="1" dirty="0"/>
+              <a:t> — </a:t>
+            </a:r>
+            <a:r>
+              <a:rPr lang="ru-RU" i="1" dirty="0" err="1"/>
+              <a:t>first</a:t>
+            </a:r>
+            <a:r>
+              <a:rPr lang="ru-RU" i="1" dirty="0"/>
+              <a:t> </a:t>
+            </a:r>
+            <a:r>
+              <a:rPr lang="ru-RU" i="1" dirty="0" err="1"/>
+              <a:t>out</a:t>
+            </a:r>
+            <a:r>
+              <a:rPr lang="ru-RU" dirty="0"/>
+              <a:t>, «последним </a:t>
+            </a:r>
+            <a:r>
+              <a:rPr lang="ru-RU" dirty="0" smtClean="0"/>
+              <a:t>пришёл</a:t>
+            </a:r>
+            <a:r>
+              <a:rPr lang="ru-RU" dirty="0"/>
+              <a:t> </a:t>
+            </a:r>
+            <a:r>
+              <a:rPr lang="ru-RU" dirty="0" smtClean="0"/>
+              <a:t>— </a:t>
+            </a:r>
+            <a:r>
+              <a:rPr lang="ru-RU" dirty="0"/>
+              <a:t>первым вышел»)</a:t>
+            </a:r>
+            <a:endParaRPr lang="ru-RU" dirty="0"/>
+          </a:p>
+        </p:txBody>
+      </p:sp>
+      <p:pic>
+        <p:nvPicPr>
+          <p:cNvPr id="16386" name="Picture 2" descr="http://upload.wikimedia.org/wikipedia/commons/thumb/2/23/Stack_preview.png/400px-Stack_preview.png"/>
+          <p:cNvPicPr>
+            <a:picLocks noChangeAspect="1" noChangeArrowheads="1"/>
+          </p:cNvPicPr>
+          <p:nvPr/>
+        </p:nvPicPr>
+        <p:blipFill>
+          <a:blip r:embed="rId2">
+            <a:extLst>
+              <a:ext uri="{28A0092B-C50C-407E-A947-70E740481C1C}">
+                <a14:useLocalDpi xmlns:a14="http://schemas.microsoft.com/office/drawing/2010/main" val="0"/>
+              </a:ext>
+            </a:extLst>
+          </a:blip>
+          <a:srcRect/>
+          <a:stretch>
+            <a:fillRect/>
+          </a:stretch>
+        </p:blipFill>
+        <p:spPr bwMode="auto">
+          <a:xfrm>
+            <a:off x="1043608" y="3789040"/>
+            <a:ext cx="6048672" cy="2434592"/>
+          </a:xfrm>
+          <a:prstGeom prst="rect">
+            <a:avLst/>
+          </a:prstGeom>
+          <a:noFill/>
+          <a:extLst>
+            <a:ext uri="{909E8E84-426E-40DD-AFC4-6F175D3DCCD1}">
+              <a14:hiddenFill xmlns:a14="http://schemas.microsoft.com/office/drawing/2010/main">
+                <a:solidFill>
+                  <a:srgbClr val="FFFFFF"/>
+                </a:solidFill>
+              </a14:hiddenFill>
+            </a:ext>
+          </a:extLst>
+        </p:spPr>
+      </p:pic>
+    </p:spTree>
+    <p:extLst>
+      <p:ext uri="{BB962C8B-B14F-4D97-AF65-F5344CB8AC3E}">
+        <p14:creationId xmlns:p14="http://schemas.microsoft.com/office/powerpoint/2010/main" val="3914298301"/>
+      </p:ext>
+    </p:extLst>
+  </p:cSld>
+  <p:clrMapOvr>
+    <a:masterClrMapping/>
+  </p:clrMapOvr>
+</p:sld>
+</file>
+
+<file path=ppt/slides/slide36.xml><?xml version="1.0" encoding="utf-8"?>
+<p:sld xmlns:a="http://schemas.openxmlformats.org/drawingml/2006/main" xmlns:r="http://schemas.openxmlformats.org/officeDocument/2006/relationships" xmlns:p="http://schemas.openxmlformats.org/presentationml/2006/main">
+  <p:cSld>
+    <p:spTree>
+      <p:nvGrpSpPr>
+        <p:cNvPr id="1" name=""/>
+        <p:cNvGrpSpPr/>
+        <p:nvPr/>
+      </p:nvGrpSpPr>
+      <p:grpSpPr>
+        <a:xfrm>
+          <a:off x="0" y="0"/>
+          <a:ext cx="0" cy="0"/>
+          <a:chOff x="0" y="0"/>
+          <a:chExt cx="0" cy="0"/>
+        </a:xfrm>
+      </p:grpSpPr>
+      <p:sp>
+        <p:nvSpPr>
+          <p:cNvPr id="2" name="Заголовок 1"/>
+          <p:cNvSpPr>
+            <a:spLocks noGrp="1"/>
+          </p:cNvSpPr>
+          <p:nvPr>
+            <p:ph type="title"/>
+          </p:nvPr>
+        </p:nvSpPr>
+        <p:spPr/>
+        <p:txBody>
+          <a:bodyPr/>
+          <a:lstStyle/>
+          <a:p>
+            <a:r>
+              <a:rPr lang="ru-RU" dirty="0" smtClean="0"/>
+              <a:t>Интерфейс</a:t>
+            </a:r>
+            <a:endParaRPr lang="ru-RU" dirty="0"/>
+          </a:p>
+        </p:txBody>
+      </p:sp>
+      <p:sp>
+        <p:nvSpPr>
+          <p:cNvPr id="3" name="Объект 2"/>
+          <p:cNvSpPr>
+            <a:spLocks noGrp="1"/>
+          </p:cNvSpPr>
+          <p:nvPr>
+            <p:ph idx="1"/>
+          </p:nvPr>
+        </p:nvSpPr>
+        <p:spPr/>
+        <p:txBody>
+          <a:bodyPr/>
+          <a:lstStyle/>
+          <a:p>
+            <a:endParaRPr lang="ru-RU" dirty="0"/>
+          </a:p>
+        </p:txBody>
+      </p:sp>
+      <p:pic>
+        <p:nvPicPr>
+          <p:cNvPr id="18434" name="Picture 2"/>
+          <p:cNvPicPr>
+            <a:picLocks noChangeAspect="1" noChangeArrowheads="1"/>
+          </p:cNvPicPr>
+          <p:nvPr/>
+        </p:nvPicPr>
+        <p:blipFill>
+          <a:blip r:embed="rId2">
+            <a:extLst>
+              <a:ext uri="{28A0092B-C50C-407E-A947-70E740481C1C}">
+                <a14:useLocalDpi xmlns:a14="http://schemas.microsoft.com/office/drawing/2010/main" val="0"/>
+              </a:ext>
+            </a:extLst>
+          </a:blip>
+          <a:srcRect/>
+          <a:stretch>
+            <a:fillRect/>
+          </a:stretch>
+        </p:blipFill>
+        <p:spPr bwMode="auto">
+          <a:xfrm>
+            <a:off x="1511471" y="1196752"/>
+            <a:ext cx="6910873" cy="5040560"/>
+          </a:xfrm>
+          <a:prstGeom prst="rect">
+            <a:avLst/>
+          </a:prstGeom>
+          <a:noFill/>
+          <a:ln>
+            <a:noFill/>
+          </a:ln>
+          <a:extLst>
+            <a:ext uri="{909E8E84-426E-40DD-AFC4-6F175D3DCCD1}">
+              <a14:hiddenFill xmlns:a14="http://schemas.microsoft.com/office/drawing/2010/main">
+                <a:solidFill>
+                  <a:schemeClr val="accent1"/>
+                </a:solidFill>
+              </a14:hiddenFill>
+            </a:ext>
+            <a:ext uri="{91240B29-F687-4F45-9708-019B960494DF}">
+              <a14:hiddenLine xmlns:a14="http://schemas.microsoft.com/office/drawing/2010/main" w="9525">
+                <a:solidFill>
+                  <a:schemeClr val="tx1"/>
+                </a:solidFill>
+                <a:miter lim="800000"/>
+                <a:headEnd/>
+                <a:tailEnd/>
+              </a14:hiddenLine>
+            </a:ext>
+          </a:extLst>
+        </p:spPr>
+      </p:pic>
+    </p:spTree>
+    <p:extLst>
+      <p:ext uri="{BB962C8B-B14F-4D97-AF65-F5344CB8AC3E}">
+        <p14:creationId xmlns:p14="http://schemas.microsoft.com/office/powerpoint/2010/main" val="2285899386"/>
+      </p:ext>
+    </p:extLst>
+  </p:cSld>
+  <p:clrMapOvr>
+    <a:masterClrMapping/>
+  </p:clrMapOvr>
+</p:sld>
+</file>
+
+<file path=ppt/slides/slide37.xml><?xml version="1.0" encoding="utf-8"?>
+<p:sld xmlns:a="http://schemas.openxmlformats.org/drawingml/2006/main" xmlns:r="http://schemas.openxmlformats.org/officeDocument/2006/relationships" xmlns:p="http://schemas.openxmlformats.org/presentationml/2006/main">
+  <p:cSld>
+    <p:spTree>
+      <p:nvGrpSpPr>
+        <p:cNvPr id="1" name=""/>
+        <p:cNvGrpSpPr/>
+        <p:nvPr/>
+      </p:nvGrpSpPr>
+      <p:grpSpPr>
+        <a:xfrm>
+          <a:off x="0" y="0"/>
+          <a:ext cx="0" cy="0"/>
+          <a:chOff x="0" y="0"/>
+          <a:chExt cx="0" cy="0"/>
+        </a:xfrm>
+      </p:grpSpPr>
+      <p:sp>
+        <p:nvSpPr>
+          <p:cNvPr id="2" name="Заголовок 1"/>
+          <p:cNvSpPr>
+            <a:spLocks noGrp="1"/>
+          </p:cNvSpPr>
+          <p:nvPr>
+            <p:ph type="title"/>
+          </p:nvPr>
+        </p:nvSpPr>
+        <p:spPr/>
+        <p:txBody>
+          <a:bodyPr/>
+          <a:lstStyle/>
+          <a:p>
+            <a:endParaRPr lang="ru-RU"/>
+          </a:p>
+        </p:txBody>
+      </p:sp>
+      <p:sp>
+        <p:nvSpPr>
+          <p:cNvPr id="3" name="Объект 2"/>
+          <p:cNvSpPr>
+            <a:spLocks noGrp="1"/>
+          </p:cNvSpPr>
+          <p:nvPr>
+            <p:ph idx="1"/>
+          </p:nvPr>
+        </p:nvSpPr>
+        <p:spPr/>
+        <p:txBody>
+          <a:bodyPr/>
+          <a:lstStyle/>
+          <a:p>
+            <a:endParaRPr lang="ru-RU" dirty="0"/>
+          </a:p>
+        </p:txBody>
+      </p:sp>
+      <p:pic>
+        <p:nvPicPr>
+          <p:cNvPr id="21506" name="Picture 2"/>
+          <p:cNvPicPr>
+            <a:picLocks noChangeAspect="1" noChangeArrowheads="1"/>
+          </p:cNvPicPr>
+          <p:nvPr/>
+        </p:nvPicPr>
+        <p:blipFill>
+          <a:blip r:embed="rId2">
+            <a:extLst>
+              <a:ext uri="{28A0092B-C50C-407E-A947-70E740481C1C}">
+                <a14:useLocalDpi xmlns:a14="http://schemas.microsoft.com/office/drawing/2010/main" val="0"/>
+              </a:ext>
+            </a:extLst>
+          </a:blip>
+          <a:srcRect/>
+          <a:stretch>
+            <a:fillRect/>
+          </a:stretch>
+        </p:blipFill>
+        <p:spPr bwMode="auto">
+          <a:xfrm>
+            <a:off x="1691680" y="476672"/>
+            <a:ext cx="5846560" cy="4035325"/>
+          </a:xfrm>
+          <a:prstGeom prst="rect">
+            <a:avLst/>
+          </a:prstGeom>
+          <a:noFill/>
+          <a:ln>
+            <a:noFill/>
+          </a:ln>
+          <a:extLst>
+            <a:ext uri="{909E8E84-426E-40DD-AFC4-6F175D3DCCD1}">
+              <a14:hiddenFill xmlns:a14="http://schemas.microsoft.com/office/drawing/2010/main">
+                <a:solidFill>
+                  <a:schemeClr val="accent1"/>
+                </a:solidFill>
+              </a14:hiddenFill>
+            </a:ext>
+            <a:ext uri="{91240B29-F687-4F45-9708-019B960494DF}">
+              <a14:hiddenLine xmlns:a14="http://schemas.microsoft.com/office/drawing/2010/main" w="9525">
+                <a:solidFill>
+                  <a:schemeClr val="tx1"/>
+                </a:solidFill>
+                <a:miter lim="800000"/>
+                <a:headEnd/>
+                <a:tailEnd/>
+              </a14:hiddenLine>
+            </a:ext>
+          </a:extLst>
+        </p:spPr>
+      </p:pic>
+    </p:spTree>
+    <p:extLst>
+      <p:ext uri="{BB962C8B-B14F-4D97-AF65-F5344CB8AC3E}">
+        <p14:creationId xmlns:p14="http://schemas.microsoft.com/office/powerpoint/2010/main" val="2751462841"/>
+      </p:ext>
+    </p:extLst>
+  </p:cSld>
+  <p:clrMapOvr>
+    <a:masterClrMapping/>
+  </p:clrMapOvr>
+</p:sld>
+</file>
+
+<file path=ppt/slides/slide38.xml><?xml version="1.0" encoding="utf-8"?>
+<p:sld xmlns:a="http://schemas.openxmlformats.org/drawingml/2006/main" xmlns:r="http://schemas.openxmlformats.org/officeDocument/2006/relationships" xmlns:p="http://schemas.openxmlformats.org/presentationml/2006/main">
+  <p:cSld>
+    <p:spTree>
+      <p:nvGrpSpPr>
+        <p:cNvPr id="1" name=""/>
+        <p:cNvGrpSpPr/>
+        <p:nvPr/>
+      </p:nvGrpSpPr>
+      <p:grpSpPr>
+        <a:xfrm>
+          <a:off x="0" y="0"/>
+          <a:ext cx="0" cy="0"/>
+          <a:chOff x="0" y="0"/>
+          <a:chExt cx="0" cy="0"/>
+        </a:xfrm>
+      </p:grpSpPr>
+      <p:sp>
+        <p:nvSpPr>
+          <p:cNvPr id="2" name="Заголовок 1"/>
+          <p:cNvSpPr>
+            <a:spLocks noGrp="1"/>
+          </p:cNvSpPr>
+          <p:nvPr>
+            <p:ph type="title"/>
+          </p:nvPr>
+        </p:nvSpPr>
+        <p:spPr/>
+        <p:txBody>
+          <a:bodyPr/>
+          <a:lstStyle/>
+          <a:p>
+            <a:r>
+              <a:rPr lang="ru-RU" dirty="0" smtClean="0"/>
+              <a:t>Реализация</a:t>
+            </a:r>
+            <a:endParaRPr lang="ru-RU" dirty="0"/>
+          </a:p>
+        </p:txBody>
+      </p:sp>
+      <p:sp>
+        <p:nvSpPr>
+          <p:cNvPr id="3" name="Объект 2"/>
+          <p:cNvSpPr>
+            <a:spLocks noGrp="1"/>
+          </p:cNvSpPr>
+          <p:nvPr>
+            <p:ph idx="1"/>
+          </p:nvPr>
+        </p:nvSpPr>
+        <p:spPr/>
+        <p:txBody>
+          <a:bodyPr/>
+          <a:lstStyle/>
+          <a:p>
+            <a:endParaRPr lang="ru-RU" dirty="0"/>
+          </a:p>
+        </p:txBody>
+      </p:sp>
+      <p:pic>
+        <p:nvPicPr>
+          <p:cNvPr id="20482" name="Picture 2"/>
+          <p:cNvPicPr>
+            <a:picLocks noChangeAspect="1" noChangeArrowheads="1"/>
+          </p:cNvPicPr>
+          <p:nvPr/>
+        </p:nvPicPr>
+        <p:blipFill>
+          <a:blip r:embed="rId2">
+            <a:extLst>
+              <a:ext uri="{28A0092B-C50C-407E-A947-70E740481C1C}">
+                <a14:useLocalDpi xmlns:a14="http://schemas.microsoft.com/office/drawing/2010/main" val="0"/>
+              </a:ext>
+            </a:extLst>
+          </a:blip>
+          <a:srcRect/>
+          <a:stretch>
+            <a:fillRect/>
+          </a:stretch>
+        </p:blipFill>
+        <p:spPr bwMode="auto">
+          <a:xfrm>
+            <a:off x="1590675" y="395288"/>
+            <a:ext cx="5962650" cy="6067425"/>
+          </a:xfrm>
+          <a:prstGeom prst="rect">
+            <a:avLst/>
+          </a:prstGeom>
+          <a:noFill/>
+          <a:ln>
+            <a:noFill/>
+          </a:ln>
+          <a:extLst>
+            <a:ext uri="{909E8E84-426E-40DD-AFC4-6F175D3DCCD1}">
+              <a14:hiddenFill xmlns:a14="http://schemas.microsoft.com/office/drawing/2010/main">
+                <a:solidFill>
+                  <a:schemeClr val="accent1"/>
+                </a:solidFill>
+              </a14:hiddenFill>
+            </a:ext>
+            <a:ext uri="{91240B29-F687-4F45-9708-019B960494DF}">
+              <a14:hiddenLine xmlns:a14="http://schemas.microsoft.com/office/drawing/2010/main" w="9525">
+                <a:solidFill>
+                  <a:schemeClr val="tx1"/>
+                </a:solidFill>
+                <a:miter lim="800000"/>
+                <a:headEnd/>
+                <a:tailEnd/>
+              </a14:hiddenLine>
+            </a:ext>
+          </a:extLst>
+        </p:spPr>
+      </p:pic>
+    </p:spTree>
+    <p:extLst>
+      <p:ext uri="{BB962C8B-B14F-4D97-AF65-F5344CB8AC3E}">
+        <p14:creationId xmlns:p14="http://schemas.microsoft.com/office/powerpoint/2010/main" val="2842620799"/>
+      </p:ext>
+    </p:extLst>
+  </p:cSld>
+  <p:clrMapOvr>
+    <a:masterClrMapping/>
+  </p:clrMapOvr>
+</p:sld>
+</file>
+
+<file path=ppt/slides/slide39.xml><?xml version="1.0" encoding="utf-8"?>
+<p:sld xmlns:a="http://schemas.openxmlformats.org/drawingml/2006/main" xmlns:r="http://schemas.openxmlformats.org/officeDocument/2006/relationships" xmlns:p="http://schemas.openxmlformats.org/presentationml/2006/main">
+  <p:cSld>
+    <p:spTree>
+      <p:nvGrpSpPr>
+        <p:cNvPr id="1" name=""/>
+        <p:cNvGrpSpPr/>
+        <p:nvPr/>
+      </p:nvGrpSpPr>
+      <p:grpSpPr>
+        <a:xfrm>
+          <a:off x="0" y="0"/>
+          <a:ext cx="0" cy="0"/>
+          <a:chOff x="0" y="0"/>
+          <a:chExt cx="0" cy="0"/>
+        </a:xfrm>
+      </p:grpSpPr>
+      <p:sp>
+        <p:nvSpPr>
+          <p:cNvPr id="2" name="Заголовок 1"/>
+          <p:cNvSpPr>
+            <a:spLocks noGrp="1"/>
+          </p:cNvSpPr>
+          <p:nvPr>
+            <p:ph type="title"/>
+          </p:nvPr>
+        </p:nvSpPr>
+        <p:spPr/>
+        <p:txBody>
+          <a:bodyPr/>
+          <a:lstStyle/>
+          <a:p>
+            <a:r>
+              <a:rPr lang="ru-RU" dirty="0" smtClean="0"/>
+              <a:t>Очередь</a:t>
+            </a:r>
+            <a:endParaRPr lang="ru-RU" dirty="0"/>
+          </a:p>
+        </p:txBody>
+      </p:sp>
+      <p:sp>
+        <p:nvSpPr>
+          <p:cNvPr id="3" name="Объект 2"/>
+          <p:cNvSpPr>
+            <a:spLocks noGrp="1"/>
+          </p:cNvSpPr>
+          <p:nvPr>
+            <p:ph idx="1"/>
+          </p:nvPr>
+        </p:nvSpPr>
+        <p:spPr/>
+        <p:txBody>
+          <a:bodyPr>
+            <a:normAutofit/>
+          </a:bodyPr>
+          <a:lstStyle/>
+          <a:p>
+            <a:pPr marL="0" indent="0">
+              <a:buNone/>
+            </a:pPr>
+            <a:r>
+              <a:rPr lang="ru-RU" dirty="0" smtClean="0"/>
+              <a:t>АТД с </a:t>
+            </a:r>
+            <a:r>
+              <a:rPr lang="ru-RU" dirty="0"/>
+              <a:t>дисциплиной доступа к элементам «первый пришёл — первый вышел» (FIFO, </a:t>
+            </a:r>
+            <a:r>
+              <a:rPr lang="ru-RU" dirty="0" err="1"/>
+              <a:t>First</a:t>
+            </a:r>
+            <a:r>
+              <a:rPr lang="ru-RU" dirty="0"/>
+              <a:t> </a:t>
+            </a:r>
+            <a:r>
+              <a:rPr lang="ru-RU" dirty="0" err="1"/>
+              <a:t>In</a:t>
+            </a:r>
+            <a:r>
+              <a:rPr lang="ru-RU" dirty="0"/>
+              <a:t> — </a:t>
+            </a:r>
+            <a:r>
+              <a:rPr lang="ru-RU" dirty="0" err="1"/>
+              <a:t>First</a:t>
+            </a:r>
+            <a:r>
+              <a:rPr lang="ru-RU" dirty="0"/>
+              <a:t> </a:t>
+            </a:r>
+            <a:r>
+              <a:rPr lang="ru-RU" dirty="0" err="1"/>
+              <a:t>Out</a:t>
+            </a:r>
+            <a:r>
+              <a:rPr lang="ru-RU" dirty="0"/>
+              <a:t>). Добавление элемента (принято обозначать словом </a:t>
+            </a:r>
+            <a:r>
+              <a:rPr lang="ru-RU" dirty="0" err="1"/>
+              <a:t>enqueue</a:t>
+            </a:r>
+            <a:r>
+              <a:rPr lang="ru-RU" dirty="0"/>
+              <a:t> — поставить в очередь) возможно лишь в конец очереди, выборка — только из начала очереди (что принято называть словом </a:t>
+            </a:r>
+            <a:r>
+              <a:rPr lang="ru-RU" dirty="0" err="1"/>
+              <a:t>dequeue</a:t>
+            </a:r>
+            <a:r>
+              <a:rPr lang="ru-RU" dirty="0"/>
+              <a:t> — убрать из очереди), при этом выбранный элемент из очереди удаляется</a:t>
+            </a:r>
+            <a:endParaRPr lang="ru-RU" dirty="0"/>
+          </a:p>
+        </p:txBody>
+      </p:sp>
+    </p:spTree>
+    <p:extLst>
+      <p:ext uri="{BB962C8B-B14F-4D97-AF65-F5344CB8AC3E}">
+        <p14:creationId xmlns:p14="http://schemas.microsoft.com/office/powerpoint/2010/main" val="3342405165"/>
+      </p:ext>
+    </p:extLst>
+  </p:cSld>
+  <p:clrMapOvr>
+    <a:masterClrMapping/>
+  </p:clrMapOvr>
+</p:sld>
+</file>
+
+<file path=ppt/slides/slide4.xml><?xml version="1.0" encoding="utf-8"?>
+<p:sld xmlns:a="http://schemas.openxmlformats.org/drawingml/2006/main" xmlns:r="http://schemas.openxmlformats.org/officeDocument/2006/relationships" xmlns:p="http://schemas.openxmlformats.org/presentationml/2006/main">
+  <p:cSld>
+    <p:spTree>
+      <p:nvGrpSpPr>
+        <p:cNvPr id="1" name=""/>
+        <p:cNvGrpSpPr/>
+        <p:nvPr/>
+      </p:nvGrpSpPr>
+      <p:grpSpPr>
+        <a:xfrm>
+          <a:off x="0" y="0"/>
+          <a:ext cx="0" cy="0"/>
+          <a:chOff x="0" y="0"/>
+          <a:chExt cx="0" cy="0"/>
+        </a:xfrm>
+      </p:grpSpPr>
+      <p:sp>
+        <p:nvSpPr>
+          <p:cNvPr id="2" name="Заголовок 1"/>
+          <p:cNvSpPr>
+            <a:spLocks noGrp="1"/>
+          </p:cNvSpPr>
+          <p:nvPr>
+            <p:ph type="title"/>
+          </p:nvPr>
+        </p:nvSpPr>
+        <p:spPr/>
+        <p:txBody>
+          <a:bodyPr>
+            <a:normAutofit fontScale="90000"/>
+          </a:bodyPr>
+          <a:lstStyle/>
+          <a:p>
+            <a:r>
+              <a:rPr lang="ru-RU" dirty="0" smtClean="0"/>
+              <a:t>Оценка времени работы пузырьковой сортировки</a:t>
+            </a:r>
+            <a:endParaRPr lang="ru-RU" dirty="0"/>
+          </a:p>
+        </p:txBody>
+      </p:sp>
+      <p:sp>
+        <p:nvSpPr>
+          <p:cNvPr id="3" name="Объект 2"/>
+          <p:cNvSpPr>
+            <a:spLocks noGrp="1"/>
+          </p:cNvSpPr>
+          <p:nvPr>
+            <p:ph idx="1"/>
+          </p:nvPr>
+        </p:nvSpPr>
+        <p:spPr/>
+        <p:txBody>
+          <a:bodyPr/>
+          <a:lstStyle/>
+          <a:p>
+            <a:endParaRPr lang="ru-RU" dirty="0"/>
+          </a:p>
+        </p:txBody>
+      </p:sp>
+      <p:pic>
+        <p:nvPicPr>
+          <p:cNvPr id="19458" name="Picture 2"/>
+          <p:cNvPicPr>
+            <a:picLocks noChangeAspect="1" noChangeArrowheads="1"/>
+          </p:cNvPicPr>
+          <p:nvPr/>
+        </p:nvPicPr>
+        <p:blipFill>
+          <a:blip r:embed="rId2">
+            <a:extLst>
+              <a:ext uri="{28A0092B-C50C-407E-A947-70E740481C1C}">
+                <a14:useLocalDpi xmlns:a14="http://schemas.microsoft.com/office/drawing/2010/main" val="0"/>
+              </a:ext>
+            </a:extLst>
+          </a:blip>
+          <a:srcRect/>
+          <a:stretch>
+            <a:fillRect/>
+          </a:stretch>
+        </p:blipFill>
+        <p:spPr bwMode="auto">
+          <a:xfrm>
+            <a:off x="1547664" y="1628800"/>
+            <a:ext cx="5907262" cy="3528392"/>
+          </a:xfrm>
+          <a:prstGeom prst="rect">
+            <a:avLst/>
+          </a:prstGeom>
+          <a:noFill/>
+          <a:ln>
+            <a:noFill/>
+          </a:ln>
+          <a:extLst>
+            <a:ext uri="{909E8E84-426E-40DD-AFC4-6F175D3DCCD1}">
+              <a14:hiddenFill xmlns:a14="http://schemas.microsoft.com/office/drawing/2010/main">
+                <a:solidFill>
+                  <a:schemeClr val="accent1"/>
+                </a:solidFill>
+              </a14:hiddenFill>
+            </a:ext>
+            <a:ext uri="{91240B29-F687-4F45-9708-019B960494DF}">
+              <a14:hiddenLine xmlns:a14="http://schemas.microsoft.com/office/drawing/2010/main" w="9525">
+                <a:solidFill>
+                  <a:schemeClr val="tx1"/>
+                </a:solidFill>
+                <a:miter lim="800000"/>
+                <a:headEnd/>
+                <a:tailEnd/>
+              </a14:hiddenLine>
+            </a:ext>
+          </a:extLst>
+        </p:spPr>
+      </p:pic>
+    </p:spTree>
+    <p:extLst>
+      <p:ext uri="{BB962C8B-B14F-4D97-AF65-F5344CB8AC3E}">
+        <p14:creationId xmlns:p14="http://schemas.microsoft.com/office/powerpoint/2010/main" val="2685044901"/>
+      </p:ext>
+    </p:extLst>
+  </p:cSld>
+  <p:clrMapOvr>
+    <a:masterClrMapping/>
+  </p:clrMapOvr>
+</p:sld>
+</file>
+
+<file path=ppt/slides/slide40.xml><?xml version="1.0" encoding="utf-8"?>
+<p:sld xmlns:a="http://schemas.openxmlformats.org/drawingml/2006/main" xmlns:r="http://schemas.openxmlformats.org/officeDocument/2006/relationships" xmlns:p="http://schemas.openxmlformats.org/presentationml/2006/main">
+  <p:cSld>
+    <p:spTree>
+      <p:nvGrpSpPr>
+        <p:cNvPr id="1" name=""/>
+        <p:cNvGrpSpPr/>
+        <p:nvPr/>
+      </p:nvGrpSpPr>
+      <p:grpSpPr>
+        <a:xfrm>
+          <a:off x="0" y="0"/>
+          <a:ext cx="0" cy="0"/>
+          <a:chOff x="0" y="0"/>
+          <a:chExt cx="0" cy="0"/>
+        </a:xfrm>
+      </p:grpSpPr>
+      <p:sp>
+        <p:nvSpPr>
+          <p:cNvPr id="2" name="Заголовок 1"/>
+          <p:cNvSpPr>
+            <a:spLocks noGrp="1"/>
+          </p:cNvSpPr>
+          <p:nvPr>
+            <p:ph type="title"/>
+          </p:nvPr>
+        </p:nvSpPr>
+        <p:spPr/>
+        <p:txBody>
+          <a:bodyPr/>
+          <a:lstStyle/>
+          <a:p>
+            <a:r>
+              <a:rPr lang="ru-RU" dirty="0" smtClean="0"/>
+              <a:t>Интерфейс</a:t>
+            </a:r>
+            <a:endParaRPr lang="ru-RU" dirty="0"/>
+          </a:p>
+        </p:txBody>
+      </p:sp>
+      <p:sp>
+        <p:nvSpPr>
+          <p:cNvPr id="3" name="Объект 2"/>
+          <p:cNvSpPr>
+            <a:spLocks noGrp="1"/>
+          </p:cNvSpPr>
+          <p:nvPr>
+            <p:ph idx="1"/>
+          </p:nvPr>
+        </p:nvSpPr>
+        <p:spPr/>
+        <p:txBody>
+          <a:bodyPr/>
+          <a:lstStyle/>
+          <a:p>
+            <a:endParaRPr lang="ru-RU" dirty="0"/>
+          </a:p>
+        </p:txBody>
+      </p:sp>
+      <p:pic>
+        <p:nvPicPr>
+          <p:cNvPr id="22531" name="Picture 3"/>
+          <p:cNvPicPr>
+            <a:picLocks noChangeAspect="1" noChangeArrowheads="1"/>
+          </p:cNvPicPr>
+          <p:nvPr/>
+        </p:nvPicPr>
+        <p:blipFill>
+          <a:blip r:embed="rId2">
+            <a:extLst>
+              <a:ext uri="{28A0092B-C50C-407E-A947-70E740481C1C}">
+                <a14:useLocalDpi xmlns:a14="http://schemas.microsoft.com/office/drawing/2010/main" val="0"/>
+              </a:ext>
+            </a:extLst>
+          </a:blip>
+          <a:srcRect/>
+          <a:stretch>
+            <a:fillRect/>
+          </a:stretch>
+        </p:blipFill>
+        <p:spPr bwMode="auto">
+          <a:xfrm>
+            <a:off x="1115616" y="1700808"/>
+            <a:ext cx="6880942" cy="3312368"/>
+          </a:xfrm>
+          <a:prstGeom prst="rect">
+            <a:avLst/>
+          </a:prstGeom>
+          <a:noFill/>
+          <a:ln>
+            <a:noFill/>
+          </a:ln>
+          <a:extLst>
+            <a:ext uri="{909E8E84-426E-40DD-AFC4-6F175D3DCCD1}">
+              <a14:hiddenFill xmlns:a14="http://schemas.microsoft.com/office/drawing/2010/main">
+                <a:solidFill>
+                  <a:schemeClr val="accent1"/>
+                </a:solidFill>
+              </a14:hiddenFill>
+            </a:ext>
+            <a:ext uri="{91240B29-F687-4F45-9708-019B960494DF}">
+              <a14:hiddenLine xmlns:a14="http://schemas.microsoft.com/office/drawing/2010/main" w="9525">
+                <a:solidFill>
+                  <a:schemeClr val="tx1"/>
+                </a:solidFill>
+                <a:miter lim="800000"/>
+                <a:headEnd/>
+                <a:tailEnd/>
+              </a14:hiddenLine>
+            </a:ext>
+          </a:extLst>
+        </p:spPr>
+      </p:pic>
+    </p:spTree>
+    <p:extLst>
+      <p:ext uri="{BB962C8B-B14F-4D97-AF65-F5344CB8AC3E}">
+        <p14:creationId xmlns:p14="http://schemas.microsoft.com/office/powerpoint/2010/main" val="2161398032"/>
+      </p:ext>
+    </p:extLst>
+  </p:cSld>
+  <p:clrMapOvr>
+    <a:masterClrMapping/>
+  </p:clrMapOvr>
+</p:sld>
+</file>
+
+<file path=ppt/slides/slide41.xml><?xml version="1.0" encoding="utf-8"?>
+<p:sld xmlns:a="http://schemas.openxmlformats.org/drawingml/2006/main" xmlns:r="http://schemas.openxmlformats.org/officeDocument/2006/relationships" xmlns:p="http://schemas.openxmlformats.org/presentationml/2006/main">
+  <p:cSld>
+    <p:spTree>
+      <p:nvGrpSpPr>
+        <p:cNvPr id="1" name=""/>
+        <p:cNvGrpSpPr/>
+        <p:nvPr/>
+      </p:nvGrpSpPr>
+      <p:grpSpPr>
+        <a:xfrm>
+          <a:off x="0" y="0"/>
+          <a:ext cx="0" cy="0"/>
+          <a:chOff x="0" y="0"/>
+          <a:chExt cx="0" cy="0"/>
+        </a:xfrm>
+      </p:grpSpPr>
+      <p:sp>
+        <p:nvSpPr>
+          <p:cNvPr id="2" name="Заголовок 1"/>
+          <p:cNvSpPr>
+            <a:spLocks noGrp="1"/>
+          </p:cNvSpPr>
+          <p:nvPr>
+            <p:ph type="title"/>
+          </p:nvPr>
+        </p:nvSpPr>
+        <p:spPr/>
+        <p:txBody>
+          <a:bodyPr/>
+          <a:lstStyle/>
+          <a:p>
+            <a:r>
+              <a:rPr lang="ru-RU" dirty="0" smtClean="0"/>
+              <a:t>Список литературы</a:t>
+            </a:r>
+            <a:endParaRPr lang="ru-RU" dirty="0"/>
+          </a:p>
+        </p:txBody>
+      </p:sp>
+      <p:sp>
+        <p:nvSpPr>
+          <p:cNvPr id="3" name="Объект 2"/>
+          <p:cNvSpPr>
+            <a:spLocks noGrp="1"/>
+          </p:cNvSpPr>
+          <p:nvPr>
+            <p:ph idx="1"/>
+          </p:nvPr>
+        </p:nvSpPr>
+        <p:spPr/>
+        <p:txBody>
+          <a:bodyPr/>
+          <a:lstStyle/>
+          <a:p>
+            <a:endParaRPr lang="ru-RU"/>
+          </a:p>
+        </p:txBody>
+      </p:sp>
+    </p:spTree>
+    <p:extLst>
+      <p:ext uri="{BB962C8B-B14F-4D97-AF65-F5344CB8AC3E}">
+        <p14:creationId xmlns:p14="http://schemas.microsoft.com/office/powerpoint/2010/main" val="3183973331"/>
+      </p:ext>
+    </p:extLst>
+  </p:cSld>
+  <p:clrMapOvr>
+    <a:masterClrMapping/>
+  </p:clrMapOvr>
+</p:sld>
+</file>
+
+<file path=ppt/slides/slide5.xml><?xml version="1.0" encoding="utf-8"?>
+<p:sld xmlns:a="http://schemas.openxmlformats.org/drawingml/2006/main" xmlns:r="http://schemas.openxmlformats.org/officeDocument/2006/relationships" xmlns:p="http://schemas.openxmlformats.org/presentationml/2006/main">
+  <p:cSld>
+    <p:spTree>
+      <p:nvGrpSpPr>
+        <p:cNvPr id="1" name=""/>
+        <p:cNvGrpSpPr/>
+        <p:nvPr/>
+      </p:nvGrpSpPr>
+      <p:grpSpPr>
+        <a:xfrm>
+          <a:off x="0" y="0"/>
+          <a:ext cx="0" cy="0"/>
+          <a:chOff x="0" y="0"/>
+          <a:chExt cx="0" cy="0"/>
+        </a:xfrm>
+      </p:grpSpPr>
+      <p:sp>
+        <p:nvSpPr>
+          <p:cNvPr id="2" name="Заголовок 1"/>
+          <p:cNvSpPr>
+            <a:spLocks noGrp="1"/>
+          </p:cNvSpPr>
+          <p:nvPr>
+            <p:ph type="title"/>
+          </p:nvPr>
+        </p:nvSpPr>
+        <p:spPr/>
+        <p:txBody>
+          <a:bodyPr/>
+          <a:lstStyle/>
+          <a:p>
+            <a:r>
+              <a:rPr lang="ru-RU" dirty="0" smtClean="0"/>
+              <a:t>Основные классы функций</a:t>
+            </a:r>
+            <a:endParaRPr lang="ru-RU" dirty="0"/>
+          </a:p>
+        </p:txBody>
+      </p:sp>
+      <p:sp>
+        <p:nvSpPr>
+          <p:cNvPr id="3" name="Объект 2"/>
+          <p:cNvSpPr>
+            <a:spLocks noGrp="1"/>
+          </p:cNvSpPr>
+          <p:nvPr>
+            <p:ph idx="1"/>
+          </p:nvPr>
+        </p:nvSpPr>
+        <p:spPr/>
+        <p:txBody>
+          <a:bodyPr>
+            <a:normAutofit fontScale="92500" lnSpcReduction="10000"/>
+          </a:bodyPr>
+          <a:lstStyle/>
+          <a:p>
+            <a:pPr lvl="0"/>
+            <a:r>
+              <a:rPr lang="ru-RU" b="1" dirty="0"/>
+              <a:t>Постоянные</a:t>
+            </a:r>
+            <a:r>
+              <a:rPr lang="ru-RU" dirty="0"/>
+              <a:t> функции </a:t>
+            </a:r>
+            <a:r>
+              <a:rPr lang="ru-RU" dirty="0" smtClean="0"/>
+              <a:t>О(1</a:t>
+            </a:r>
+            <a:r>
+              <a:rPr lang="ru-RU" dirty="0"/>
+              <a:t>), которые с ростом n НЕ растут</a:t>
+            </a:r>
+          </a:p>
+          <a:p>
+            <a:pPr lvl="0"/>
+            <a:r>
+              <a:rPr lang="ru-RU" b="1" dirty="0"/>
+              <a:t>Логарифмическая</a:t>
+            </a:r>
+            <a:r>
+              <a:rPr lang="ru-RU" dirty="0"/>
+              <a:t>  О(</a:t>
+            </a:r>
+            <a:r>
+              <a:rPr lang="ru-RU" dirty="0" err="1"/>
+              <a:t>log</a:t>
+            </a:r>
+            <a:r>
+              <a:rPr lang="ru-RU" dirty="0"/>
+              <a:t> n)</a:t>
+            </a:r>
+          </a:p>
+          <a:p>
+            <a:pPr lvl="0"/>
+            <a:r>
+              <a:rPr lang="ru-RU" b="1" dirty="0"/>
+              <a:t>Линейная</a:t>
+            </a:r>
+            <a:r>
+              <a:rPr lang="ru-RU" dirty="0"/>
+              <a:t>  О(n)</a:t>
+            </a:r>
+          </a:p>
+          <a:p>
+            <a:pPr lvl="0"/>
+            <a:r>
+              <a:rPr lang="ru-RU" b="1" dirty="0"/>
+              <a:t>Линейно–логарифмическая</a:t>
+            </a:r>
+            <a:r>
+              <a:rPr lang="ru-RU" dirty="0"/>
+              <a:t>  О(n*</a:t>
+            </a:r>
+            <a:r>
+              <a:rPr lang="ru-RU" dirty="0" err="1"/>
+              <a:t>log</a:t>
+            </a:r>
+            <a:r>
+              <a:rPr lang="ru-RU" dirty="0"/>
+              <a:t> n)</a:t>
+            </a:r>
+          </a:p>
+          <a:p>
+            <a:pPr lvl="0"/>
+            <a:r>
+              <a:rPr lang="ru-RU" b="1" dirty="0"/>
+              <a:t>Квадратичной</a:t>
+            </a:r>
+            <a:r>
+              <a:rPr lang="ru-RU" dirty="0"/>
+              <a:t>  О(n</a:t>
+            </a:r>
+            <a:r>
+              <a:rPr lang="en-US" baseline="30000" dirty="0"/>
+              <a:t>2</a:t>
+            </a:r>
+            <a:r>
+              <a:rPr lang="ru-RU" dirty="0"/>
+              <a:t>)</a:t>
+            </a:r>
+          </a:p>
+          <a:p>
+            <a:pPr lvl="0"/>
+            <a:r>
+              <a:rPr lang="ru-RU" b="1" dirty="0"/>
+              <a:t>Степенная</a:t>
+            </a:r>
+            <a:r>
+              <a:rPr lang="ru-RU" dirty="0"/>
+              <a:t>  О(n</a:t>
+            </a:r>
+            <a:r>
+              <a:rPr lang="en-US" baseline="30000" dirty="0"/>
+              <a:t>a</a:t>
+            </a:r>
+            <a:r>
+              <a:rPr lang="ru-RU" dirty="0"/>
+              <a:t>) при а&gt;2</a:t>
+            </a:r>
+          </a:p>
+          <a:p>
+            <a:pPr lvl="0"/>
+            <a:r>
+              <a:rPr lang="ru-RU" b="1" dirty="0"/>
+              <a:t>Показательной</a:t>
+            </a:r>
+            <a:r>
+              <a:rPr lang="ru-RU" dirty="0"/>
+              <a:t> (</a:t>
+            </a:r>
+            <a:r>
+              <a:rPr lang="ru-RU" b="1" dirty="0"/>
+              <a:t>экспоненциальной)</a:t>
+            </a:r>
+            <a:r>
+              <a:rPr lang="ru-RU" dirty="0"/>
+              <a:t>  О(2</a:t>
+            </a:r>
+            <a:r>
+              <a:rPr lang="ru-RU" baseline="30000" dirty="0"/>
+              <a:t>n</a:t>
+            </a:r>
+            <a:r>
+              <a:rPr lang="ru-RU" dirty="0"/>
+              <a:t>)</a:t>
+            </a:r>
+          </a:p>
+          <a:p>
+            <a:pPr lvl="0"/>
+            <a:r>
+              <a:rPr lang="ru-RU" b="1" dirty="0"/>
+              <a:t>Факториальная</a:t>
+            </a:r>
+            <a:r>
+              <a:rPr lang="ru-RU" dirty="0"/>
+              <a:t>  О(n!)</a:t>
+            </a:r>
+          </a:p>
+          <a:p>
+            <a:endParaRPr lang="ru-RU" dirty="0"/>
+          </a:p>
+        </p:txBody>
+      </p:sp>
+    </p:spTree>
+    <p:extLst>
+      <p:ext uri="{BB962C8B-B14F-4D97-AF65-F5344CB8AC3E}">
+        <p14:creationId xmlns:p14="http://schemas.microsoft.com/office/powerpoint/2010/main" val="2886480144"/>
+      </p:ext>
+    </p:extLst>
+  </p:cSld>
+  <p:clrMapOvr>
+    <a:masterClrMapping/>
+  </p:clrMapOvr>
+</p:sld>
+</file>
+
+<file path=ppt/slides/slide6.xml><?xml version="1.0" encoding="utf-8"?>
+<p:sld xmlns:a="http://schemas.openxmlformats.org/drawingml/2006/main" xmlns:r="http://schemas.openxmlformats.org/officeDocument/2006/relationships" xmlns:p="http://schemas.openxmlformats.org/presentationml/2006/main">
+  <p:cSld>
+    <p:spTree>
+      <p:nvGrpSpPr>
+        <p:cNvPr id="1" name=""/>
+        <p:cNvGrpSpPr/>
+        <p:nvPr/>
+      </p:nvGrpSpPr>
+      <p:grpSpPr>
+        <a:xfrm>
+          <a:off x="0" y="0"/>
+          <a:ext cx="0" cy="0"/>
+          <a:chOff x="0" y="0"/>
+          <a:chExt cx="0" cy="0"/>
+        </a:xfrm>
+      </p:grpSpPr>
+      <p:sp>
+        <p:nvSpPr>
+          <p:cNvPr id="2" name="Заголовок 1"/>
+          <p:cNvSpPr>
+            <a:spLocks noGrp="1"/>
+          </p:cNvSpPr>
+          <p:nvPr>
+            <p:ph type="title"/>
+          </p:nvPr>
+        </p:nvSpPr>
+        <p:spPr/>
+        <p:txBody>
+          <a:bodyPr/>
+          <a:lstStyle/>
+          <a:p>
+            <a:endParaRPr lang="ru-RU" dirty="0"/>
+          </a:p>
+        </p:txBody>
+      </p:sp>
+      <p:pic>
+        <p:nvPicPr>
+          <p:cNvPr id="3074" name="Picture 2" descr="http://habr.habrastorage.org/post_images/195/e1f/6a1/195e1f6a1379554ca9025338301a78ed.png"/>
+          <p:cNvPicPr>
+            <a:picLocks noGrp="1" noChangeAspect="1" noChangeArrowheads="1"/>
+          </p:cNvPicPr>
+          <p:nvPr>
+            <p:ph idx="1"/>
+          </p:nvPr>
+        </p:nvPicPr>
+        <p:blipFill>
+          <a:blip r:embed="rId2">
+            <a:extLst>
+              <a:ext uri="{28A0092B-C50C-407E-A947-70E740481C1C}">
+                <a14:useLocalDpi xmlns:a14="http://schemas.microsoft.com/office/drawing/2010/main" val="0"/>
+              </a:ext>
+            </a:extLst>
+          </a:blip>
+          <a:srcRect/>
+          <a:stretch>
+            <a:fillRect/>
+          </a:stretch>
+        </p:blipFill>
+        <p:spPr bwMode="auto">
+          <a:xfrm>
+            <a:off x="572914" y="1600200"/>
+            <a:ext cx="7998171" cy="4525963"/>
+          </a:xfrm>
+          <a:prstGeom prst="rect">
+            <a:avLst/>
+          </a:prstGeom>
+          <a:noFill/>
+          <a:extLst>
+            <a:ext uri="{909E8E84-426E-40DD-AFC4-6F175D3DCCD1}">
+              <a14:hiddenFill xmlns:a14="http://schemas.microsoft.com/office/drawing/2010/main">
+                <a:solidFill>
+                  <a:srgbClr val="FFFFFF"/>
+                </a:solidFill>
+              </a14:hiddenFill>
+            </a:ext>
+          </a:extLst>
+        </p:spPr>
+      </p:pic>
+    </p:spTree>
+    <p:extLst>
+      <p:ext uri="{BB962C8B-B14F-4D97-AF65-F5344CB8AC3E}">
+        <p14:creationId xmlns:p14="http://schemas.microsoft.com/office/powerpoint/2010/main" val="4209160477"/>
+      </p:ext>
+    </p:extLst>
+  </p:cSld>
+  <p:clrMapOvr>
+    <a:masterClrMapping/>
+  </p:clrMapOvr>
+</p:sld>
+</file>
+
+<file path=ppt/slides/slide7.xml><?xml version="1.0" encoding="utf-8"?>
+<p:sld xmlns:a="http://schemas.openxmlformats.org/drawingml/2006/main" xmlns:r="http://schemas.openxmlformats.org/officeDocument/2006/relationships" xmlns:p="http://schemas.openxmlformats.org/presentationml/2006/main">
+  <p:cSld>
+    <p:spTree>
+      <p:nvGrpSpPr>
+        <p:cNvPr id="1" name=""/>
+        <p:cNvGrpSpPr/>
+        <p:nvPr/>
+      </p:nvGrpSpPr>
+      <p:grpSpPr>
+        <a:xfrm>
+          <a:off x="0" y="0"/>
+          <a:ext cx="0" cy="0"/>
+          <a:chOff x="0" y="0"/>
+          <a:chExt cx="0" cy="0"/>
+        </a:xfrm>
+      </p:grpSpPr>
+      <p:sp>
+        <p:nvSpPr>
+          <p:cNvPr id="2" name="Заголовок 1"/>
+          <p:cNvSpPr>
+            <a:spLocks noGrp="1"/>
+          </p:cNvSpPr>
+          <p:nvPr>
+            <p:ph type="title"/>
+          </p:nvPr>
+        </p:nvSpPr>
+        <p:spPr/>
+        <p:txBody>
+          <a:bodyPr/>
+          <a:lstStyle/>
+          <a:p>
+            <a:endParaRPr lang="ru-RU"/>
+          </a:p>
+        </p:txBody>
+      </p:sp>
+      <p:pic>
+        <p:nvPicPr>
+          <p:cNvPr id="1026" name="Picture 2"/>
+          <p:cNvPicPr>
+            <a:picLocks noChangeAspect="1" noChangeArrowheads="1"/>
+          </p:cNvPicPr>
+          <p:nvPr/>
+        </p:nvPicPr>
+        <p:blipFill>
+          <a:blip r:embed="rId2">
+            <a:extLst>
+              <a:ext uri="{28A0092B-C50C-407E-A947-70E740481C1C}">
+                <a14:useLocalDpi xmlns:a14="http://schemas.microsoft.com/office/drawing/2010/main" val="0"/>
+              </a:ext>
+            </a:extLst>
+          </a:blip>
+          <a:srcRect/>
+          <a:stretch>
+            <a:fillRect/>
+          </a:stretch>
+        </p:blipFill>
+        <p:spPr bwMode="auto">
+          <a:xfrm>
+            <a:off x="539552" y="3645024"/>
+            <a:ext cx="4763607" cy="2880320"/>
+          </a:xfrm>
+          <a:prstGeom prst="rect">
+            <a:avLst/>
+          </a:prstGeom>
+          <a:noFill/>
+          <a:ln>
+            <a:noFill/>
+          </a:ln>
+          <a:extLst>
+            <a:ext uri="{909E8E84-426E-40DD-AFC4-6F175D3DCCD1}">
+              <a14:hiddenFill xmlns:a14="http://schemas.microsoft.com/office/drawing/2010/main">
+                <a:solidFill>
+                  <a:schemeClr val="accent1"/>
+                </a:solidFill>
+              </a14:hiddenFill>
+            </a:ext>
+            <a:ext uri="{91240B29-F687-4F45-9708-019B960494DF}">
+              <a14:hiddenLine xmlns:a14="http://schemas.microsoft.com/office/drawing/2010/main" w="9525">
+                <a:solidFill>
+                  <a:schemeClr val="tx1"/>
+                </a:solidFill>
+                <a:miter lim="800000"/>
+                <a:headEnd/>
+                <a:tailEnd/>
+              </a14:hiddenLine>
+            </a:ext>
+          </a:extLst>
+        </p:spPr>
+      </p:pic>
+      <p:pic>
+        <p:nvPicPr>
+          <p:cNvPr id="1028" name="Picture 4" descr="http://habr.habrastorage.org/post_images/fd0/c1c/9ed/fd0c1c9ed7d949c2cd258b45302016ca.png"/>
+          <p:cNvPicPr>
+            <a:picLocks noGrp="1" noChangeAspect="1" noChangeArrowheads="1"/>
+          </p:cNvPicPr>
+          <p:nvPr>
+            <p:ph idx="1"/>
+          </p:nvPr>
+        </p:nvPicPr>
+        <p:blipFill>
+          <a:blip r:embed="rId3">
+            <a:extLst>
+              <a:ext uri="{28A0092B-C50C-407E-A947-70E740481C1C}">
+                <a14:useLocalDpi xmlns:a14="http://schemas.microsoft.com/office/drawing/2010/main" val="0"/>
+              </a:ext>
+            </a:extLst>
+          </a:blip>
+          <a:srcRect/>
+          <a:stretch>
+            <a:fillRect/>
+          </a:stretch>
+        </p:blipFill>
+        <p:spPr bwMode="auto">
+          <a:xfrm>
+            <a:off x="611560" y="799730"/>
+            <a:ext cx="7259064" cy="2810267"/>
+          </a:xfrm>
+          <a:prstGeom prst="rect">
+            <a:avLst/>
+          </a:prstGeom>
+          <a:noFill/>
+          <a:extLst>
+            <a:ext uri="{909E8E84-426E-40DD-AFC4-6F175D3DCCD1}">
+              <a14:hiddenFill xmlns:a14="http://schemas.microsoft.com/office/drawing/2010/main">
+                <a:solidFill>
+                  <a:srgbClr val="FFFFFF"/>
+                </a:solidFill>
+              </a14:hiddenFill>
+            </a:ext>
+          </a:extLst>
+        </p:spPr>
+      </p:pic>
+    </p:spTree>
+    <p:extLst>
+      <p:ext uri="{BB962C8B-B14F-4D97-AF65-F5344CB8AC3E}">
+        <p14:creationId xmlns:p14="http://schemas.microsoft.com/office/powerpoint/2010/main" val="1736373301"/>
+      </p:ext>
+    </p:extLst>
+  </p:cSld>
+  <p:clrMapOvr>
+    <a:masterClrMapping/>
+  </p:clrMapOvr>
+</p:sld>
+</file>
+
+<file path=ppt/slides/slide8.xml><?xml version="1.0" encoding="utf-8"?>
+<p:sld xmlns:a="http://schemas.openxmlformats.org/drawingml/2006/main" xmlns:r="http://schemas.openxmlformats.org/officeDocument/2006/relationships" xmlns:p="http://schemas.openxmlformats.org/presentationml/2006/main">
+  <p:cSld>
+    <p:spTree>
+      <p:nvGrpSpPr>
+        <p:cNvPr id="1" name=""/>
+        <p:cNvGrpSpPr/>
+        <p:nvPr/>
+      </p:nvGrpSpPr>
+      <p:grpSpPr>
+        <a:xfrm>
+          <a:off x="0" y="0"/>
+          <a:ext cx="0" cy="0"/>
+          <a:chOff x="0" y="0"/>
+          <a:chExt cx="0" cy="0"/>
+        </a:xfrm>
+      </p:grpSpPr>
+      <p:sp>
+        <p:nvSpPr>
+          <p:cNvPr id="2" name="Заголовок 1"/>
+          <p:cNvSpPr>
+            <a:spLocks noGrp="1"/>
+          </p:cNvSpPr>
+          <p:nvPr>
+            <p:ph type="title"/>
+          </p:nvPr>
+        </p:nvSpPr>
+        <p:spPr/>
+        <p:txBody>
+          <a:bodyPr/>
+          <a:lstStyle/>
+          <a:p>
+            <a:r>
+              <a:rPr lang="ru-RU" dirty="0" smtClean="0"/>
+              <a:t>Односвязный список </a:t>
+            </a:r>
+            <a:r>
+              <a:rPr lang="en-US" dirty="0" smtClean="0"/>
+              <a:t>(</a:t>
+            </a:r>
+            <a:r>
+              <a:rPr lang="en-US" dirty="0" err="1" smtClean="0"/>
+              <a:t>LinkedList</a:t>
+            </a:r>
+            <a:r>
+              <a:rPr lang="en-US" dirty="0" smtClean="0"/>
+              <a:t>)</a:t>
+            </a:r>
+            <a:endParaRPr lang="ru-RU" dirty="0"/>
+          </a:p>
+        </p:txBody>
+      </p:sp>
+      <p:pic>
+        <p:nvPicPr>
+          <p:cNvPr id="1026" name="Picture 2" descr="Single linked list.png"/>
+          <p:cNvPicPr>
+            <a:picLocks noChangeAspect="1" noChangeArrowheads="1"/>
+          </p:cNvPicPr>
+          <p:nvPr/>
+        </p:nvPicPr>
+        <p:blipFill>
+          <a:blip r:embed="rId2">
+            <a:extLst>
+              <a:ext uri="{28A0092B-C50C-407E-A947-70E740481C1C}">
+                <a14:useLocalDpi xmlns:a14="http://schemas.microsoft.com/office/drawing/2010/main" val="0"/>
+              </a:ext>
+            </a:extLst>
+          </a:blip>
+          <a:srcRect/>
+          <a:stretch>
+            <a:fillRect/>
+          </a:stretch>
+        </p:blipFill>
+        <p:spPr bwMode="auto">
+          <a:xfrm>
+            <a:off x="467544" y="3867528"/>
+            <a:ext cx="3960440" cy="1283184"/>
+          </a:xfrm>
+          <a:prstGeom prst="rect">
+            <a:avLst/>
+          </a:prstGeom>
+          <a:noFill/>
+          <a:extLst>
+            <a:ext uri="{909E8E84-426E-40DD-AFC4-6F175D3DCCD1}">
+              <a14:hiddenFill xmlns:a14="http://schemas.microsoft.com/office/drawing/2010/main">
+                <a:solidFill>
+                  <a:srgbClr val="FFFFFF"/>
+                </a:solidFill>
+              </a14:hiddenFill>
+            </a:ext>
+          </a:extLst>
+        </p:spPr>
+      </p:pic>
+      <p:sp>
+        <p:nvSpPr>
+          <p:cNvPr id="4" name="Объект 3"/>
+          <p:cNvSpPr>
+            <a:spLocks noGrp="1"/>
+          </p:cNvSpPr>
+          <p:nvPr>
+            <p:ph idx="1"/>
+          </p:nvPr>
+        </p:nvSpPr>
+        <p:spPr>
+          <a:xfrm>
+            <a:off x="683568" y="1124744"/>
+            <a:ext cx="8003232" cy="3201219"/>
+          </a:xfrm>
+        </p:spPr>
+        <p:txBody>
+          <a:bodyPr/>
+          <a:lstStyle/>
+          <a:p>
+            <a:pPr marL="0" indent="0">
+              <a:buNone/>
+            </a:pPr>
+            <a:r>
+              <a:rPr lang="ru-RU" dirty="0" smtClean="0"/>
+              <a:t>Структура данных, </a:t>
+            </a:r>
+            <a:r>
+              <a:rPr lang="ru-RU" dirty="0"/>
+              <a:t>состоящая из </a:t>
+            </a:r>
+            <a:r>
+              <a:rPr lang="ru-RU" dirty="0" smtClean="0"/>
+              <a:t>узлов, </a:t>
+            </a:r>
+            <a:r>
+              <a:rPr lang="ru-RU" dirty="0"/>
+              <a:t>каждый из которых содержит как собственно данные, так и  </a:t>
+            </a:r>
+            <a:r>
+              <a:rPr lang="ru-RU" dirty="0" smtClean="0"/>
+              <a:t>ссылку</a:t>
+            </a:r>
+            <a:r>
+              <a:rPr lang="ru-RU" dirty="0"/>
+              <a:t> </a:t>
+            </a:r>
+            <a:r>
+              <a:rPr lang="ru-RU" dirty="0" smtClean="0"/>
+              <a:t>на </a:t>
+            </a:r>
+            <a:r>
+              <a:rPr lang="ru-RU" dirty="0"/>
+              <a:t>следующий </a:t>
+            </a:r>
+            <a:r>
+              <a:rPr lang="ru-RU" dirty="0" smtClean="0"/>
+              <a:t>узел списка</a:t>
+            </a:r>
+            <a:endParaRPr lang="ru-RU" dirty="0"/>
+          </a:p>
+        </p:txBody>
+      </p:sp>
+      <p:pic>
+        <p:nvPicPr>
+          <p:cNvPr id="1029" name="Picture 5"/>
+          <p:cNvPicPr>
+            <a:picLocks noChangeAspect="1" noChangeArrowheads="1"/>
+          </p:cNvPicPr>
+          <p:nvPr/>
+        </p:nvPicPr>
+        <p:blipFill>
+          <a:blip r:embed="rId3">
+            <a:extLst>
+              <a:ext uri="{28A0092B-C50C-407E-A947-70E740481C1C}">
+                <a14:useLocalDpi xmlns:a14="http://schemas.microsoft.com/office/drawing/2010/main" val="0"/>
+              </a:ext>
+            </a:extLst>
+          </a:blip>
+          <a:srcRect/>
+          <a:stretch>
+            <a:fillRect/>
+          </a:stretch>
+        </p:blipFill>
+        <p:spPr bwMode="auto">
+          <a:xfrm>
+            <a:off x="4254631" y="3429000"/>
+            <a:ext cx="4760529" cy="2160240"/>
+          </a:xfrm>
+          <a:prstGeom prst="rect">
+            <a:avLst/>
+          </a:prstGeom>
+          <a:noFill/>
+          <a:ln>
+            <a:noFill/>
+          </a:ln>
+          <a:extLst>
+            <a:ext uri="{909E8E84-426E-40DD-AFC4-6F175D3DCCD1}">
+              <a14:hiddenFill xmlns:a14="http://schemas.microsoft.com/office/drawing/2010/main">
+                <a:solidFill>
+                  <a:schemeClr val="accent1"/>
+                </a:solidFill>
+              </a14:hiddenFill>
+            </a:ext>
+            <a:ext uri="{91240B29-F687-4F45-9708-019B960494DF}">
+              <a14:hiddenLine xmlns:a14="http://schemas.microsoft.com/office/drawing/2010/main" w="9525">
+                <a:solidFill>
+                  <a:schemeClr val="tx1"/>
+                </a:solidFill>
+                <a:miter lim="800000"/>
+                <a:headEnd/>
+                <a:tailEnd/>
+              </a14:hiddenLine>
+            </a:ext>
+          </a:extLst>
+        </p:spPr>
+      </p:pic>
+    </p:spTree>
+    <p:extLst>
+      <p:ext uri="{BB962C8B-B14F-4D97-AF65-F5344CB8AC3E}">
+        <p14:creationId xmlns:p14="http://schemas.microsoft.com/office/powerpoint/2010/main" val="2806992559"/>
+      </p:ext>
+    </p:extLst>
+  </p:cSld>
+  <p:clrMapOvr>
+    <a:masterClrMapping/>
+  </p:clrMapOvr>
+</p:sld>
+</file>
+
+<file path=ppt/slides/slide9.xml><?xml version="1.0" encoding="utf-8"?>
+<p:sld xmlns:a="http://schemas.openxmlformats.org/drawingml/2006/main" xmlns:r="http://schemas.openxmlformats.org/officeDocument/2006/relationships" xmlns:p="http://schemas.openxmlformats.org/presentationml/2006/main">
+  <p:cSld>
+    <p:spTree>
+      <p:nvGrpSpPr>
+        <p:cNvPr id="1" name=""/>
+        <p:cNvGrpSpPr/>
+        <p:nvPr/>
+      </p:nvGrpSpPr>
+      <p:grpSpPr>
+        <a:xfrm>
+          <a:off x="0" y="0"/>
+          <a:ext cx="0" cy="0"/>
+          <a:chOff x="0" y="0"/>
+          <a:chExt cx="0" cy="0"/>
+        </a:xfrm>
+      </p:grpSpPr>
+      <p:sp>
+        <p:nvSpPr>
+          <p:cNvPr id="2" name="Заголовок 1"/>
+          <p:cNvSpPr>
+            <a:spLocks noGrp="1"/>
+          </p:cNvSpPr>
+          <p:nvPr>
+            <p:ph type="title"/>
+          </p:nvPr>
+        </p:nvSpPr>
+        <p:spPr/>
+        <p:txBody>
+          <a:bodyPr/>
+          <a:lstStyle/>
+          <a:p>
+            <a:r>
+              <a:rPr lang="ru-RU" dirty="0" smtClean="0"/>
+              <a:t>Параметрический полиморфизм</a:t>
+            </a:r>
+            <a:endParaRPr lang="ru-RU" dirty="0"/>
+          </a:p>
+        </p:txBody>
+      </p:sp>
+      <p:sp>
+        <p:nvSpPr>
+          <p:cNvPr id="3" name="Объект 2"/>
+          <p:cNvSpPr>
+            <a:spLocks noGrp="1"/>
+          </p:cNvSpPr>
+          <p:nvPr>
+            <p:ph idx="1"/>
+          </p:nvPr>
+        </p:nvSpPr>
+        <p:spPr/>
+        <p:txBody>
+          <a:bodyPr/>
+          <a:lstStyle/>
+          <a:p>
+            <a:r>
+              <a:rPr lang="ru-RU" dirty="0" smtClean="0"/>
+              <a:t>Позволяет </a:t>
+            </a:r>
+            <a:r>
+              <a:rPr lang="ru-RU" dirty="0"/>
+              <a:t>определять функцию или тип данных обобщённо, чтобы значения могли обрабатываться идентично вне зависимости от их </a:t>
+            </a:r>
+            <a:r>
+              <a:rPr lang="ru-RU" dirty="0" smtClean="0"/>
+              <a:t>типа</a:t>
+            </a:r>
+          </a:p>
+          <a:p>
+            <a:r>
+              <a:rPr lang="ru-RU" dirty="0" smtClean="0"/>
+              <a:t>Сохраняет </a:t>
+            </a:r>
+            <a:r>
+              <a:rPr lang="ru-RU" dirty="0" err="1" smtClean="0"/>
+              <a:t>типобезопасность</a:t>
+            </a:r>
+            <a:endParaRPr lang="ru-RU" dirty="0"/>
+          </a:p>
+        </p:txBody>
+      </p:sp>
+    </p:spTree>
+    <p:extLst>
+      <p:ext uri="{BB962C8B-B14F-4D97-AF65-F5344CB8AC3E}">
+        <p14:creationId xmlns:p14="http://schemas.microsoft.com/office/powerpoint/2010/main" val="1275461800"/>
       </p:ext>
     </p:extLst>
   </p:cSld>
